--- a/FinTech_Project_1_Presentation.pptx
+++ b/FinTech_Project_1_Presentation.pptx
@@ -1,44 +1,44 @@
 
 <file path=ppt/presentation.xml><?xml version="1.0" encoding="utf-8"?>
-<p:presentation xmlns:a="http://schemas.openxmlformats.org/drawingml/2006/main" xmlns:r="http://schemas.openxmlformats.org/officeDocument/2006/relationships" xmlns:mc="http://schemas.openxmlformats.org/markup-compatibility/2006" xmlns:mv="urn:schemas-microsoft-com:mac:vml" xmlns:p="http://schemas.openxmlformats.org/presentationml/2006/main" xmlns:c="http://schemas.openxmlformats.org/drawingml/2006/chart" xmlns:dgm="http://schemas.openxmlformats.org/drawingml/2006/diagram" xmlns:o="urn:schemas-microsoft-com:office:office" xmlns:v="urn:schemas-microsoft-com:vml" xmlns:pvml="urn:schemas-microsoft-com:office:powerpoint" xmlns:com="http://schemas.openxmlformats.org/drawingml/2006/compatibility" xmlns:p14="http://schemas.microsoft.com/office/powerpoint/2010/main" xmlns:p15="http://schemas.microsoft.com/office/powerpoint/2012/main" xmlns:ahyp="http://schemas.microsoft.com/office/drawing/2018/hyperlinkcolor" autoCompressPictures="0" embedTrueTypeFonts="1" strictFirstAndLastChars="0" saveSubsetFonts="1">
+<p:presentation xmlns:a="http://schemas.openxmlformats.org/drawingml/2006/main" xmlns:r="http://schemas.openxmlformats.org/officeDocument/2006/relationships" xmlns:p="http://schemas.openxmlformats.org/presentationml/2006/main" strictFirstAndLastChars="0" embedTrueTypeFonts="1" saveSubsetFonts="1" autoCompressPictures="0">
   <p:sldMasterIdLst>
-    <p:sldMasterId id="2147483662" r:id="rId3"/>
+    <p:sldMasterId id="2147483662" r:id="rId1"/>
   </p:sldMasterIdLst>
   <p:notesMasterIdLst>
-    <p:notesMasterId r:id="rId4"/>
+    <p:notesMasterId r:id="rId12"/>
   </p:notesMasterIdLst>
   <p:sldIdLst>
-    <p:sldId id="256" r:id="rId5"/>
-    <p:sldId id="257" r:id="rId6"/>
-    <p:sldId id="258" r:id="rId7"/>
-    <p:sldId id="259" r:id="rId8"/>
-    <p:sldId id="260" r:id="rId9"/>
-    <p:sldId id="261" r:id="rId10"/>
-    <p:sldId id="262" r:id="rId11"/>
-    <p:sldId id="263" r:id="rId12"/>
-    <p:sldId id="264" r:id="rId13"/>
-    <p:sldId id="265" r:id="rId14"/>
+    <p:sldId id="256" r:id="rId2"/>
+    <p:sldId id="257" r:id="rId3"/>
+    <p:sldId id="258" r:id="rId4"/>
+    <p:sldId id="259" r:id="rId5"/>
+    <p:sldId id="260" r:id="rId6"/>
+    <p:sldId id="262" r:id="rId7"/>
+    <p:sldId id="261" r:id="rId8"/>
+    <p:sldId id="263" r:id="rId9"/>
+    <p:sldId id="264" r:id="rId10"/>
+    <p:sldId id="265" r:id="rId11"/>
   </p:sldIdLst>
-  <p:sldSz cy="5143500" cx="9144000"/>
+  <p:sldSz cx="9144000" cy="5143500" type="screen16x9"/>
   <p:notesSz cx="6858000" cy="9144000"/>
   <p:embeddedFontLst>
     <p:embeddedFont>
-      <p:font typeface="Oswald Medium"/>
-      <p:regular r:id="rId15"/>
-      <p:bold r:id="rId16"/>
+      <p:font typeface="Average" panose="020B0604020202020204" charset="0"/>
+      <p:regular r:id="rId13"/>
     </p:embeddedFont>
     <p:embeddedFont>
-      <p:font typeface="Average"/>
-      <p:regular r:id="rId17"/>
+      <p:font typeface="Oswald" panose="00000500000000000000" pitchFamily="2" charset="0"/>
+      <p:regular r:id="rId14"/>
+      <p:bold r:id="rId15"/>
     </p:embeddedFont>
     <p:embeddedFont>
-      <p:font typeface="Oswald"/>
-      <p:regular r:id="rId18"/>
-      <p:bold r:id="rId19"/>
+      <p:font typeface="Oswald Medium" panose="00000600000000000000" pitchFamily="2" charset="0"/>
+      <p:regular r:id="rId16"/>
+      <p:bold r:id="rId17"/>
     </p:embeddedFont>
   </p:embeddedFontLst>
   <p:defaultTextStyle>
-    <a:defPPr lvl="0" marR="0" rtl="0" algn="l">
+    <a:defPPr marR="0" lvl="0" algn="l" rtl="0">
       <a:lnSpc>
         <a:spcPct val="100000"/>
       </a:lnSpc>
@@ -49,7 +49,7 @@
         <a:spcPts val="0"/>
       </a:spcAft>
     </a:defPPr>
-    <a:lvl1pPr lvl="0" marR="0" rtl="0" algn="l">
+    <a:lvl1pPr marR="0" lvl="0" algn="l" rtl="0">
       <a:lnSpc>
         <a:spcPct val="100000"/>
       </a:lnSpc>
@@ -63,7 +63,7 @@
         <a:srgbClr val="000000"/>
       </a:buClr>
       <a:buFont typeface="Arial"/>
-      <a:defRPr b="0" i="0" sz="1400" u="none" cap="none" strike="noStrike">
+      <a:defRPr sz="1400" b="0" i="0" u="none" strike="noStrike" cap="none">
         <a:solidFill>
           <a:srgbClr val="000000"/>
         </a:solidFill>
@@ -73,7 +73,7 @@
         <a:sym typeface="Arial"/>
       </a:defRPr>
     </a:lvl1pPr>
-    <a:lvl2pPr lvl="1" marR="0" rtl="0" algn="l">
+    <a:lvl2pPr marR="0" lvl="1" algn="l" rtl="0">
       <a:lnSpc>
         <a:spcPct val="100000"/>
       </a:lnSpc>
@@ -87,7 +87,7 @@
         <a:srgbClr val="000000"/>
       </a:buClr>
       <a:buFont typeface="Arial"/>
-      <a:defRPr b="0" i="0" sz="1400" u="none" cap="none" strike="noStrike">
+      <a:defRPr sz="1400" b="0" i="0" u="none" strike="noStrike" cap="none">
         <a:solidFill>
           <a:srgbClr val="000000"/>
         </a:solidFill>
@@ -97,7 +97,7 @@
         <a:sym typeface="Arial"/>
       </a:defRPr>
     </a:lvl2pPr>
-    <a:lvl3pPr lvl="2" marR="0" rtl="0" algn="l">
+    <a:lvl3pPr marR="0" lvl="2" algn="l" rtl="0">
       <a:lnSpc>
         <a:spcPct val="100000"/>
       </a:lnSpc>
@@ -111,7 +111,7 @@
         <a:srgbClr val="000000"/>
       </a:buClr>
       <a:buFont typeface="Arial"/>
-      <a:defRPr b="0" i="0" sz="1400" u="none" cap="none" strike="noStrike">
+      <a:defRPr sz="1400" b="0" i="0" u="none" strike="noStrike" cap="none">
         <a:solidFill>
           <a:srgbClr val="000000"/>
         </a:solidFill>
@@ -121,7 +121,7 @@
         <a:sym typeface="Arial"/>
       </a:defRPr>
     </a:lvl3pPr>
-    <a:lvl4pPr lvl="3" marR="0" rtl="0" algn="l">
+    <a:lvl4pPr marR="0" lvl="3" algn="l" rtl="0">
       <a:lnSpc>
         <a:spcPct val="100000"/>
       </a:lnSpc>
@@ -135,7 +135,7 @@
         <a:srgbClr val="000000"/>
       </a:buClr>
       <a:buFont typeface="Arial"/>
-      <a:defRPr b="0" i="0" sz="1400" u="none" cap="none" strike="noStrike">
+      <a:defRPr sz="1400" b="0" i="0" u="none" strike="noStrike" cap="none">
         <a:solidFill>
           <a:srgbClr val="000000"/>
         </a:solidFill>
@@ -145,7 +145,7 @@
         <a:sym typeface="Arial"/>
       </a:defRPr>
     </a:lvl4pPr>
-    <a:lvl5pPr lvl="4" marR="0" rtl="0" algn="l">
+    <a:lvl5pPr marR="0" lvl="4" algn="l" rtl="0">
       <a:lnSpc>
         <a:spcPct val="100000"/>
       </a:lnSpc>
@@ -159,7 +159,7 @@
         <a:srgbClr val="000000"/>
       </a:buClr>
       <a:buFont typeface="Arial"/>
-      <a:defRPr b="0" i="0" sz="1400" u="none" cap="none" strike="noStrike">
+      <a:defRPr sz="1400" b="0" i="0" u="none" strike="noStrike" cap="none">
         <a:solidFill>
           <a:srgbClr val="000000"/>
         </a:solidFill>
@@ -169,7 +169,7 @@
         <a:sym typeface="Arial"/>
       </a:defRPr>
     </a:lvl5pPr>
-    <a:lvl6pPr lvl="5" marR="0" rtl="0" algn="l">
+    <a:lvl6pPr marR="0" lvl="5" algn="l" rtl="0">
       <a:lnSpc>
         <a:spcPct val="100000"/>
       </a:lnSpc>
@@ -183,7 +183,7 @@
         <a:srgbClr val="000000"/>
       </a:buClr>
       <a:buFont typeface="Arial"/>
-      <a:defRPr b="0" i="0" sz="1400" u="none" cap="none" strike="noStrike">
+      <a:defRPr sz="1400" b="0" i="0" u="none" strike="noStrike" cap="none">
         <a:solidFill>
           <a:srgbClr val="000000"/>
         </a:solidFill>
@@ -193,7 +193,7 @@
         <a:sym typeface="Arial"/>
       </a:defRPr>
     </a:lvl6pPr>
-    <a:lvl7pPr lvl="6" marR="0" rtl="0" algn="l">
+    <a:lvl7pPr marR="0" lvl="6" algn="l" rtl="0">
       <a:lnSpc>
         <a:spcPct val="100000"/>
       </a:lnSpc>
@@ -207,7 +207,7 @@
         <a:srgbClr val="000000"/>
       </a:buClr>
       <a:buFont typeface="Arial"/>
-      <a:defRPr b="0" i="0" sz="1400" u="none" cap="none" strike="noStrike">
+      <a:defRPr sz="1400" b="0" i="0" u="none" strike="noStrike" cap="none">
         <a:solidFill>
           <a:srgbClr val="000000"/>
         </a:solidFill>
@@ -217,7 +217,7 @@
         <a:sym typeface="Arial"/>
       </a:defRPr>
     </a:lvl7pPr>
-    <a:lvl8pPr lvl="7" marR="0" rtl="0" algn="l">
+    <a:lvl8pPr marR="0" lvl="7" algn="l" rtl="0">
       <a:lnSpc>
         <a:spcPct val="100000"/>
       </a:lnSpc>
@@ -231,7 +231,7 @@
         <a:srgbClr val="000000"/>
       </a:buClr>
       <a:buFont typeface="Arial"/>
-      <a:defRPr b="0" i="0" sz="1400" u="none" cap="none" strike="noStrike">
+      <a:defRPr sz="1400" b="0" i="0" u="none" strike="noStrike" cap="none">
         <a:solidFill>
           <a:srgbClr val="000000"/>
         </a:solidFill>
@@ -241,7 +241,7 @@
         <a:sym typeface="Arial"/>
       </a:defRPr>
     </a:lvl8pPr>
-    <a:lvl9pPr lvl="8" marR="0" rtl="0" algn="l">
+    <a:lvl9pPr marR="0" lvl="8" algn="l" rtl="0">
       <a:lnSpc>
         <a:spcPct val="100000"/>
       </a:lnSpc>
@@ -255,7 +255,7 @@
         <a:srgbClr val="000000"/>
       </a:buClr>
       <a:buFont typeface="Arial"/>
-      <a:defRPr b="0" i="0" sz="1400" u="none" cap="none" strike="noStrike">
+      <a:defRPr sz="1400" b="0" i="0" u="none" strike="noStrike" cap="none">
         <a:solidFill>
           <a:srgbClr val="000000"/>
         </a:solidFill>
@@ -270,11 +270,16 @@
 </file>
 
 <file path=ppt/notesMasters/notesMaster1.xml><?xml version="1.0" encoding="utf-8"?>
-<p:notesMaster xmlns:a="http://schemas.openxmlformats.org/drawingml/2006/main" xmlns:r="http://schemas.openxmlformats.org/officeDocument/2006/relationships" xmlns:mc="http://schemas.openxmlformats.org/markup-compatibility/2006" xmlns:mv="urn:schemas-microsoft-com:mac:vml" xmlns:p="http://schemas.openxmlformats.org/presentationml/2006/main" xmlns:c="http://schemas.openxmlformats.org/drawingml/2006/chart" xmlns:dgm="http://schemas.openxmlformats.org/drawingml/2006/diagram" xmlns:o="urn:schemas-microsoft-com:office:office" xmlns:v="urn:schemas-microsoft-com:vml" xmlns:pvml="urn:schemas-microsoft-com:office:powerpoint" xmlns:com="http://schemas.openxmlformats.org/drawingml/2006/compatibility" xmlns:p14="http://schemas.microsoft.com/office/powerpoint/2010/main" xmlns:p15="http://schemas.microsoft.com/office/powerpoint/2012/main" xmlns:ahyp="http://schemas.microsoft.com/office/drawing/2018/hyperlinkcolor">
+<p:notesMaster xmlns:a="http://schemas.openxmlformats.org/drawingml/2006/main" xmlns:r="http://schemas.openxmlformats.org/officeDocument/2006/relationships" xmlns:p="http://schemas.openxmlformats.org/presentationml/2006/main">
   <p:cSld>
+    <p:bg>
+      <p:bgRef idx="1001">
+        <a:schemeClr val="bg1"/>
+      </p:bgRef>
+    </p:bg>
     <p:spTree>
       <p:nvGrpSpPr>
-        <p:cNvPr id="2" name="Shape 2"/>
+        <p:cNvPr id="1" name="Shape 2"/>
         <p:cNvGrpSpPr/>
         <p:nvPr/>
       </p:nvGrpSpPr>
@@ -289,9 +294,11 @@
       <p:sp>
         <p:nvSpPr>
           <p:cNvPr id="3" name="Google Shape;3;n"/>
-          <p:cNvSpPr/>
+          <p:cNvSpPr>
+            <a:spLocks noGrp="1" noRot="1" noChangeAspect="1"/>
+          </p:cNvSpPr>
           <p:nvPr>
-            <p:ph idx="2" type="sldImg"/>
+            <p:ph type="sldImg" idx="2"/>
           </p:nvPr>
         </p:nvSpPr>
         <p:spPr>
@@ -300,9 +307,13 @@
             <a:ext cx="4572000" cy="3429000"/>
           </a:xfrm>
           <a:custGeom>
-            <a:rect b="b" l="l" r="r" t="t"/>
+            <a:avLst/>
+            <a:gdLst/>
+            <a:ahLst/>
+            <a:cxnLst/>
+            <a:rect l="l" t="t" r="r" b="b"/>
             <a:pathLst>
-              <a:path extrusionOk="0" h="120000" w="120000">
+              <a:path w="120000" h="120000" extrusionOk="0">
                 <a:moveTo>
                   <a:pt x="0" y="0"/>
                 </a:moveTo>
@@ -328,9 +339,11 @@
       <p:sp>
         <p:nvSpPr>
           <p:cNvPr id="4" name="Google Shape;4;n"/>
-          <p:cNvSpPr txBox="1"/>
+          <p:cNvSpPr txBox="1">
+            <a:spLocks noGrp="1"/>
+          </p:cNvSpPr>
           <p:nvPr>
-            <p:ph idx="1" type="body"/>
+            <p:ph type="body" idx="1"/>
           </p:nvPr>
         </p:nvSpPr>
         <p:spPr>
@@ -347,11 +360,11 @@
           </a:ln>
         </p:spPr>
         <p:txBody>
-          <a:bodyPr anchorCtr="0" anchor="t" bIns="45700" lIns="91425" spcFirstLastPara="1" rIns="91425" wrap="square" tIns="45700">
+          <a:bodyPr spcFirstLastPara="1" wrap="square" lIns="91425" tIns="45700" rIns="91425" bIns="45700" anchor="t" anchorCtr="0">
             <a:noAutofit/>
           </a:bodyPr>
           <a:lstStyle>
-            <a:lvl1pPr indent="-228600" lvl="0" marL="457200" marR="0" rtl="0" algn="l">
+            <a:lvl1pPr marL="457200" marR="0" lvl="0" indent="-228600" algn="l" rtl="0">
               <a:spcBef>
                 <a:spcPts val="0"/>
               </a:spcBef>
@@ -360,14 +373,14 @@
               </a:spcAft>
               <a:buSzPts val="1400"/>
               <a:buNone/>
-              <a:defRPr b="0" i="0" sz="1400" u="none" cap="none" strike="noStrike">
+              <a:defRPr sz="1400" b="0" i="0" u="none" strike="noStrike" cap="none">
                 <a:latin typeface="Arial"/>
                 <a:ea typeface="Arial"/>
                 <a:cs typeface="Arial"/>
                 <a:sym typeface="Arial"/>
               </a:defRPr>
             </a:lvl1pPr>
-            <a:lvl2pPr indent="-228600" lvl="1" marL="914400" marR="0" rtl="0" algn="l">
+            <a:lvl2pPr marL="914400" marR="0" lvl="1" indent="-228600" algn="l" rtl="0">
               <a:spcBef>
                 <a:spcPts val="0"/>
               </a:spcBef>
@@ -376,14 +389,14 @@
               </a:spcAft>
               <a:buSzPts val="1400"/>
               <a:buNone/>
-              <a:defRPr b="0" i="0" sz="1400" u="none" cap="none" strike="noStrike">
+              <a:defRPr sz="1400" b="0" i="0" u="none" strike="noStrike" cap="none">
                 <a:latin typeface="Arial"/>
                 <a:ea typeface="Arial"/>
                 <a:cs typeface="Arial"/>
                 <a:sym typeface="Arial"/>
               </a:defRPr>
             </a:lvl2pPr>
-            <a:lvl3pPr indent="-228600" lvl="2" marL="1371600" marR="0" rtl="0" algn="l">
+            <a:lvl3pPr marL="1371600" marR="0" lvl="2" indent="-228600" algn="l" rtl="0">
               <a:spcBef>
                 <a:spcPts val="0"/>
               </a:spcBef>
@@ -392,14 +405,14 @@
               </a:spcAft>
               <a:buSzPts val="1400"/>
               <a:buNone/>
-              <a:defRPr b="0" i="0" sz="1400" u="none" cap="none" strike="noStrike">
+              <a:defRPr sz="1400" b="0" i="0" u="none" strike="noStrike" cap="none">
                 <a:latin typeface="Arial"/>
                 <a:ea typeface="Arial"/>
                 <a:cs typeface="Arial"/>
                 <a:sym typeface="Arial"/>
               </a:defRPr>
             </a:lvl3pPr>
-            <a:lvl4pPr indent="-228600" lvl="3" marL="1828800" marR="0" rtl="0" algn="l">
+            <a:lvl4pPr marL="1828800" marR="0" lvl="3" indent="-228600" algn="l" rtl="0">
               <a:spcBef>
                 <a:spcPts val="0"/>
               </a:spcBef>
@@ -408,14 +421,14 @@
               </a:spcAft>
               <a:buSzPts val="1400"/>
               <a:buNone/>
-              <a:defRPr b="0" i="0" sz="1400" u="none" cap="none" strike="noStrike">
+              <a:defRPr sz="1400" b="0" i="0" u="none" strike="noStrike" cap="none">
                 <a:latin typeface="Arial"/>
                 <a:ea typeface="Arial"/>
                 <a:cs typeface="Arial"/>
                 <a:sym typeface="Arial"/>
               </a:defRPr>
             </a:lvl4pPr>
-            <a:lvl5pPr indent="-228600" lvl="4" marL="2286000" marR="0" rtl="0" algn="l">
+            <a:lvl5pPr marL="2286000" marR="0" lvl="4" indent="-228600" algn="l" rtl="0">
               <a:spcBef>
                 <a:spcPts val="0"/>
               </a:spcBef>
@@ -424,14 +437,14 @@
               </a:spcAft>
               <a:buSzPts val="1400"/>
               <a:buNone/>
-              <a:defRPr b="0" i="0" sz="1400" u="none" cap="none" strike="noStrike">
+              <a:defRPr sz="1400" b="0" i="0" u="none" strike="noStrike" cap="none">
                 <a:latin typeface="Arial"/>
                 <a:ea typeface="Arial"/>
                 <a:cs typeface="Arial"/>
                 <a:sym typeface="Arial"/>
               </a:defRPr>
             </a:lvl5pPr>
-            <a:lvl6pPr indent="-228600" lvl="5" marL="2743200" marR="0" rtl="0" algn="l">
+            <a:lvl6pPr marL="2743200" marR="0" lvl="5" indent="-228600" algn="l" rtl="0">
               <a:spcBef>
                 <a:spcPts val="0"/>
               </a:spcBef>
@@ -440,14 +453,14 @@
               </a:spcAft>
               <a:buSzPts val="1400"/>
               <a:buNone/>
-              <a:defRPr b="0" i="0" sz="1400" u="none" cap="none" strike="noStrike">
+              <a:defRPr sz="1400" b="0" i="0" u="none" strike="noStrike" cap="none">
                 <a:latin typeface="Arial"/>
                 <a:ea typeface="Arial"/>
                 <a:cs typeface="Arial"/>
                 <a:sym typeface="Arial"/>
               </a:defRPr>
             </a:lvl6pPr>
-            <a:lvl7pPr indent="-228600" lvl="6" marL="3200400" marR="0" rtl="0" algn="l">
+            <a:lvl7pPr marL="3200400" marR="0" lvl="6" indent="-228600" algn="l" rtl="0">
               <a:spcBef>
                 <a:spcPts val="0"/>
               </a:spcBef>
@@ -456,14 +469,14 @@
               </a:spcAft>
               <a:buSzPts val="1400"/>
               <a:buNone/>
-              <a:defRPr b="0" i="0" sz="1400" u="none" cap="none" strike="noStrike">
+              <a:defRPr sz="1400" b="0" i="0" u="none" strike="noStrike" cap="none">
                 <a:latin typeface="Arial"/>
                 <a:ea typeface="Arial"/>
                 <a:cs typeface="Arial"/>
                 <a:sym typeface="Arial"/>
               </a:defRPr>
             </a:lvl7pPr>
-            <a:lvl8pPr indent="-228600" lvl="7" marL="3657600" marR="0" rtl="0" algn="l">
+            <a:lvl8pPr marL="3657600" marR="0" lvl="7" indent="-228600" algn="l" rtl="0">
               <a:spcBef>
                 <a:spcPts val="0"/>
               </a:spcBef>
@@ -472,14 +485,14 @@
               </a:spcAft>
               <a:buSzPts val="1400"/>
               <a:buNone/>
-              <a:defRPr b="0" i="0" sz="1400" u="none" cap="none" strike="noStrike">
+              <a:defRPr sz="1400" b="0" i="0" u="none" strike="noStrike" cap="none">
                 <a:latin typeface="Arial"/>
                 <a:ea typeface="Arial"/>
                 <a:cs typeface="Arial"/>
                 <a:sym typeface="Arial"/>
               </a:defRPr>
             </a:lvl8pPr>
-            <a:lvl9pPr indent="-228600" lvl="8" marL="4114800" marR="0" rtl="0" algn="l">
+            <a:lvl9pPr marL="4114800" marR="0" lvl="8" indent="-228600" algn="l" rtl="0">
               <a:spcBef>
                 <a:spcPts val="0"/>
               </a:spcBef>
@@ -488,7 +501,7 @@
               </a:spcAft>
               <a:buSzPts val="1400"/>
               <a:buNone/>
-              <a:defRPr b="0" i="0" sz="1400" u="none" cap="none" strike="noStrike">
+              <a:defRPr sz="1400" b="0" i="0" u="none" strike="noStrike" cap="none">
                 <a:latin typeface="Arial"/>
                 <a:ea typeface="Arial"/>
                 <a:cs typeface="Arial"/>
@@ -496,14 +509,16 @@
               </a:defRPr>
             </a:lvl9pPr>
           </a:lstStyle>
-          <a:p/>
+          <a:p>
+            <a:endParaRPr/>
+          </a:p>
         </p:txBody>
       </p:sp>
     </p:spTree>
   </p:cSld>
-  <p:clrMap accent1="accent1" accent2="accent2" accent3="accent3" accent4="accent4" accent5="accent5" accent6="accent6" bg1="lt1" bg2="dk2" tx1="dk1" tx2="lt2" folHlink="folHlink" hlink="hlink"/>
+  <p:clrMap bg1="lt1" tx1="dk1" bg2="dk2" tx2="lt2" accent1="accent1" accent2="accent2" accent3="accent3" accent4="accent4" accent5="accent5" accent6="accent6" hlink="hlink" folHlink="folHlink"/>
   <p:notesStyle>
-    <a:defPPr lvl="0" marR="0" rtl="0" algn="l">
+    <a:defPPr marR="0" lvl="0" algn="l" rtl="0">
       <a:lnSpc>
         <a:spcPct val="100000"/>
       </a:lnSpc>
@@ -514,7 +529,7 @@
         <a:spcPts val="0"/>
       </a:spcAft>
     </a:defPPr>
-    <a:lvl1pPr lvl="0" marR="0" rtl="0" algn="l">
+    <a:lvl1pPr marR="0" lvl="0" algn="l" rtl="0">
       <a:lnSpc>
         <a:spcPct val="100000"/>
       </a:lnSpc>
@@ -528,7 +543,7 @@
         <a:srgbClr val="000000"/>
       </a:buClr>
       <a:buFont typeface="Arial"/>
-      <a:defRPr b="0" i="0" sz="1400" u="none" cap="none" strike="noStrike">
+      <a:defRPr sz="1400" b="0" i="0" u="none" strike="noStrike" cap="none">
         <a:solidFill>
           <a:srgbClr val="000000"/>
         </a:solidFill>
@@ -538,7 +553,7 @@
         <a:sym typeface="Arial"/>
       </a:defRPr>
     </a:lvl1pPr>
-    <a:lvl2pPr lvl="1" marR="0" rtl="0" algn="l">
+    <a:lvl2pPr marR="0" lvl="1" algn="l" rtl="0">
       <a:lnSpc>
         <a:spcPct val="100000"/>
       </a:lnSpc>
@@ -552,7 +567,7 @@
         <a:srgbClr val="000000"/>
       </a:buClr>
       <a:buFont typeface="Arial"/>
-      <a:defRPr b="0" i="0" sz="1400" u="none" cap="none" strike="noStrike">
+      <a:defRPr sz="1400" b="0" i="0" u="none" strike="noStrike" cap="none">
         <a:solidFill>
           <a:srgbClr val="000000"/>
         </a:solidFill>
@@ -562,7 +577,7 @@
         <a:sym typeface="Arial"/>
       </a:defRPr>
     </a:lvl2pPr>
-    <a:lvl3pPr lvl="2" marR="0" rtl="0" algn="l">
+    <a:lvl3pPr marR="0" lvl="2" algn="l" rtl="0">
       <a:lnSpc>
         <a:spcPct val="100000"/>
       </a:lnSpc>
@@ -576,7 +591,7 @@
         <a:srgbClr val="000000"/>
       </a:buClr>
       <a:buFont typeface="Arial"/>
-      <a:defRPr b="0" i="0" sz="1400" u="none" cap="none" strike="noStrike">
+      <a:defRPr sz="1400" b="0" i="0" u="none" strike="noStrike" cap="none">
         <a:solidFill>
           <a:srgbClr val="000000"/>
         </a:solidFill>
@@ -586,7 +601,7 @@
         <a:sym typeface="Arial"/>
       </a:defRPr>
     </a:lvl3pPr>
-    <a:lvl4pPr lvl="3" marR="0" rtl="0" algn="l">
+    <a:lvl4pPr marR="0" lvl="3" algn="l" rtl="0">
       <a:lnSpc>
         <a:spcPct val="100000"/>
       </a:lnSpc>
@@ -600,7 +615,7 @@
         <a:srgbClr val="000000"/>
       </a:buClr>
       <a:buFont typeface="Arial"/>
-      <a:defRPr b="0" i="0" sz="1400" u="none" cap="none" strike="noStrike">
+      <a:defRPr sz="1400" b="0" i="0" u="none" strike="noStrike" cap="none">
         <a:solidFill>
           <a:srgbClr val="000000"/>
         </a:solidFill>
@@ -610,7 +625,7 @@
         <a:sym typeface="Arial"/>
       </a:defRPr>
     </a:lvl4pPr>
-    <a:lvl5pPr lvl="4" marR="0" rtl="0" algn="l">
+    <a:lvl5pPr marR="0" lvl="4" algn="l" rtl="0">
       <a:lnSpc>
         <a:spcPct val="100000"/>
       </a:lnSpc>
@@ -624,7 +639,7 @@
         <a:srgbClr val="000000"/>
       </a:buClr>
       <a:buFont typeface="Arial"/>
-      <a:defRPr b="0" i="0" sz="1400" u="none" cap="none" strike="noStrike">
+      <a:defRPr sz="1400" b="0" i="0" u="none" strike="noStrike" cap="none">
         <a:solidFill>
           <a:srgbClr val="000000"/>
         </a:solidFill>
@@ -634,7 +649,7 @@
         <a:sym typeface="Arial"/>
       </a:defRPr>
     </a:lvl5pPr>
-    <a:lvl6pPr lvl="5" marR="0" rtl="0" algn="l">
+    <a:lvl6pPr marR="0" lvl="5" algn="l" rtl="0">
       <a:lnSpc>
         <a:spcPct val="100000"/>
       </a:lnSpc>
@@ -648,7 +663,7 @@
         <a:srgbClr val="000000"/>
       </a:buClr>
       <a:buFont typeface="Arial"/>
-      <a:defRPr b="0" i="0" sz="1400" u="none" cap="none" strike="noStrike">
+      <a:defRPr sz="1400" b="0" i="0" u="none" strike="noStrike" cap="none">
         <a:solidFill>
           <a:srgbClr val="000000"/>
         </a:solidFill>
@@ -658,7 +673,7 @@
         <a:sym typeface="Arial"/>
       </a:defRPr>
     </a:lvl6pPr>
-    <a:lvl7pPr lvl="6" marR="0" rtl="0" algn="l">
+    <a:lvl7pPr marR="0" lvl="6" algn="l" rtl="0">
       <a:lnSpc>
         <a:spcPct val="100000"/>
       </a:lnSpc>
@@ -672,7 +687,7 @@
         <a:srgbClr val="000000"/>
       </a:buClr>
       <a:buFont typeface="Arial"/>
-      <a:defRPr b="0" i="0" sz="1400" u="none" cap="none" strike="noStrike">
+      <a:defRPr sz="1400" b="0" i="0" u="none" strike="noStrike" cap="none">
         <a:solidFill>
           <a:srgbClr val="000000"/>
         </a:solidFill>
@@ -682,7 +697,7 @@
         <a:sym typeface="Arial"/>
       </a:defRPr>
     </a:lvl7pPr>
-    <a:lvl8pPr lvl="7" marR="0" rtl="0" algn="l">
+    <a:lvl8pPr marR="0" lvl="7" algn="l" rtl="0">
       <a:lnSpc>
         <a:spcPct val="100000"/>
       </a:lnSpc>
@@ -696,7 +711,7 @@
         <a:srgbClr val="000000"/>
       </a:buClr>
       <a:buFont typeface="Arial"/>
-      <a:defRPr b="0" i="0" sz="1400" u="none" cap="none" strike="noStrike">
+      <a:defRPr sz="1400" b="0" i="0" u="none" strike="noStrike" cap="none">
         <a:solidFill>
           <a:srgbClr val="000000"/>
         </a:solidFill>
@@ -706,7 +721,7 @@
         <a:sym typeface="Arial"/>
       </a:defRPr>
     </a:lvl8pPr>
-    <a:lvl9pPr lvl="8" marR="0" rtl="0" algn="l">
+    <a:lvl9pPr marR="0" lvl="8" algn="l" rtl="0">
       <a:lnSpc>
         <a:spcPct val="100000"/>
       </a:lnSpc>
@@ -720,7 +735,7 @@
         <a:srgbClr val="000000"/>
       </a:buClr>
       <a:buFont typeface="Arial"/>
-      <a:defRPr b="0" i="0" sz="1400" u="none" cap="none" strike="noStrike">
+      <a:defRPr sz="1400" b="0" i="0" u="none" strike="noStrike" cap="none">
         <a:solidFill>
           <a:srgbClr val="000000"/>
         </a:solidFill>
@@ -735,11 +750,11 @@
 </file>
 
 <file path=ppt/notesSlides/notesSlide1.xml><?xml version="1.0" encoding="utf-8"?>
-<p:notes xmlns:a="http://schemas.openxmlformats.org/drawingml/2006/main" xmlns:r="http://schemas.openxmlformats.org/officeDocument/2006/relationships" xmlns:mc="http://schemas.openxmlformats.org/markup-compatibility/2006" xmlns:mv="urn:schemas-microsoft-com:mac:vml" xmlns:p="http://schemas.openxmlformats.org/presentationml/2006/main" xmlns:c="http://schemas.openxmlformats.org/drawingml/2006/chart" xmlns:dgm="http://schemas.openxmlformats.org/drawingml/2006/diagram" xmlns:o="urn:schemas-microsoft-com:office:office" xmlns:v="urn:schemas-microsoft-com:vml" xmlns:pvml="urn:schemas-microsoft-com:office:powerpoint" xmlns:com="http://schemas.openxmlformats.org/drawingml/2006/compatibility" xmlns:p14="http://schemas.microsoft.com/office/powerpoint/2010/main" xmlns:p15="http://schemas.microsoft.com/office/powerpoint/2012/main" xmlns:ahyp="http://schemas.microsoft.com/office/drawing/2018/hyperlinkcolor" showMasterPhAnim="0" showMasterSp="0">
+<p:notes xmlns:a="http://schemas.openxmlformats.org/drawingml/2006/main" xmlns:r="http://schemas.openxmlformats.org/officeDocument/2006/relationships" xmlns:p="http://schemas.openxmlformats.org/presentationml/2006/main" showMasterSp="0" showMasterPhAnim="0">
   <p:cSld>
     <p:spTree>
       <p:nvGrpSpPr>
-        <p:cNvPr id="66" name="Shape 66"/>
+        <p:cNvPr id="1" name="Shape 66"/>
         <p:cNvGrpSpPr/>
         <p:nvPr/>
       </p:nvGrpSpPr>
@@ -754,9 +769,11 @@
       <p:sp>
         <p:nvSpPr>
           <p:cNvPr id="67" name="Google Shape;67;p1:notes"/>
-          <p:cNvSpPr txBox="1"/>
+          <p:cNvSpPr txBox="1">
+            <a:spLocks noGrp="1"/>
+          </p:cNvSpPr>
           <p:nvPr>
-            <p:ph idx="1" type="body"/>
+            <p:ph type="body" idx="1"/>
           </p:nvPr>
         </p:nvSpPr>
         <p:spPr>
@@ -769,12 +786,12 @@
           </a:prstGeom>
         </p:spPr>
         <p:txBody>
-          <a:bodyPr anchorCtr="0" anchor="t" bIns="45700" lIns="91425" spcFirstLastPara="1" rIns="91425" wrap="square" tIns="45700">
+          <a:bodyPr spcFirstLastPara="1" wrap="square" lIns="91425" tIns="45700" rIns="91425" bIns="45700" anchor="t" anchorCtr="0">
             <a:noAutofit/>
           </a:bodyPr>
           <a:lstStyle/>
           <a:p>
-            <a:pPr indent="0" lvl="0" marL="0" rtl="0" algn="l">
+            <a:pPr marL="0" lvl="0" indent="0" algn="l" rtl="0">
               <a:spcBef>
                 <a:spcPts val="0"/>
               </a:spcBef>
@@ -783,9 +800,6 @@
               </a:spcAft>
               <a:buNone/>
             </a:pPr>
-            <a:r>
-              <a:t/>
-            </a:r>
             <a:endParaRPr/>
           </a:p>
         </p:txBody>
@@ -793,9 +807,11 @@
       <p:sp>
         <p:nvSpPr>
           <p:cNvPr id="68" name="Google Shape;68;p1:notes"/>
-          <p:cNvSpPr/>
+          <p:cNvSpPr>
+            <a:spLocks noGrp="1" noRot="1" noChangeAspect="1"/>
+          </p:cNvSpPr>
           <p:nvPr>
-            <p:ph idx="2" type="sldImg"/>
+            <p:ph type="sldImg" idx="2"/>
           </p:nvPr>
         </p:nvSpPr>
         <p:spPr>
@@ -804,9 +820,13 @@
             <a:ext cx="4572000" cy="3429000"/>
           </a:xfrm>
           <a:custGeom>
-            <a:rect b="b" l="l" r="r" t="t"/>
+            <a:avLst/>
+            <a:gdLst/>
+            <a:ahLst/>
+            <a:cxnLst/>
+            <a:rect l="l" t="t" r="r" b="b"/>
             <a:pathLst>
-              <a:path extrusionOk="0" h="120000" w="120000">
+              <a:path w="120000" h="120000" extrusionOk="0">
                 <a:moveTo>
                   <a:pt x="0" y="0"/>
                 </a:moveTo>
@@ -834,11 +854,11 @@
 </file>
 
 <file path=ppt/notesSlides/notesSlide10.xml><?xml version="1.0" encoding="utf-8"?>
-<p:notes xmlns:a="http://schemas.openxmlformats.org/drawingml/2006/main" xmlns:r="http://schemas.openxmlformats.org/officeDocument/2006/relationships" xmlns:mc="http://schemas.openxmlformats.org/markup-compatibility/2006" xmlns:mv="urn:schemas-microsoft-com:mac:vml" xmlns:p="http://schemas.openxmlformats.org/presentationml/2006/main" xmlns:c="http://schemas.openxmlformats.org/drawingml/2006/chart" xmlns:dgm="http://schemas.openxmlformats.org/drawingml/2006/diagram" xmlns:o="urn:schemas-microsoft-com:office:office" xmlns:v="urn:schemas-microsoft-com:vml" xmlns:pvml="urn:schemas-microsoft-com:office:powerpoint" xmlns:com="http://schemas.openxmlformats.org/drawingml/2006/compatibility" xmlns:p14="http://schemas.microsoft.com/office/powerpoint/2010/main" xmlns:p15="http://schemas.microsoft.com/office/powerpoint/2012/main" xmlns:ahyp="http://schemas.microsoft.com/office/drawing/2018/hyperlinkcolor" showMasterPhAnim="0" showMasterSp="0">
+<p:notes xmlns:a="http://schemas.openxmlformats.org/drawingml/2006/main" xmlns:r="http://schemas.openxmlformats.org/officeDocument/2006/relationships" xmlns:p="http://schemas.openxmlformats.org/presentationml/2006/main" showMasterSp="0" showMasterPhAnim="0">
   <p:cSld>
     <p:spTree>
       <p:nvGrpSpPr>
-        <p:cNvPr id="120" name="Shape 120"/>
+        <p:cNvPr id="1" name="Shape 120"/>
         <p:cNvGrpSpPr/>
         <p:nvPr/>
       </p:nvGrpSpPr>
@@ -853,9 +873,11 @@
       <p:sp>
         <p:nvSpPr>
           <p:cNvPr id="121" name="Google Shape;121;p8:notes"/>
-          <p:cNvSpPr txBox="1"/>
+          <p:cNvSpPr txBox="1">
+            <a:spLocks noGrp="1"/>
+          </p:cNvSpPr>
           <p:nvPr>
-            <p:ph idx="1" type="body"/>
+            <p:ph type="body" idx="1"/>
           </p:nvPr>
         </p:nvSpPr>
         <p:spPr>
@@ -868,12 +890,12 @@
           </a:prstGeom>
         </p:spPr>
         <p:txBody>
-          <a:bodyPr anchorCtr="0" anchor="t" bIns="45700" lIns="91425" spcFirstLastPara="1" rIns="91425" wrap="square" tIns="45700">
+          <a:bodyPr spcFirstLastPara="1" wrap="square" lIns="91425" tIns="45700" rIns="91425" bIns="45700" anchor="t" anchorCtr="0">
             <a:noAutofit/>
           </a:bodyPr>
           <a:lstStyle/>
           <a:p>
-            <a:pPr indent="0" lvl="0" marL="0" rtl="0" algn="l">
+            <a:pPr marL="0" lvl="0" indent="0" algn="l" rtl="0">
               <a:spcBef>
                 <a:spcPts val="0"/>
               </a:spcBef>
@@ -882,9 +904,6 @@
               </a:spcAft>
               <a:buNone/>
             </a:pPr>
-            <a:r>
-              <a:t/>
-            </a:r>
             <a:endParaRPr/>
           </a:p>
         </p:txBody>
@@ -892,9 +911,11 @@
       <p:sp>
         <p:nvSpPr>
           <p:cNvPr id="122" name="Google Shape;122;p8:notes"/>
-          <p:cNvSpPr/>
+          <p:cNvSpPr>
+            <a:spLocks noGrp="1" noRot="1" noChangeAspect="1"/>
+          </p:cNvSpPr>
           <p:nvPr>
-            <p:ph idx="2" type="sldImg"/>
+            <p:ph type="sldImg" idx="2"/>
           </p:nvPr>
         </p:nvSpPr>
         <p:spPr>
@@ -903,9 +924,13 @@
             <a:ext cx="4572000" cy="3429000"/>
           </a:xfrm>
           <a:custGeom>
-            <a:rect b="b" l="l" r="r" t="t"/>
+            <a:avLst/>
+            <a:gdLst/>
+            <a:ahLst/>
+            <a:cxnLst/>
+            <a:rect l="l" t="t" r="r" b="b"/>
             <a:pathLst>
-              <a:path extrusionOk="0" h="120000" w="120000">
+              <a:path w="120000" h="120000" extrusionOk="0">
                 <a:moveTo>
                   <a:pt x="0" y="0"/>
                 </a:moveTo>
@@ -933,11 +958,11 @@
 </file>
 
 <file path=ppt/notesSlides/notesSlide2.xml><?xml version="1.0" encoding="utf-8"?>
-<p:notes xmlns:a="http://schemas.openxmlformats.org/drawingml/2006/main" xmlns:r="http://schemas.openxmlformats.org/officeDocument/2006/relationships" xmlns:mc="http://schemas.openxmlformats.org/markup-compatibility/2006" xmlns:mv="urn:schemas-microsoft-com:mac:vml" xmlns:p="http://schemas.openxmlformats.org/presentationml/2006/main" xmlns:c="http://schemas.openxmlformats.org/drawingml/2006/chart" xmlns:dgm="http://schemas.openxmlformats.org/drawingml/2006/diagram" xmlns:o="urn:schemas-microsoft-com:office:office" xmlns:v="urn:schemas-microsoft-com:vml" xmlns:pvml="urn:schemas-microsoft-com:office:powerpoint" xmlns:com="http://schemas.openxmlformats.org/drawingml/2006/compatibility" xmlns:p14="http://schemas.microsoft.com/office/powerpoint/2010/main" xmlns:p15="http://schemas.microsoft.com/office/powerpoint/2012/main" xmlns:ahyp="http://schemas.microsoft.com/office/drawing/2018/hyperlinkcolor" showMasterPhAnim="0" showMasterSp="0">
+<p:notes xmlns:a="http://schemas.openxmlformats.org/drawingml/2006/main" xmlns:r="http://schemas.openxmlformats.org/officeDocument/2006/relationships" xmlns:p="http://schemas.openxmlformats.org/presentationml/2006/main" showMasterSp="0" showMasterPhAnim="0">
   <p:cSld>
     <p:spTree>
       <p:nvGrpSpPr>
-        <p:cNvPr id="72" name="Shape 72"/>
+        <p:cNvPr id="1" name="Shape 72"/>
         <p:cNvGrpSpPr/>
         <p:nvPr/>
       </p:nvGrpSpPr>
@@ -952,9 +977,11 @@
       <p:sp>
         <p:nvSpPr>
           <p:cNvPr id="73" name="Google Shape;73;p2:notes"/>
-          <p:cNvSpPr txBox="1"/>
+          <p:cNvSpPr txBox="1">
+            <a:spLocks noGrp="1"/>
+          </p:cNvSpPr>
           <p:nvPr>
-            <p:ph idx="1" type="body"/>
+            <p:ph type="body" idx="1"/>
           </p:nvPr>
         </p:nvSpPr>
         <p:spPr>
@@ -967,12 +994,12 @@
           </a:prstGeom>
         </p:spPr>
         <p:txBody>
-          <a:bodyPr anchorCtr="0" anchor="t" bIns="45700" lIns="91425" spcFirstLastPara="1" rIns="91425" wrap="square" tIns="45700">
+          <a:bodyPr spcFirstLastPara="1" wrap="square" lIns="91425" tIns="45700" rIns="91425" bIns="45700" anchor="t" anchorCtr="0">
             <a:noAutofit/>
           </a:bodyPr>
           <a:lstStyle/>
           <a:p>
-            <a:pPr indent="0" lvl="0" marL="0" rtl="0" algn="l">
+            <a:pPr marL="0" lvl="0" indent="0" algn="l" rtl="0">
               <a:spcBef>
                 <a:spcPts val="0"/>
               </a:spcBef>
@@ -981,9 +1008,6 @@
               </a:spcAft>
               <a:buNone/>
             </a:pPr>
-            <a:r>
-              <a:t/>
-            </a:r>
             <a:endParaRPr/>
           </a:p>
         </p:txBody>
@@ -991,20 +1015,26 @@
       <p:sp>
         <p:nvSpPr>
           <p:cNvPr id="74" name="Google Shape;74;p2:notes"/>
-          <p:cNvSpPr/>
+          <p:cNvSpPr>
+            <a:spLocks noGrp="1" noRot="1" noChangeAspect="1"/>
+          </p:cNvSpPr>
           <p:nvPr>
-            <p:ph idx="2" type="sldImg"/>
+            <p:ph type="sldImg" idx="2"/>
           </p:nvPr>
         </p:nvSpPr>
         <p:spPr>
           <a:xfrm>
-            <a:off x="1143000" y="685800"/>
-            <a:ext cx="4572000" cy="3429000"/>
+            <a:off x="381000" y="685800"/>
+            <a:ext cx="6096000" cy="3429000"/>
           </a:xfrm>
           <a:custGeom>
-            <a:rect b="b" l="l" r="r" t="t"/>
+            <a:avLst/>
+            <a:gdLst/>
+            <a:ahLst/>
+            <a:cxnLst/>
+            <a:rect l="l" t="t" r="r" b="b"/>
             <a:pathLst>
-              <a:path extrusionOk="0" h="120000" w="120000">
+              <a:path w="120000" h="120000" extrusionOk="0">
                 <a:moveTo>
                   <a:pt x="0" y="0"/>
                 </a:moveTo>
@@ -1032,11 +1062,11 @@
 </file>
 
 <file path=ppt/notesSlides/notesSlide3.xml><?xml version="1.0" encoding="utf-8"?>
-<p:notes xmlns:a="http://schemas.openxmlformats.org/drawingml/2006/main" xmlns:r="http://schemas.openxmlformats.org/officeDocument/2006/relationships" xmlns:mc="http://schemas.openxmlformats.org/markup-compatibility/2006" xmlns:mv="urn:schemas-microsoft-com:mac:vml" xmlns:p="http://schemas.openxmlformats.org/presentationml/2006/main" xmlns:c="http://schemas.openxmlformats.org/drawingml/2006/chart" xmlns:dgm="http://schemas.openxmlformats.org/drawingml/2006/diagram" xmlns:o="urn:schemas-microsoft-com:office:office" xmlns:v="urn:schemas-microsoft-com:vml" xmlns:pvml="urn:schemas-microsoft-com:office:powerpoint" xmlns:com="http://schemas.openxmlformats.org/drawingml/2006/compatibility" xmlns:p14="http://schemas.microsoft.com/office/powerpoint/2010/main" xmlns:p15="http://schemas.microsoft.com/office/powerpoint/2012/main" xmlns:ahyp="http://schemas.microsoft.com/office/drawing/2018/hyperlinkcolor" showMasterPhAnim="0" showMasterSp="0">
+<p:notes xmlns:a="http://schemas.openxmlformats.org/drawingml/2006/main" xmlns:r="http://schemas.openxmlformats.org/officeDocument/2006/relationships" xmlns:p="http://schemas.openxmlformats.org/presentationml/2006/main" showMasterSp="0" showMasterPhAnim="0">
   <p:cSld>
     <p:spTree>
       <p:nvGrpSpPr>
-        <p:cNvPr id="79" name="Shape 79"/>
+        <p:cNvPr id="1" name="Shape 79"/>
         <p:cNvGrpSpPr/>
         <p:nvPr/>
       </p:nvGrpSpPr>
@@ -1051,9 +1081,11 @@
       <p:sp>
         <p:nvSpPr>
           <p:cNvPr id="80" name="Google Shape;80;p3:notes"/>
-          <p:cNvSpPr txBox="1"/>
+          <p:cNvSpPr txBox="1">
+            <a:spLocks noGrp="1"/>
+          </p:cNvSpPr>
           <p:nvPr>
-            <p:ph idx="1" type="body"/>
+            <p:ph type="body" idx="1"/>
           </p:nvPr>
         </p:nvSpPr>
         <p:spPr>
@@ -1066,12 +1098,12 @@
           </a:prstGeom>
         </p:spPr>
         <p:txBody>
-          <a:bodyPr anchorCtr="0" anchor="t" bIns="45700" lIns="91425" spcFirstLastPara="1" rIns="91425" wrap="square" tIns="45700">
+          <a:bodyPr spcFirstLastPara="1" wrap="square" lIns="91425" tIns="45700" rIns="91425" bIns="45700" anchor="t" anchorCtr="0">
             <a:noAutofit/>
           </a:bodyPr>
           <a:lstStyle/>
           <a:p>
-            <a:pPr indent="0" lvl="0" marL="0" rtl="0" algn="l">
+            <a:pPr marL="0" lvl="0" indent="0" algn="l" rtl="0">
               <a:spcBef>
                 <a:spcPts val="0"/>
               </a:spcBef>
@@ -1080,9 +1112,6 @@
               </a:spcAft>
               <a:buNone/>
             </a:pPr>
-            <a:r>
-              <a:t/>
-            </a:r>
             <a:endParaRPr/>
           </a:p>
         </p:txBody>
@@ -1090,9 +1119,11 @@
       <p:sp>
         <p:nvSpPr>
           <p:cNvPr id="81" name="Google Shape;81;p3:notes"/>
-          <p:cNvSpPr/>
+          <p:cNvSpPr>
+            <a:spLocks noGrp="1" noRot="1" noChangeAspect="1"/>
+          </p:cNvSpPr>
           <p:nvPr>
-            <p:ph idx="2" type="sldImg"/>
+            <p:ph type="sldImg" idx="2"/>
           </p:nvPr>
         </p:nvSpPr>
         <p:spPr>
@@ -1101,9 +1132,13 @@
             <a:ext cx="4572000" cy="3429000"/>
           </a:xfrm>
           <a:custGeom>
-            <a:rect b="b" l="l" r="r" t="t"/>
+            <a:avLst/>
+            <a:gdLst/>
+            <a:ahLst/>
+            <a:cxnLst/>
+            <a:rect l="l" t="t" r="r" b="b"/>
             <a:pathLst>
-              <a:path extrusionOk="0" h="120000" w="120000">
+              <a:path w="120000" h="120000" extrusionOk="0">
                 <a:moveTo>
                   <a:pt x="0" y="0"/>
                 </a:moveTo>
@@ -1131,11 +1166,11 @@
 </file>
 
 <file path=ppt/notesSlides/notesSlide4.xml><?xml version="1.0" encoding="utf-8"?>
-<p:notes xmlns:a="http://schemas.openxmlformats.org/drawingml/2006/main" xmlns:r="http://schemas.openxmlformats.org/officeDocument/2006/relationships" xmlns:mc="http://schemas.openxmlformats.org/markup-compatibility/2006" xmlns:mv="urn:schemas-microsoft-com:mac:vml" xmlns:p="http://schemas.openxmlformats.org/presentationml/2006/main" xmlns:c="http://schemas.openxmlformats.org/drawingml/2006/chart" xmlns:dgm="http://schemas.openxmlformats.org/drawingml/2006/diagram" xmlns:o="urn:schemas-microsoft-com:office:office" xmlns:v="urn:schemas-microsoft-com:vml" xmlns:pvml="urn:schemas-microsoft-com:office:powerpoint" xmlns:com="http://schemas.openxmlformats.org/drawingml/2006/compatibility" xmlns:p14="http://schemas.microsoft.com/office/powerpoint/2010/main" xmlns:p15="http://schemas.microsoft.com/office/powerpoint/2012/main" xmlns:ahyp="http://schemas.microsoft.com/office/drawing/2018/hyperlinkcolor" showMasterPhAnim="0" showMasterSp="0">
+<p:notes xmlns:a="http://schemas.openxmlformats.org/drawingml/2006/main" xmlns:r="http://schemas.openxmlformats.org/officeDocument/2006/relationships" xmlns:p="http://schemas.openxmlformats.org/presentationml/2006/main" showMasterSp="0" showMasterPhAnim="0">
   <p:cSld>
     <p:spTree>
       <p:nvGrpSpPr>
-        <p:cNvPr id="85" name="Shape 85"/>
+        <p:cNvPr id="1" name="Shape 85"/>
         <p:cNvGrpSpPr/>
         <p:nvPr/>
       </p:nvGrpSpPr>
@@ -1150,9 +1185,11 @@
       <p:sp>
         <p:nvSpPr>
           <p:cNvPr id="86" name="Google Shape;86;p4:notes"/>
-          <p:cNvSpPr txBox="1"/>
+          <p:cNvSpPr txBox="1">
+            <a:spLocks noGrp="1"/>
+          </p:cNvSpPr>
           <p:nvPr>
-            <p:ph idx="1" type="body"/>
+            <p:ph type="body" idx="1"/>
           </p:nvPr>
         </p:nvSpPr>
         <p:spPr>
@@ -1165,12 +1202,12 @@
           </a:prstGeom>
         </p:spPr>
         <p:txBody>
-          <a:bodyPr anchorCtr="0" anchor="t" bIns="45700" lIns="91425" spcFirstLastPara="1" rIns="91425" wrap="square" tIns="45700">
+          <a:bodyPr spcFirstLastPara="1" wrap="square" lIns="91425" tIns="45700" rIns="91425" bIns="45700" anchor="t" anchorCtr="0">
             <a:noAutofit/>
           </a:bodyPr>
           <a:lstStyle/>
           <a:p>
-            <a:pPr indent="0" lvl="0" marL="0" rtl="0" algn="l">
+            <a:pPr marL="0" lvl="0" indent="0" algn="l" rtl="0">
               <a:spcBef>
                 <a:spcPts val="0"/>
               </a:spcBef>
@@ -1179,9 +1216,6 @@
               </a:spcAft>
               <a:buNone/>
             </a:pPr>
-            <a:r>
-              <a:t/>
-            </a:r>
             <a:endParaRPr/>
           </a:p>
         </p:txBody>
@@ -1189,9 +1223,11 @@
       <p:sp>
         <p:nvSpPr>
           <p:cNvPr id="87" name="Google Shape;87;p4:notes"/>
-          <p:cNvSpPr/>
+          <p:cNvSpPr>
+            <a:spLocks noGrp="1" noRot="1" noChangeAspect="1"/>
+          </p:cNvSpPr>
           <p:nvPr>
-            <p:ph idx="2" type="sldImg"/>
+            <p:ph type="sldImg" idx="2"/>
           </p:nvPr>
         </p:nvSpPr>
         <p:spPr>
@@ -1200,9 +1236,13 @@
             <a:ext cx="4572000" cy="3429000"/>
           </a:xfrm>
           <a:custGeom>
-            <a:rect b="b" l="l" r="r" t="t"/>
+            <a:avLst/>
+            <a:gdLst/>
+            <a:ahLst/>
+            <a:cxnLst/>
+            <a:rect l="l" t="t" r="r" b="b"/>
             <a:pathLst>
-              <a:path extrusionOk="0" h="120000" w="120000">
+              <a:path w="120000" h="120000" extrusionOk="0">
                 <a:moveTo>
                   <a:pt x="0" y="0"/>
                 </a:moveTo>
@@ -1230,11 +1270,11 @@
 </file>
 
 <file path=ppt/notesSlides/notesSlide5.xml><?xml version="1.0" encoding="utf-8"?>
-<p:notes xmlns:a="http://schemas.openxmlformats.org/drawingml/2006/main" xmlns:r="http://schemas.openxmlformats.org/officeDocument/2006/relationships" xmlns:mc="http://schemas.openxmlformats.org/markup-compatibility/2006" xmlns:mv="urn:schemas-microsoft-com:mac:vml" xmlns:p="http://schemas.openxmlformats.org/presentationml/2006/main" xmlns:c="http://schemas.openxmlformats.org/drawingml/2006/chart" xmlns:dgm="http://schemas.openxmlformats.org/drawingml/2006/diagram" xmlns:o="urn:schemas-microsoft-com:office:office" xmlns:v="urn:schemas-microsoft-com:vml" xmlns:pvml="urn:schemas-microsoft-com:office:powerpoint" xmlns:com="http://schemas.openxmlformats.org/drawingml/2006/compatibility" xmlns:p14="http://schemas.microsoft.com/office/powerpoint/2010/main" xmlns:p15="http://schemas.microsoft.com/office/powerpoint/2012/main" xmlns:ahyp="http://schemas.microsoft.com/office/drawing/2018/hyperlinkcolor" showMasterPhAnim="0" showMasterSp="0">
+<p:notes xmlns:a="http://schemas.openxmlformats.org/drawingml/2006/main" xmlns:r="http://schemas.openxmlformats.org/officeDocument/2006/relationships" xmlns:p="http://schemas.openxmlformats.org/presentationml/2006/main" showMasterSp="0" showMasterPhAnim="0">
   <p:cSld>
     <p:spTree>
       <p:nvGrpSpPr>
-        <p:cNvPr id="91" name="Shape 91"/>
+        <p:cNvPr id="1" name="Shape 91"/>
         <p:cNvGrpSpPr/>
         <p:nvPr/>
       </p:nvGrpSpPr>
@@ -1249,9 +1289,11 @@
       <p:sp>
         <p:nvSpPr>
           <p:cNvPr id="92" name="Google Shape;92;p5:notes"/>
-          <p:cNvSpPr txBox="1"/>
+          <p:cNvSpPr txBox="1">
+            <a:spLocks noGrp="1"/>
+          </p:cNvSpPr>
           <p:nvPr>
-            <p:ph idx="1" type="body"/>
+            <p:ph type="body" idx="1"/>
           </p:nvPr>
         </p:nvSpPr>
         <p:spPr>
@@ -1264,12 +1306,12 @@
           </a:prstGeom>
         </p:spPr>
         <p:txBody>
-          <a:bodyPr anchorCtr="0" anchor="t" bIns="45700" lIns="91425" spcFirstLastPara="1" rIns="91425" wrap="square" tIns="45700">
+          <a:bodyPr spcFirstLastPara="1" wrap="square" lIns="91425" tIns="45700" rIns="91425" bIns="45700" anchor="t" anchorCtr="0">
             <a:noAutofit/>
           </a:bodyPr>
           <a:lstStyle/>
           <a:p>
-            <a:pPr indent="0" lvl="0" marL="0" rtl="0" algn="l">
+            <a:pPr marL="0" lvl="0" indent="0" algn="l" rtl="0">
               <a:spcBef>
                 <a:spcPts val="0"/>
               </a:spcBef>
@@ -1278,9 +1320,6 @@
               </a:spcAft>
               <a:buNone/>
             </a:pPr>
-            <a:r>
-              <a:t/>
-            </a:r>
             <a:endParaRPr/>
           </a:p>
         </p:txBody>
@@ -1288,20 +1327,26 @@
       <p:sp>
         <p:nvSpPr>
           <p:cNvPr id="93" name="Google Shape;93;p5:notes"/>
-          <p:cNvSpPr/>
+          <p:cNvSpPr>
+            <a:spLocks noGrp="1" noRot="1" noChangeAspect="1"/>
+          </p:cNvSpPr>
           <p:nvPr>
-            <p:ph idx="2" type="sldImg"/>
+            <p:ph type="sldImg" idx="2"/>
           </p:nvPr>
         </p:nvSpPr>
         <p:spPr>
           <a:xfrm>
-            <a:off x="1143000" y="685800"/>
-            <a:ext cx="4572000" cy="3429000"/>
+            <a:off x="381000" y="685800"/>
+            <a:ext cx="6096000" cy="3429000"/>
           </a:xfrm>
           <a:custGeom>
-            <a:rect b="b" l="l" r="r" t="t"/>
+            <a:avLst/>
+            <a:gdLst/>
+            <a:ahLst/>
+            <a:cxnLst/>
+            <a:rect l="l" t="t" r="r" b="b"/>
             <a:pathLst>
-              <a:path extrusionOk="0" h="120000" w="120000">
+              <a:path w="120000" h="120000" extrusionOk="0">
                 <a:moveTo>
                   <a:pt x="0" y="0"/>
                 </a:moveTo>
@@ -1329,11 +1374,11 @@
 </file>
 
 <file path=ppt/notesSlides/notesSlide6.xml><?xml version="1.0" encoding="utf-8"?>
-<p:notes xmlns:a="http://schemas.openxmlformats.org/drawingml/2006/main" xmlns:r="http://schemas.openxmlformats.org/officeDocument/2006/relationships" xmlns:mc="http://schemas.openxmlformats.org/markup-compatibility/2006" xmlns:mv="urn:schemas-microsoft-com:mac:vml" xmlns:p="http://schemas.openxmlformats.org/presentationml/2006/main" xmlns:c="http://schemas.openxmlformats.org/drawingml/2006/chart" xmlns:dgm="http://schemas.openxmlformats.org/drawingml/2006/diagram" xmlns:o="urn:schemas-microsoft-com:office:office" xmlns:v="urn:schemas-microsoft-com:vml" xmlns:pvml="urn:schemas-microsoft-com:office:powerpoint" xmlns:com="http://schemas.openxmlformats.org/drawingml/2006/compatibility" xmlns:p14="http://schemas.microsoft.com/office/powerpoint/2010/main" xmlns:p15="http://schemas.microsoft.com/office/powerpoint/2012/main" xmlns:ahyp="http://schemas.microsoft.com/office/drawing/2018/hyperlinkcolor" showMasterPhAnim="0" showMasterSp="0">
+<p:notes xmlns:a="http://schemas.openxmlformats.org/drawingml/2006/main" xmlns:r="http://schemas.openxmlformats.org/officeDocument/2006/relationships" xmlns:p="http://schemas.openxmlformats.org/presentationml/2006/main" showMasterSp="0" showMasterPhAnim="0">
   <p:cSld>
     <p:spTree>
       <p:nvGrpSpPr>
-        <p:cNvPr id="97" name="Shape 97"/>
+        <p:cNvPr id="1" name="Shape 102"/>
         <p:cNvGrpSpPr/>
         <p:nvPr/>
       </p:nvGrpSpPr>
@@ -1347,10 +1392,12 @@
       </p:grpSpPr>
       <p:sp>
         <p:nvSpPr>
-          <p:cNvPr id="98" name="Google Shape;98;p6:notes"/>
-          <p:cNvSpPr txBox="1"/>
+          <p:cNvPr id="103" name="Google Shape;103;p7:notes"/>
+          <p:cNvSpPr txBox="1">
+            <a:spLocks noGrp="1"/>
+          </p:cNvSpPr>
           <p:nvPr>
-            <p:ph idx="1" type="body"/>
+            <p:ph type="body" idx="1"/>
           </p:nvPr>
         </p:nvSpPr>
         <p:spPr>
@@ -1363,12 +1410,12 @@
           </a:prstGeom>
         </p:spPr>
         <p:txBody>
-          <a:bodyPr anchorCtr="0" anchor="t" bIns="45700" lIns="91425" spcFirstLastPara="1" rIns="91425" wrap="square" tIns="45700">
+          <a:bodyPr spcFirstLastPara="1" wrap="square" lIns="91425" tIns="45700" rIns="91425" bIns="45700" anchor="t" anchorCtr="0">
             <a:noAutofit/>
           </a:bodyPr>
           <a:lstStyle/>
           <a:p>
-            <a:pPr indent="0" lvl="0" marL="0" rtl="0" algn="l">
+            <a:pPr marL="0" lvl="0" indent="0" algn="l" rtl="0">
               <a:spcBef>
                 <a:spcPts val="0"/>
               </a:spcBef>
@@ -1377,30 +1424,33 @@
               </a:spcAft>
               <a:buNone/>
             </a:pPr>
-            <a:r>
-              <a:t/>
-            </a:r>
             <a:endParaRPr/>
           </a:p>
         </p:txBody>
       </p:sp>
       <p:sp>
         <p:nvSpPr>
-          <p:cNvPr id="99" name="Google Shape;99;p6:notes"/>
-          <p:cNvSpPr/>
+          <p:cNvPr id="104" name="Google Shape;104;p7:notes"/>
+          <p:cNvSpPr>
+            <a:spLocks noGrp="1" noRot="1" noChangeAspect="1"/>
+          </p:cNvSpPr>
           <p:nvPr>
-            <p:ph idx="2" type="sldImg"/>
+            <p:ph type="sldImg" idx="2"/>
           </p:nvPr>
         </p:nvSpPr>
         <p:spPr>
           <a:xfrm>
-            <a:off x="1143000" y="685800"/>
-            <a:ext cx="4572000" cy="3429000"/>
+            <a:off x="381000" y="685800"/>
+            <a:ext cx="6096000" cy="3429000"/>
           </a:xfrm>
           <a:custGeom>
-            <a:rect b="b" l="l" r="r" t="t"/>
+            <a:avLst/>
+            <a:gdLst/>
+            <a:ahLst/>
+            <a:cxnLst/>
+            <a:rect l="l" t="t" r="r" b="b"/>
             <a:pathLst>
-              <a:path extrusionOk="0" h="120000" w="120000">
+              <a:path w="120000" h="120000" extrusionOk="0">
                 <a:moveTo>
                   <a:pt x="0" y="0"/>
                 </a:moveTo>
@@ -1428,11 +1478,11 @@
 </file>
 
 <file path=ppt/notesSlides/notesSlide7.xml><?xml version="1.0" encoding="utf-8"?>
-<p:notes xmlns:a="http://schemas.openxmlformats.org/drawingml/2006/main" xmlns:r="http://schemas.openxmlformats.org/officeDocument/2006/relationships" xmlns:mc="http://schemas.openxmlformats.org/markup-compatibility/2006" xmlns:mv="urn:schemas-microsoft-com:mac:vml" xmlns:p="http://schemas.openxmlformats.org/presentationml/2006/main" xmlns:c="http://schemas.openxmlformats.org/drawingml/2006/chart" xmlns:dgm="http://schemas.openxmlformats.org/drawingml/2006/diagram" xmlns:o="urn:schemas-microsoft-com:office:office" xmlns:v="urn:schemas-microsoft-com:vml" xmlns:pvml="urn:schemas-microsoft-com:office:powerpoint" xmlns:com="http://schemas.openxmlformats.org/drawingml/2006/compatibility" xmlns:p14="http://schemas.microsoft.com/office/powerpoint/2010/main" xmlns:p15="http://schemas.microsoft.com/office/powerpoint/2012/main" xmlns:ahyp="http://schemas.microsoft.com/office/drawing/2018/hyperlinkcolor" showMasterPhAnim="0" showMasterSp="0">
+<p:notes xmlns:a="http://schemas.openxmlformats.org/drawingml/2006/main" xmlns:r="http://schemas.openxmlformats.org/officeDocument/2006/relationships" xmlns:p="http://schemas.openxmlformats.org/presentationml/2006/main" showMasterSp="0" showMasterPhAnim="0">
   <p:cSld>
     <p:spTree>
       <p:nvGrpSpPr>
-        <p:cNvPr id="102" name="Shape 102"/>
+        <p:cNvPr id="1" name="Shape 97"/>
         <p:cNvGrpSpPr/>
         <p:nvPr/>
       </p:nvGrpSpPr>
@@ -1446,10 +1496,12 @@
       </p:grpSpPr>
       <p:sp>
         <p:nvSpPr>
-          <p:cNvPr id="103" name="Google Shape;103;p7:notes"/>
-          <p:cNvSpPr txBox="1"/>
+          <p:cNvPr id="98" name="Google Shape;98;p6:notes"/>
+          <p:cNvSpPr txBox="1">
+            <a:spLocks noGrp="1"/>
+          </p:cNvSpPr>
           <p:nvPr>
-            <p:ph idx="1" type="body"/>
+            <p:ph type="body" idx="1"/>
           </p:nvPr>
         </p:nvSpPr>
         <p:spPr>
@@ -1462,12 +1514,12 @@
           </a:prstGeom>
         </p:spPr>
         <p:txBody>
-          <a:bodyPr anchorCtr="0" anchor="t" bIns="45700" lIns="91425" spcFirstLastPara="1" rIns="91425" wrap="square" tIns="45700">
+          <a:bodyPr spcFirstLastPara="1" wrap="square" lIns="91425" tIns="45700" rIns="91425" bIns="45700" anchor="t" anchorCtr="0">
             <a:noAutofit/>
           </a:bodyPr>
           <a:lstStyle/>
           <a:p>
-            <a:pPr indent="0" lvl="0" marL="0" rtl="0" algn="l">
+            <a:pPr marL="0" lvl="0" indent="0" algn="l" rtl="0">
               <a:spcBef>
                 <a:spcPts val="0"/>
               </a:spcBef>
@@ -1476,19 +1528,18 @@
               </a:spcAft>
               <a:buNone/>
             </a:pPr>
-            <a:r>
-              <a:t/>
-            </a:r>
             <a:endParaRPr/>
           </a:p>
         </p:txBody>
       </p:sp>
       <p:sp>
         <p:nvSpPr>
-          <p:cNvPr id="104" name="Google Shape;104;p7:notes"/>
-          <p:cNvSpPr/>
+          <p:cNvPr id="99" name="Google Shape;99;p6:notes"/>
+          <p:cNvSpPr>
+            <a:spLocks noGrp="1" noRot="1" noChangeAspect="1"/>
+          </p:cNvSpPr>
           <p:nvPr>
-            <p:ph idx="2" type="sldImg"/>
+            <p:ph type="sldImg" idx="2"/>
           </p:nvPr>
         </p:nvSpPr>
         <p:spPr>
@@ -1497,9 +1548,13 @@
             <a:ext cx="4572000" cy="3429000"/>
           </a:xfrm>
           <a:custGeom>
-            <a:rect b="b" l="l" r="r" t="t"/>
+            <a:avLst/>
+            <a:gdLst/>
+            <a:ahLst/>
+            <a:cxnLst/>
+            <a:rect l="l" t="t" r="r" b="b"/>
             <a:pathLst>
-              <a:path extrusionOk="0" h="120000" w="120000">
+              <a:path w="120000" h="120000" extrusionOk="0">
                 <a:moveTo>
                   <a:pt x="0" y="0"/>
                 </a:moveTo>
@@ -1527,11 +1582,11 @@
 </file>
 
 <file path=ppt/notesSlides/notesSlide8.xml><?xml version="1.0" encoding="utf-8"?>
-<p:notes xmlns:a="http://schemas.openxmlformats.org/drawingml/2006/main" xmlns:r="http://schemas.openxmlformats.org/officeDocument/2006/relationships" xmlns:mc="http://schemas.openxmlformats.org/markup-compatibility/2006" xmlns:mv="urn:schemas-microsoft-com:mac:vml" xmlns:p="http://schemas.openxmlformats.org/presentationml/2006/main" xmlns:c="http://schemas.openxmlformats.org/drawingml/2006/chart" xmlns:dgm="http://schemas.openxmlformats.org/drawingml/2006/diagram" xmlns:o="urn:schemas-microsoft-com:office:office" xmlns:v="urn:schemas-microsoft-com:vml" xmlns:pvml="urn:schemas-microsoft-com:office:powerpoint" xmlns:com="http://schemas.openxmlformats.org/drawingml/2006/compatibility" xmlns:p14="http://schemas.microsoft.com/office/powerpoint/2010/main" xmlns:p15="http://schemas.microsoft.com/office/powerpoint/2012/main" xmlns:ahyp="http://schemas.microsoft.com/office/drawing/2018/hyperlinkcolor" showMasterPhAnim="0" showMasterSp="0">
+<p:notes xmlns:a="http://schemas.openxmlformats.org/drawingml/2006/main" xmlns:r="http://schemas.openxmlformats.org/officeDocument/2006/relationships" xmlns:p="http://schemas.openxmlformats.org/presentationml/2006/main" showMasterSp="0" showMasterPhAnim="0">
   <p:cSld>
     <p:spTree>
       <p:nvGrpSpPr>
-        <p:cNvPr id="108" name="Shape 108"/>
+        <p:cNvPr id="1" name="Shape 108"/>
         <p:cNvGrpSpPr/>
         <p:nvPr/>
       </p:nvGrpSpPr>
@@ -1546,9 +1601,11 @@
       <p:sp>
         <p:nvSpPr>
           <p:cNvPr id="109" name="Google Shape;109;g14317571832_0_720:notes"/>
-          <p:cNvSpPr txBox="1"/>
+          <p:cNvSpPr txBox="1">
+            <a:spLocks noGrp="1"/>
+          </p:cNvSpPr>
           <p:nvPr>
-            <p:ph idx="1" type="body"/>
+            <p:ph type="body" idx="1"/>
           </p:nvPr>
         </p:nvSpPr>
         <p:spPr>
@@ -1561,12 +1618,12 @@
           </a:prstGeom>
         </p:spPr>
         <p:txBody>
-          <a:bodyPr anchorCtr="0" anchor="t" bIns="45700" lIns="91425" spcFirstLastPara="1" rIns="91425" wrap="square" tIns="45700">
+          <a:bodyPr spcFirstLastPara="1" wrap="square" lIns="91425" tIns="45700" rIns="91425" bIns="45700" anchor="t" anchorCtr="0">
             <a:noAutofit/>
           </a:bodyPr>
           <a:lstStyle/>
           <a:p>
-            <a:pPr indent="0" lvl="0" marL="0" rtl="0" algn="l">
+            <a:pPr marL="0" lvl="0" indent="0" algn="l" rtl="0">
               <a:spcBef>
                 <a:spcPts val="0"/>
               </a:spcBef>
@@ -1575,9 +1632,6 @@
               </a:spcAft>
               <a:buNone/>
             </a:pPr>
-            <a:r>
-              <a:t/>
-            </a:r>
             <a:endParaRPr/>
           </a:p>
         </p:txBody>
@@ -1585,9 +1639,11 @@
       <p:sp>
         <p:nvSpPr>
           <p:cNvPr id="110" name="Google Shape;110;g14317571832_0_720:notes"/>
-          <p:cNvSpPr/>
+          <p:cNvSpPr>
+            <a:spLocks noGrp="1" noRot="1" noChangeAspect="1"/>
+          </p:cNvSpPr>
           <p:nvPr>
-            <p:ph idx="2" type="sldImg"/>
+            <p:ph type="sldImg" idx="2"/>
           </p:nvPr>
         </p:nvSpPr>
         <p:spPr>
@@ -1596,9 +1652,13 @@
             <a:ext cx="4572000" cy="3429000"/>
           </a:xfrm>
           <a:custGeom>
-            <a:rect b="b" l="l" r="r" t="t"/>
+            <a:avLst/>
+            <a:gdLst/>
+            <a:ahLst/>
+            <a:cxnLst/>
+            <a:rect l="l" t="t" r="r" b="b"/>
             <a:pathLst>
-              <a:path extrusionOk="0" h="120000" w="120000">
+              <a:path w="120000" h="120000" extrusionOk="0">
                 <a:moveTo>
                   <a:pt x="0" y="0"/>
                 </a:moveTo>
@@ -1626,11 +1686,11 @@
 </file>
 
 <file path=ppt/notesSlides/notesSlide9.xml><?xml version="1.0" encoding="utf-8"?>
-<p:notes xmlns:a="http://schemas.openxmlformats.org/drawingml/2006/main" xmlns:r="http://schemas.openxmlformats.org/officeDocument/2006/relationships" xmlns:mc="http://schemas.openxmlformats.org/markup-compatibility/2006" xmlns:mv="urn:schemas-microsoft-com:mac:vml" xmlns:p="http://schemas.openxmlformats.org/presentationml/2006/main" xmlns:c="http://schemas.openxmlformats.org/drawingml/2006/chart" xmlns:dgm="http://schemas.openxmlformats.org/drawingml/2006/diagram" xmlns:o="urn:schemas-microsoft-com:office:office" xmlns:v="urn:schemas-microsoft-com:vml" xmlns:pvml="urn:schemas-microsoft-com:office:powerpoint" xmlns:com="http://schemas.openxmlformats.org/drawingml/2006/compatibility" xmlns:p14="http://schemas.microsoft.com/office/powerpoint/2010/main" xmlns:p15="http://schemas.microsoft.com/office/powerpoint/2012/main" xmlns:ahyp="http://schemas.microsoft.com/office/drawing/2018/hyperlinkcolor" showMasterPhAnim="0" showMasterSp="0">
+<p:notes xmlns:a="http://schemas.openxmlformats.org/drawingml/2006/main" xmlns:r="http://schemas.openxmlformats.org/officeDocument/2006/relationships" xmlns:p="http://schemas.openxmlformats.org/presentationml/2006/main" showMasterSp="0" showMasterPhAnim="0">
   <p:cSld>
     <p:spTree>
       <p:nvGrpSpPr>
-        <p:cNvPr id="114" name="Shape 114"/>
+        <p:cNvPr id="1" name="Shape 114"/>
         <p:cNvGrpSpPr/>
         <p:nvPr/>
       </p:nvGrpSpPr>
@@ -1645,9 +1705,11 @@
       <p:sp>
         <p:nvSpPr>
           <p:cNvPr id="115" name="Google Shape;115;g14317571832_0_730:notes"/>
-          <p:cNvSpPr txBox="1"/>
+          <p:cNvSpPr txBox="1">
+            <a:spLocks noGrp="1"/>
+          </p:cNvSpPr>
           <p:nvPr>
-            <p:ph idx="1" type="body"/>
+            <p:ph type="body" idx="1"/>
           </p:nvPr>
         </p:nvSpPr>
         <p:spPr>
@@ -1660,12 +1722,12 @@
           </a:prstGeom>
         </p:spPr>
         <p:txBody>
-          <a:bodyPr anchorCtr="0" anchor="t" bIns="45700" lIns="91425" spcFirstLastPara="1" rIns="91425" wrap="square" tIns="45700">
+          <a:bodyPr spcFirstLastPara="1" wrap="square" lIns="91425" tIns="45700" rIns="91425" bIns="45700" anchor="t" anchorCtr="0">
             <a:noAutofit/>
           </a:bodyPr>
           <a:lstStyle/>
           <a:p>
-            <a:pPr indent="0" lvl="0" marL="0" rtl="0" algn="l">
+            <a:pPr marL="0" lvl="0" indent="0" algn="l" rtl="0">
               <a:spcBef>
                 <a:spcPts val="0"/>
               </a:spcBef>
@@ -1674,9 +1736,6 @@
               </a:spcAft>
               <a:buNone/>
             </a:pPr>
-            <a:r>
-              <a:t/>
-            </a:r>
             <a:endParaRPr/>
           </a:p>
         </p:txBody>
@@ -1684,9 +1743,11 @@
       <p:sp>
         <p:nvSpPr>
           <p:cNvPr id="116" name="Google Shape;116;g14317571832_0_730:notes"/>
-          <p:cNvSpPr/>
+          <p:cNvSpPr>
+            <a:spLocks noGrp="1" noRot="1" noChangeAspect="1"/>
+          </p:cNvSpPr>
           <p:nvPr>
-            <p:ph idx="2" type="sldImg"/>
+            <p:ph type="sldImg" idx="2"/>
           </p:nvPr>
         </p:nvSpPr>
         <p:spPr>
@@ -1695,9 +1756,13 @@
             <a:ext cx="4572000" cy="3429000"/>
           </a:xfrm>
           <a:custGeom>
-            <a:rect b="b" l="l" r="r" t="t"/>
+            <a:avLst/>
+            <a:gdLst/>
+            <a:ahLst/>
+            <a:cxnLst/>
+            <a:rect l="l" t="t" r="r" b="b"/>
             <a:pathLst>
-              <a:path extrusionOk="0" h="120000" w="120000">
+              <a:path w="120000" h="120000" extrusionOk="0">
                 <a:moveTo>
                   <a:pt x="0" y="0"/>
                 </a:moveTo>
@@ -1725,11 +1790,11 @@
 </file>
 
 <file path=ppt/slideLayouts/slideLayout1.xml><?xml version="1.0" encoding="utf-8"?>
-<p:sldLayout xmlns:a="http://schemas.openxmlformats.org/drawingml/2006/main" xmlns:r="http://schemas.openxmlformats.org/officeDocument/2006/relationships" xmlns:mc="http://schemas.openxmlformats.org/markup-compatibility/2006" xmlns:mv="urn:schemas-microsoft-com:mac:vml" xmlns:p="http://schemas.openxmlformats.org/presentationml/2006/main" xmlns:c="http://schemas.openxmlformats.org/drawingml/2006/chart" xmlns:dgm="http://schemas.openxmlformats.org/drawingml/2006/diagram" xmlns:o="urn:schemas-microsoft-com:office:office" xmlns:v="urn:schemas-microsoft-com:vml" xmlns:pvml="urn:schemas-microsoft-com:office:powerpoint" xmlns:com="http://schemas.openxmlformats.org/drawingml/2006/compatibility" xmlns:p14="http://schemas.microsoft.com/office/powerpoint/2010/main" xmlns:p15="http://schemas.microsoft.com/office/powerpoint/2012/main" xmlns:ahyp="http://schemas.microsoft.com/office/drawing/2018/hyperlinkcolor" matchingName="Title slide" type="title">
+<p:sldLayout xmlns:a="http://schemas.openxmlformats.org/drawingml/2006/main" xmlns:r="http://schemas.openxmlformats.org/officeDocument/2006/relationships" xmlns:p="http://schemas.openxmlformats.org/presentationml/2006/main" matchingName="Title slide" type="title">
   <p:cSld name="TITLE">
     <p:spTree>
       <p:nvGrpSpPr>
-        <p:cNvPr id="9" name="Shape 9"/>
+        <p:cNvPr id="1" name="Shape 9"/>
         <p:cNvGrpSpPr/>
         <p:nvPr/>
       </p:nvGrpSpPr>
@@ -1777,12 +1842,12 @@
             </a:ln>
           </p:spPr>
           <p:txBody>
-            <a:bodyPr anchorCtr="0" anchor="ctr" bIns="91425" lIns="91425" spcFirstLastPara="1" rIns="91425" wrap="square" tIns="91425">
+            <a:bodyPr spcFirstLastPara="1" wrap="square" lIns="91425" tIns="91425" rIns="91425" bIns="91425" anchor="ctr" anchorCtr="0">
               <a:noAutofit/>
             </a:bodyPr>
             <a:lstStyle/>
             <a:p>
-              <a:pPr indent="0" lvl="0" marL="0" rtl="0" algn="l">
+              <a:pPr marL="0" lvl="0" indent="0" algn="l" rtl="0">
                 <a:spcBef>
                   <a:spcPts val="0"/>
                 </a:spcBef>
@@ -1791,9 +1856,6 @@
                 </a:spcAft>
                 <a:buNone/>
               </a:pPr>
-              <a:r>
-                <a:t/>
-              </a:r>
               <a:endParaRPr/>
             </a:p>
           </p:txBody>
@@ -1820,12 +1882,12 @@
             </a:ln>
           </p:spPr>
           <p:txBody>
-            <a:bodyPr anchorCtr="0" anchor="ctr" bIns="91425" lIns="91425" spcFirstLastPara="1" rIns="91425" wrap="square" tIns="91425">
+            <a:bodyPr spcFirstLastPara="1" wrap="square" lIns="91425" tIns="91425" rIns="91425" bIns="91425" anchor="ctr" anchorCtr="0">
               <a:noAutofit/>
             </a:bodyPr>
             <a:lstStyle/>
             <a:p>
-              <a:pPr indent="0" lvl="0" marL="0" rtl="0" algn="l">
+              <a:pPr marL="0" lvl="0" indent="0" algn="l" rtl="0">
                 <a:spcBef>
                   <a:spcPts val="0"/>
                 </a:spcBef>
@@ -1834,9 +1896,6 @@
                 </a:spcAft>
                 <a:buNone/>
               </a:pPr>
-              <a:r>
-                <a:t/>
-              </a:r>
               <a:endParaRPr/>
             </a:p>
           </p:txBody>
@@ -1863,12 +1922,12 @@
             </a:ln>
           </p:spPr>
           <p:txBody>
-            <a:bodyPr anchorCtr="0" anchor="ctr" bIns="91425" lIns="91425" spcFirstLastPara="1" rIns="91425" wrap="square" tIns="91425">
+            <a:bodyPr spcFirstLastPara="1" wrap="square" lIns="91425" tIns="91425" rIns="91425" bIns="91425" anchor="ctr" anchorCtr="0">
               <a:noAutofit/>
             </a:bodyPr>
             <a:lstStyle/>
             <a:p>
-              <a:pPr indent="0" lvl="0" marL="0" rtl="0" algn="l">
+              <a:pPr marL="0" lvl="0" indent="0" algn="l" rtl="0">
                 <a:spcBef>
                   <a:spcPts val="0"/>
                 </a:spcBef>
@@ -1877,9 +1936,6 @@
                 </a:spcAft>
                 <a:buNone/>
               </a:pPr>
-              <a:r>
-                <a:t/>
-              </a:r>
               <a:endParaRPr/>
             </a:p>
           </p:txBody>
@@ -1888,7 +1944,9 @@
       <p:sp>
         <p:nvSpPr>
           <p:cNvPr id="14" name="Google Shape;14;p2"/>
-          <p:cNvSpPr txBox="1"/>
+          <p:cNvSpPr txBox="1">
+            <a:spLocks noGrp="1"/>
+          </p:cNvSpPr>
           <p:nvPr>
             <p:ph type="ctrTitle"/>
           </p:nvPr>
@@ -1903,7 +1961,7 @@
           </a:prstGeom>
         </p:spPr>
         <p:txBody>
-          <a:bodyPr anchorCtr="0" anchor="b" bIns="91425" lIns="91425" spcFirstLastPara="1" rIns="91425" wrap="square" tIns="91425">
+          <a:bodyPr spcFirstLastPara="1" wrap="square" lIns="91425" tIns="91425" rIns="91425" bIns="91425" anchor="b" anchorCtr="0">
             <a:normAutofit/>
           </a:bodyPr>
           <a:lstStyle>
@@ -2007,15 +2065,19 @@
               <a:defRPr sz="4800"/>
             </a:lvl9pPr>
           </a:lstStyle>
-          <a:p/>
+          <a:p>
+            <a:endParaRPr/>
+          </a:p>
         </p:txBody>
       </p:sp>
       <p:sp>
         <p:nvSpPr>
           <p:cNvPr id="15" name="Google Shape;15;p2"/>
-          <p:cNvSpPr txBox="1"/>
+          <p:cNvSpPr txBox="1">
+            <a:spLocks noGrp="1"/>
+          </p:cNvSpPr>
           <p:nvPr>
-            <p:ph idx="1" type="subTitle"/>
+            <p:ph type="subTitle" idx="1"/>
           </p:nvPr>
         </p:nvSpPr>
         <p:spPr>
@@ -2028,7 +2090,7 @@
           </a:prstGeom>
         </p:spPr>
         <p:txBody>
-          <a:bodyPr anchorCtr="0" anchor="t" bIns="91425" lIns="91425" spcFirstLastPara="1" rIns="91425" wrap="square" tIns="91425">
+          <a:bodyPr spcFirstLastPara="1" wrap="square" lIns="91425" tIns="91425" rIns="91425" bIns="91425" anchor="t" anchorCtr="0">
             <a:normAutofit/>
           </a:bodyPr>
           <a:lstStyle>
@@ -2159,15 +2221,19 @@
               <a:defRPr sz="2100"/>
             </a:lvl9pPr>
           </a:lstStyle>
-          <a:p/>
+          <a:p>
+            <a:endParaRPr/>
+          </a:p>
         </p:txBody>
       </p:sp>
       <p:sp>
         <p:nvSpPr>
           <p:cNvPr id="16" name="Google Shape;16;p2"/>
-          <p:cNvSpPr txBox="1"/>
+          <p:cNvSpPr txBox="1">
+            <a:spLocks noGrp="1"/>
+          </p:cNvSpPr>
           <p:nvPr>
-            <p:ph idx="12" type="sldNum"/>
+            <p:ph type="sldNum" idx="12"/>
           </p:nvPr>
         </p:nvSpPr>
         <p:spPr>
@@ -2180,7 +2246,7 @@
           </a:prstGeom>
         </p:spPr>
         <p:txBody>
-          <a:bodyPr anchorCtr="0" anchor="ctr" bIns="91425" lIns="91425" spcFirstLastPara="1" rIns="91425" wrap="square" tIns="91425">
+          <a:bodyPr spcFirstLastPara="1" wrap="square" lIns="91425" tIns="91425" rIns="91425" bIns="91425" anchor="ctr" anchorCtr="0">
             <a:normAutofit/>
           </a:bodyPr>
           <a:lstStyle>
@@ -2222,7 +2288,7 @@
             </a:lvl9pPr>
           </a:lstStyle>
           <a:p>
-            <a:pPr indent="0" lvl="0" marL="0" rtl="0" algn="r">
+            <a:pPr marL="0" lvl="0" indent="0" algn="r" rtl="0">
               <a:spcBef>
                 <a:spcPts val="0"/>
               </a:spcBef>
@@ -2248,11 +2314,11 @@
 </file>
 
 <file path=ppt/slideLayouts/slideLayout10.xml><?xml version="1.0" encoding="utf-8"?>
-<p:sldLayout xmlns:a="http://schemas.openxmlformats.org/drawingml/2006/main" xmlns:r="http://schemas.openxmlformats.org/officeDocument/2006/relationships" xmlns:mc="http://schemas.openxmlformats.org/markup-compatibility/2006" xmlns:mv="urn:schemas-microsoft-com:mac:vml" xmlns:p="http://schemas.openxmlformats.org/presentationml/2006/main" xmlns:c="http://schemas.openxmlformats.org/drawingml/2006/chart" xmlns:dgm="http://schemas.openxmlformats.org/drawingml/2006/diagram" xmlns:o="urn:schemas-microsoft-com:office:office" xmlns:v="urn:schemas-microsoft-com:vml" xmlns:pvml="urn:schemas-microsoft-com:office:powerpoint" xmlns:com="http://schemas.openxmlformats.org/drawingml/2006/compatibility" xmlns:p14="http://schemas.microsoft.com/office/powerpoint/2010/main" xmlns:p15="http://schemas.microsoft.com/office/powerpoint/2012/main" xmlns:ahyp="http://schemas.microsoft.com/office/drawing/2018/hyperlinkcolor" matchingName="Big number">
+<p:sldLayout xmlns:a="http://schemas.openxmlformats.org/drawingml/2006/main" xmlns:r="http://schemas.openxmlformats.org/officeDocument/2006/relationships" xmlns:p="http://schemas.openxmlformats.org/presentationml/2006/main" matchingName="Big number">
   <p:cSld name="BIG_NUMBER">
     <p:spTree>
       <p:nvGrpSpPr>
-        <p:cNvPr id="49" name="Shape 49"/>
+        <p:cNvPr id="1" name="Shape 49"/>
         <p:cNvGrpSpPr/>
         <p:nvPr/>
       </p:nvGrpSpPr>
@@ -2267,9 +2333,11 @@
       <p:sp>
         <p:nvSpPr>
           <p:cNvPr id="50" name="Google Shape;50;p11"/>
-          <p:cNvSpPr txBox="1"/>
+          <p:cNvSpPr txBox="1">
+            <a:spLocks noGrp="1"/>
+          </p:cNvSpPr>
           <p:nvPr>
-            <p:ph hasCustomPrompt="1" type="title"/>
+            <p:ph type="title" hasCustomPrompt="1"/>
           </p:nvPr>
         </p:nvSpPr>
         <p:spPr>
@@ -2282,7 +2350,7 @@
           </a:prstGeom>
         </p:spPr>
         <p:txBody>
-          <a:bodyPr anchorCtr="0" anchor="b" bIns="91425" lIns="91425" spcFirstLastPara="1" rIns="91425" wrap="square" tIns="91425">
+          <a:bodyPr spcFirstLastPara="1" wrap="square" lIns="91425" tIns="91425" rIns="91425" bIns="91425" anchor="b" anchorCtr="0">
             <a:normAutofit/>
           </a:bodyPr>
           <a:lstStyle>
@@ -2396,9 +2464,11 @@
       <p:sp>
         <p:nvSpPr>
           <p:cNvPr id="51" name="Google Shape;51;p11"/>
-          <p:cNvSpPr txBox="1"/>
+          <p:cNvSpPr txBox="1">
+            <a:spLocks noGrp="1"/>
+          </p:cNvSpPr>
           <p:nvPr>
-            <p:ph idx="1" type="body"/>
+            <p:ph type="body" idx="1"/>
           </p:nvPr>
         </p:nvSpPr>
         <p:spPr>
@@ -2411,11 +2481,11 @@
           </a:prstGeom>
         </p:spPr>
         <p:txBody>
-          <a:bodyPr anchorCtr="0" anchor="t" bIns="91425" lIns="91425" spcFirstLastPara="1" rIns="91425" wrap="square" tIns="91425">
+          <a:bodyPr spcFirstLastPara="1" wrap="square" lIns="91425" tIns="91425" rIns="91425" bIns="91425" anchor="t" anchorCtr="0">
             <a:normAutofit/>
           </a:bodyPr>
           <a:lstStyle>
-            <a:lvl1pPr indent="-342900" lvl="0" marL="457200" algn="ctr">
+            <a:lvl1pPr marL="457200" lvl="0" indent="-342900" algn="ctr">
               <a:spcBef>
                 <a:spcPts val="0"/>
               </a:spcBef>
@@ -2426,7 +2496,7 @@
               <a:buChar char="●"/>
               <a:defRPr/>
             </a:lvl1pPr>
-            <a:lvl2pPr indent="-317500" lvl="1" marL="914400" algn="ctr">
+            <a:lvl2pPr marL="914400" lvl="1" indent="-317500" algn="ctr">
               <a:spcBef>
                 <a:spcPts val="0"/>
               </a:spcBef>
@@ -2437,7 +2507,7 @@
               <a:buChar char="○"/>
               <a:defRPr/>
             </a:lvl2pPr>
-            <a:lvl3pPr indent="-317500" lvl="2" marL="1371600" algn="ctr">
+            <a:lvl3pPr marL="1371600" lvl="2" indent="-317500" algn="ctr">
               <a:spcBef>
                 <a:spcPts val="0"/>
               </a:spcBef>
@@ -2448,7 +2518,7 @@
               <a:buChar char="■"/>
               <a:defRPr/>
             </a:lvl3pPr>
-            <a:lvl4pPr indent="-317500" lvl="3" marL="1828800" algn="ctr">
+            <a:lvl4pPr marL="1828800" lvl="3" indent="-317500" algn="ctr">
               <a:spcBef>
                 <a:spcPts val="0"/>
               </a:spcBef>
@@ -2459,7 +2529,7 @@
               <a:buChar char="●"/>
               <a:defRPr/>
             </a:lvl4pPr>
-            <a:lvl5pPr indent="-317500" lvl="4" marL="2286000" algn="ctr">
+            <a:lvl5pPr marL="2286000" lvl="4" indent="-317500" algn="ctr">
               <a:spcBef>
                 <a:spcPts val="0"/>
               </a:spcBef>
@@ -2470,7 +2540,7 @@
               <a:buChar char="○"/>
               <a:defRPr/>
             </a:lvl5pPr>
-            <a:lvl6pPr indent="-317500" lvl="5" marL="2743200" algn="ctr">
+            <a:lvl6pPr marL="2743200" lvl="5" indent="-317500" algn="ctr">
               <a:spcBef>
                 <a:spcPts val="0"/>
               </a:spcBef>
@@ -2481,7 +2551,7 @@
               <a:buChar char="■"/>
               <a:defRPr/>
             </a:lvl6pPr>
-            <a:lvl7pPr indent="-317500" lvl="6" marL="3200400" algn="ctr">
+            <a:lvl7pPr marL="3200400" lvl="6" indent="-317500" algn="ctr">
               <a:spcBef>
                 <a:spcPts val="0"/>
               </a:spcBef>
@@ -2492,7 +2562,7 @@
               <a:buChar char="●"/>
               <a:defRPr/>
             </a:lvl7pPr>
-            <a:lvl8pPr indent="-317500" lvl="7" marL="3657600" algn="ctr">
+            <a:lvl8pPr marL="3657600" lvl="7" indent="-317500" algn="ctr">
               <a:spcBef>
                 <a:spcPts val="0"/>
               </a:spcBef>
@@ -2503,7 +2573,7 @@
               <a:buChar char="○"/>
               <a:defRPr/>
             </a:lvl8pPr>
-            <a:lvl9pPr indent="-317500" lvl="8" marL="4114800" algn="ctr">
+            <a:lvl9pPr marL="4114800" lvl="8" indent="-317500" algn="ctr">
               <a:spcBef>
                 <a:spcPts val="0"/>
               </a:spcBef>
@@ -2515,15 +2585,19 @@
               <a:defRPr/>
             </a:lvl9pPr>
           </a:lstStyle>
-          <a:p/>
+          <a:p>
+            <a:endParaRPr/>
+          </a:p>
         </p:txBody>
       </p:sp>
       <p:sp>
         <p:nvSpPr>
           <p:cNvPr id="52" name="Google Shape;52;p11"/>
-          <p:cNvSpPr txBox="1"/>
+          <p:cNvSpPr txBox="1">
+            <a:spLocks noGrp="1"/>
+          </p:cNvSpPr>
           <p:nvPr>
-            <p:ph idx="12" type="sldNum"/>
+            <p:ph type="sldNum" idx="12"/>
           </p:nvPr>
         </p:nvSpPr>
         <p:spPr>
@@ -2536,7 +2610,7 @@
           </a:prstGeom>
         </p:spPr>
         <p:txBody>
-          <a:bodyPr anchorCtr="0" anchor="ctr" bIns="91425" lIns="91425" spcFirstLastPara="1" rIns="91425" wrap="square" tIns="91425">
+          <a:bodyPr spcFirstLastPara="1" wrap="square" lIns="91425" tIns="91425" rIns="91425" bIns="91425" anchor="ctr" anchorCtr="0">
             <a:normAutofit/>
           </a:bodyPr>
           <a:lstStyle>
@@ -2578,7 +2652,7 @@
             </a:lvl9pPr>
           </a:lstStyle>
           <a:p>
-            <a:pPr indent="0" lvl="0" marL="0" rtl="0" algn="r">
+            <a:pPr marL="0" lvl="0" indent="0" algn="r" rtl="0">
               <a:spcBef>
                 <a:spcPts val="0"/>
               </a:spcBef>
@@ -2604,11 +2678,11 @@
 </file>
 
 <file path=ppt/slideLayouts/slideLayout11.xml><?xml version="1.0" encoding="utf-8"?>
-<p:sldLayout xmlns:a="http://schemas.openxmlformats.org/drawingml/2006/main" xmlns:r="http://schemas.openxmlformats.org/officeDocument/2006/relationships" xmlns:mc="http://schemas.openxmlformats.org/markup-compatibility/2006" xmlns:mv="urn:schemas-microsoft-com:mac:vml" xmlns:p="http://schemas.openxmlformats.org/presentationml/2006/main" xmlns:c="http://schemas.openxmlformats.org/drawingml/2006/chart" xmlns:dgm="http://schemas.openxmlformats.org/drawingml/2006/diagram" xmlns:o="urn:schemas-microsoft-com:office:office" xmlns:v="urn:schemas-microsoft-com:vml" xmlns:pvml="urn:schemas-microsoft-com:office:powerpoint" xmlns:com="http://schemas.openxmlformats.org/drawingml/2006/compatibility" xmlns:p14="http://schemas.microsoft.com/office/powerpoint/2010/main" xmlns:p15="http://schemas.microsoft.com/office/powerpoint/2012/main" xmlns:ahyp="http://schemas.microsoft.com/office/drawing/2018/hyperlinkcolor" matchingName="Blank" type="blank">
+<p:sldLayout xmlns:a="http://schemas.openxmlformats.org/drawingml/2006/main" xmlns:r="http://schemas.openxmlformats.org/officeDocument/2006/relationships" xmlns:p="http://schemas.openxmlformats.org/presentationml/2006/main" matchingName="Blank" type="blank">
   <p:cSld name="BLANK">
     <p:spTree>
       <p:nvGrpSpPr>
-        <p:cNvPr id="53" name="Shape 53"/>
+        <p:cNvPr id="1" name="Shape 53"/>
         <p:cNvGrpSpPr/>
         <p:nvPr/>
       </p:nvGrpSpPr>
@@ -2623,9 +2697,11 @@
       <p:sp>
         <p:nvSpPr>
           <p:cNvPr id="54" name="Google Shape;54;p12"/>
-          <p:cNvSpPr txBox="1"/>
+          <p:cNvSpPr txBox="1">
+            <a:spLocks noGrp="1"/>
+          </p:cNvSpPr>
           <p:nvPr>
-            <p:ph idx="12" type="sldNum"/>
+            <p:ph type="sldNum" idx="12"/>
           </p:nvPr>
         </p:nvSpPr>
         <p:spPr>
@@ -2638,7 +2714,7 @@
           </a:prstGeom>
         </p:spPr>
         <p:txBody>
-          <a:bodyPr anchorCtr="0" anchor="ctr" bIns="91425" lIns="91425" spcFirstLastPara="1" rIns="91425" wrap="square" tIns="91425">
+          <a:bodyPr spcFirstLastPara="1" wrap="square" lIns="91425" tIns="91425" rIns="91425" bIns="91425" anchor="ctr" anchorCtr="0">
             <a:normAutofit/>
           </a:bodyPr>
           <a:lstStyle>
@@ -2680,7 +2756,7 @@
             </a:lvl9pPr>
           </a:lstStyle>
           <a:p>
-            <a:pPr indent="0" lvl="0" marL="0" rtl="0" algn="r">
+            <a:pPr marL="0" lvl="0" indent="0" algn="r" rtl="0">
               <a:spcBef>
                 <a:spcPts val="0"/>
               </a:spcBef>
@@ -2706,11 +2782,11 @@
 </file>
 
 <file path=ppt/slideLayouts/slideLayout12.xml><?xml version="1.0" encoding="utf-8"?>
-<p:sldLayout xmlns:a="http://schemas.openxmlformats.org/drawingml/2006/main" xmlns:r="http://schemas.openxmlformats.org/officeDocument/2006/relationships" xmlns:mc="http://schemas.openxmlformats.org/markup-compatibility/2006" xmlns:mv="urn:schemas-microsoft-com:mac:vml" xmlns:p="http://schemas.openxmlformats.org/presentationml/2006/main" xmlns:c="http://schemas.openxmlformats.org/drawingml/2006/chart" xmlns:dgm="http://schemas.openxmlformats.org/drawingml/2006/diagram" xmlns:o="urn:schemas-microsoft-com:office:office" xmlns:v="urn:schemas-microsoft-com:vml" xmlns:pvml="urn:schemas-microsoft-com:office:powerpoint" xmlns:com="http://schemas.openxmlformats.org/drawingml/2006/compatibility" xmlns:p14="http://schemas.microsoft.com/office/powerpoint/2010/main" xmlns:p15="http://schemas.microsoft.com/office/powerpoint/2012/main" xmlns:ahyp="http://schemas.microsoft.com/office/drawing/2018/hyperlinkcolor" matchingName="TITLE">
+<p:sldLayout xmlns:a="http://schemas.openxmlformats.org/drawingml/2006/main" xmlns:r="http://schemas.openxmlformats.org/officeDocument/2006/relationships" xmlns:p="http://schemas.openxmlformats.org/presentationml/2006/main" matchingName="TITLE">
   <p:cSld name="TITLE_1">
     <p:spTree>
       <p:nvGrpSpPr>
-        <p:cNvPr id="55" name="Shape 55"/>
+        <p:cNvPr id="1" name="Shape 55"/>
         <p:cNvGrpSpPr/>
         <p:nvPr/>
       </p:nvGrpSpPr>
@@ -2725,7 +2801,9 @@
       <p:sp>
         <p:nvSpPr>
           <p:cNvPr id="56" name="Google Shape;56;p13"/>
-          <p:cNvSpPr txBox="1"/>
+          <p:cNvSpPr txBox="1">
+            <a:spLocks noGrp="1"/>
+          </p:cNvSpPr>
           <p:nvPr>
             <p:ph type="title"/>
           </p:nvPr>
@@ -2744,11 +2822,11 @@
           </a:ln>
         </p:spPr>
         <p:txBody>
-          <a:bodyPr anchorCtr="0" anchor="b" bIns="91400" lIns="91400" spcFirstLastPara="1" rIns="91400" wrap="square" tIns="91400">
+          <a:bodyPr spcFirstLastPara="1" wrap="square" lIns="91400" tIns="91400" rIns="91400" bIns="91400" anchor="b" anchorCtr="0">
             <a:normAutofit/>
           </a:bodyPr>
           <a:lstStyle>
-            <a:lvl1pPr lvl="0" rtl="0" algn="ctr">
+            <a:lvl1pPr lvl="0" algn="ctr" rtl="0">
               <a:lnSpc>
                 <a:spcPct val="100000"/>
               </a:lnSpc>
@@ -2766,7 +2844,7 @@
               <a:buNone/>
               <a:defRPr sz="5200"/>
             </a:lvl1pPr>
-            <a:lvl2pPr lvl="1" rtl="0" algn="l">
+            <a:lvl2pPr lvl="1" algn="l" rtl="0">
               <a:lnSpc>
                 <a:spcPct val="100000"/>
               </a:lnSpc>
@@ -2783,7 +2861,7 @@
               <a:buNone/>
               <a:defRPr/>
             </a:lvl2pPr>
-            <a:lvl3pPr lvl="2" rtl="0" algn="l">
+            <a:lvl3pPr lvl="2" algn="l" rtl="0">
               <a:lnSpc>
                 <a:spcPct val="100000"/>
               </a:lnSpc>
@@ -2800,7 +2878,7 @@
               <a:buNone/>
               <a:defRPr/>
             </a:lvl3pPr>
-            <a:lvl4pPr lvl="3" rtl="0" algn="l">
+            <a:lvl4pPr lvl="3" algn="l" rtl="0">
               <a:lnSpc>
                 <a:spcPct val="100000"/>
               </a:lnSpc>
@@ -2817,7 +2895,7 @@
               <a:buNone/>
               <a:defRPr/>
             </a:lvl4pPr>
-            <a:lvl5pPr lvl="4" rtl="0" algn="l">
+            <a:lvl5pPr lvl="4" algn="l" rtl="0">
               <a:lnSpc>
                 <a:spcPct val="100000"/>
               </a:lnSpc>
@@ -2834,7 +2912,7 @@
               <a:buNone/>
               <a:defRPr/>
             </a:lvl5pPr>
-            <a:lvl6pPr lvl="5" rtl="0" algn="l">
+            <a:lvl6pPr lvl="5" algn="l" rtl="0">
               <a:lnSpc>
                 <a:spcPct val="100000"/>
               </a:lnSpc>
@@ -2851,7 +2929,7 @@
               <a:buNone/>
               <a:defRPr/>
             </a:lvl6pPr>
-            <a:lvl7pPr lvl="6" rtl="0" algn="l">
+            <a:lvl7pPr lvl="6" algn="l" rtl="0">
               <a:lnSpc>
                 <a:spcPct val="100000"/>
               </a:lnSpc>
@@ -2868,7 +2946,7 @@
               <a:buNone/>
               <a:defRPr/>
             </a:lvl7pPr>
-            <a:lvl8pPr lvl="7" rtl="0" algn="l">
+            <a:lvl8pPr lvl="7" algn="l" rtl="0">
               <a:lnSpc>
                 <a:spcPct val="100000"/>
               </a:lnSpc>
@@ -2885,7 +2963,7 @@
               <a:buNone/>
               <a:defRPr/>
             </a:lvl8pPr>
-            <a:lvl9pPr lvl="8" rtl="0" algn="l">
+            <a:lvl9pPr lvl="8" algn="l" rtl="0">
               <a:lnSpc>
                 <a:spcPct val="100000"/>
               </a:lnSpc>
@@ -2903,15 +2981,19 @@
               <a:defRPr/>
             </a:lvl9pPr>
           </a:lstStyle>
-          <a:p/>
+          <a:p>
+            <a:endParaRPr/>
+          </a:p>
         </p:txBody>
       </p:sp>
       <p:sp>
         <p:nvSpPr>
           <p:cNvPr id="57" name="Google Shape;57;p13"/>
-          <p:cNvSpPr txBox="1"/>
+          <p:cNvSpPr txBox="1">
+            <a:spLocks noGrp="1"/>
+          </p:cNvSpPr>
           <p:nvPr>
-            <p:ph idx="1" type="body"/>
+            <p:ph type="body" idx="1"/>
           </p:nvPr>
         </p:nvSpPr>
         <p:spPr>
@@ -2928,11 +3010,11 @@
           </a:ln>
         </p:spPr>
         <p:txBody>
-          <a:bodyPr anchorCtr="0" anchor="t" bIns="91400" lIns="91400" spcFirstLastPara="1" rIns="91400" wrap="square" tIns="91400">
+          <a:bodyPr spcFirstLastPara="1" wrap="square" lIns="91400" tIns="91400" rIns="91400" bIns="91400" anchor="t" anchorCtr="0">
             <a:normAutofit/>
           </a:bodyPr>
           <a:lstStyle>
-            <a:lvl1pPr indent="-228600" lvl="0" marL="457200" rtl="0" algn="ctr">
+            <a:lvl1pPr marL="457200" lvl="0" indent="-228600" algn="ctr" rtl="0">
               <a:lnSpc>
                 <a:spcPct val="100000"/>
               </a:lnSpc>
@@ -2950,7 +3032,7 @@
               <a:buNone/>
               <a:defRPr sz="2800"/>
             </a:lvl1pPr>
-            <a:lvl2pPr indent="-228600" lvl="1" marL="914400" rtl="0" algn="ctr">
+            <a:lvl2pPr marL="914400" lvl="1" indent="-228600" algn="ctr" rtl="0">
               <a:lnSpc>
                 <a:spcPct val="100000"/>
               </a:lnSpc>
@@ -2968,7 +3050,7 @@
               <a:buNone/>
               <a:defRPr sz="2800"/>
             </a:lvl2pPr>
-            <a:lvl3pPr indent="-228600" lvl="2" marL="1371600" rtl="0" algn="ctr">
+            <a:lvl3pPr marL="1371600" lvl="2" indent="-228600" algn="ctr" rtl="0">
               <a:lnSpc>
                 <a:spcPct val="100000"/>
               </a:lnSpc>
@@ -2986,7 +3068,7 @@
               <a:buNone/>
               <a:defRPr sz="2800"/>
             </a:lvl3pPr>
-            <a:lvl4pPr indent="-228600" lvl="3" marL="1828800" rtl="0" algn="ctr">
+            <a:lvl4pPr marL="1828800" lvl="3" indent="-228600" algn="ctr" rtl="0">
               <a:lnSpc>
                 <a:spcPct val="100000"/>
               </a:lnSpc>
@@ -3004,7 +3086,7 @@
               <a:buNone/>
               <a:defRPr sz="2800"/>
             </a:lvl4pPr>
-            <a:lvl5pPr indent="-228600" lvl="4" marL="2286000" rtl="0" algn="ctr">
+            <a:lvl5pPr marL="2286000" lvl="4" indent="-228600" algn="ctr" rtl="0">
               <a:lnSpc>
                 <a:spcPct val="100000"/>
               </a:lnSpc>
@@ -3022,7 +3104,7 @@
               <a:buNone/>
               <a:defRPr sz="2800"/>
             </a:lvl5pPr>
-            <a:lvl6pPr indent="-342900" lvl="5" marL="2743200" rtl="0" algn="l">
+            <a:lvl6pPr marL="2743200" lvl="5" indent="-342900" algn="l" rtl="0">
               <a:lnSpc>
                 <a:spcPct val="115000"/>
               </a:lnSpc>
@@ -3036,7 +3118,7 @@
               <a:buChar char="■"/>
               <a:defRPr/>
             </a:lvl6pPr>
-            <a:lvl7pPr indent="-342900" lvl="6" marL="3200400" rtl="0" algn="l">
+            <a:lvl7pPr marL="3200400" lvl="6" indent="-342900" algn="l" rtl="0">
               <a:lnSpc>
                 <a:spcPct val="115000"/>
               </a:lnSpc>
@@ -3050,7 +3132,7 @@
               <a:buChar char="●"/>
               <a:defRPr/>
             </a:lvl7pPr>
-            <a:lvl8pPr indent="-342900" lvl="7" marL="3657600" rtl="0" algn="l">
+            <a:lvl8pPr marL="3657600" lvl="7" indent="-342900" algn="l" rtl="0">
               <a:lnSpc>
                 <a:spcPct val="115000"/>
               </a:lnSpc>
@@ -3064,7 +3146,7 @@
               <a:buChar char="○"/>
               <a:defRPr/>
             </a:lvl8pPr>
-            <a:lvl9pPr indent="-342900" lvl="8" marL="4114800" rtl="0" algn="l">
+            <a:lvl9pPr marL="4114800" lvl="8" indent="-342900" algn="l" rtl="0">
               <a:lnSpc>
                 <a:spcPct val="115000"/>
               </a:lnSpc>
@@ -3079,15 +3161,19 @@
               <a:defRPr/>
             </a:lvl9pPr>
           </a:lstStyle>
-          <a:p/>
+          <a:p>
+            <a:endParaRPr/>
+          </a:p>
         </p:txBody>
       </p:sp>
       <p:sp>
         <p:nvSpPr>
           <p:cNvPr id="58" name="Google Shape;58;p13"/>
-          <p:cNvSpPr txBox="1"/>
+          <p:cNvSpPr txBox="1">
+            <a:spLocks noGrp="1"/>
+          </p:cNvSpPr>
           <p:nvPr>
-            <p:ph idx="12" type="sldNum"/>
+            <p:ph type="sldNum" idx="12"/>
           </p:nvPr>
         </p:nvSpPr>
         <p:spPr>
@@ -3104,11 +3190,11 @@
           </a:ln>
         </p:spPr>
         <p:txBody>
-          <a:bodyPr anchorCtr="0" anchor="ctr" bIns="91400" lIns="91400" spcFirstLastPara="1" rIns="91400" wrap="square" tIns="91400">
+          <a:bodyPr spcFirstLastPara="1" wrap="square" lIns="91400" tIns="91400" rIns="91400" bIns="91400" anchor="ctr" anchorCtr="0">
             <a:spAutoFit/>
           </a:bodyPr>
           <a:lstStyle>
-            <a:lvl1pPr indent="0" lvl="0" marL="0" rtl="0" algn="r">
+            <a:lvl1pPr marL="0" lvl="0" indent="0" algn="r" rtl="0">
               <a:lnSpc>
                 <a:spcPct val="100000"/>
               </a:lnSpc>
@@ -3130,7 +3216,7 @@
                 </a:solidFill>
               </a:defRPr>
             </a:lvl1pPr>
-            <a:lvl2pPr indent="0" lvl="1" marL="0" rtl="0" algn="r">
+            <a:lvl2pPr marL="0" lvl="1" indent="0" algn="r" rtl="0">
               <a:lnSpc>
                 <a:spcPct val="100000"/>
               </a:lnSpc>
@@ -3152,7 +3238,7 @@
                 </a:solidFill>
               </a:defRPr>
             </a:lvl2pPr>
-            <a:lvl3pPr indent="0" lvl="2" marL="0" rtl="0" algn="r">
+            <a:lvl3pPr marL="0" lvl="2" indent="0" algn="r" rtl="0">
               <a:lnSpc>
                 <a:spcPct val="100000"/>
               </a:lnSpc>
@@ -3174,7 +3260,7 @@
                 </a:solidFill>
               </a:defRPr>
             </a:lvl3pPr>
-            <a:lvl4pPr indent="0" lvl="3" marL="0" rtl="0" algn="r">
+            <a:lvl4pPr marL="0" lvl="3" indent="0" algn="r" rtl="0">
               <a:lnSpc>
                 <a:spcPct val="100000"/>
               </a:lnSpc>
@@ -3196,7 +3282,7 @@
                 </a:solidFill>
               </a:defRPr>
             </a:lvl4pPr>
-            <a:lvl5pPr indent="0" lvl="4" marL="0" rtl="0" algn="r">
+            <a:lvl5pPr marL="0" lvl="4" indent="0" algn="r" rtl="0">
               <a:lnSpc>
                 <a:spcPct val="100000"/>
               </a:lnSpc>
@@ -3218,7 +3304,7 @@
                 </a:solidFill>
               </a:defRPr>
             </a:lvl5pPr>
-            <a:lvl6pPr indent="0" lvl="5" marL="0" rtl="0" algn="r">
+            <a:lvl6pPr marL="0" lvl="5" indent="0" algn="r" rtl="0">
               <a:lnSpc>
                 <a:spcPct val="100000"/>
               </a:lnSpc>
@@ -3240,7 +3326,7 @@
                 </a:solidFill>
               </a:defRPr>
             </a:lvl6pPr>
-            <a:lvl7pPr indent="0" lvl="6" marL="0" rtl="0" algn="r">
+            <a:lvl7pPr marL="0" lvl="6" indent="0" algn="r" rtl="0">
               <a:lnSpc>
                 <a:spcPct val="100000"/>
               </a:lnSpc>
@@ -3262,7 +3348,7 @@
                 </a:solidFill>
               </a:defRPr>
             </a:lvl7pPr>
-            <a:lvl8pPr indent="0" lvl="7" marL="0" rtl="0" algn="r">
+            <a:lvl8pPr marL="0" lvl="7" indent="0" algn="r" rtl="0">
               <a:lnSpc>
                 <a:spcPct val="100000"/>
               </a:lnSpc>
@@ -3284,7 +3370,7 @@
                 </a:solidFill>
               </a:defRPr>
             </a:lvl8pPr>
-            <a:lvl9pPr indent="0" lvl="8" marL="0" rtl="0" algn="r">
+            <a:lvl9pPr marL="0" lvl="8" indent="0" algn="r" rtl="0">
               <a:lnSpc>
                 <a:spcPct val="100000"/>
               </a:lnSpc>
@@ -3308,7 +3394,7 @@
             </a:lvl9pPr>
           </a:lstStyle>
           <a:p>
-            <a:pPr indent="0" lvl="0" marL="0" rtl="0" algn="r">
+            <a:pPr marL="0" lvl="0" indent="0" algn="r" rtl="0">
               <a:spcBef>
                 <a:spcPts val="0"/>
               </a:spcBef>
@@ -3338,11 +3424,11 @@
 </file>
 
 <file path=ppt/slideLayouts/slideLayout13.xml><?xml version="1.0" encoding="utf-8"?>
-<p:sldLayout xmlns:a="http://schemas.openxmlformats.org/drawingml/2006/main" xmlns:r="http://schemas.openxmlformats.org/officeDocument/2006/relationships" xmlns:mc="http://schemas.openxmlformats.org/markup-compatibility/2006" xmlns:mv="urn:schemas-microsoft-com:mac:vml" xmlns:p="http://schemas.openxmlformats.org/presentationml/2006/main" xmlns:c="http://schemas.openxmlformats.org/drawingml/2006/chart" xmlns:dgm="http://schemas.openxmlformats.org/drawingml/2006/diagram" xmlns:o="urn:schemas-microsoft-com:office:office" xmlns:v="urn:schemas-microsoft-com:vml" xmlns:pvml="urn:schemas-microsoft-com:office:powerpoint" xmlns:com="http://schemas.openxmlformats.org/drawingml/2006/compatibility" xmlns:p14="http://schemas.microsoft.com/office/powerpoint/2010/main" xmlns:p15="http://schemas.microsoft.com/office/powerpoint/2012/main" xmlns:ahyp="http://schemas.microsoft.com/office/drawing/2018/hyperlinkcolor" matchingName="SECTION_HEADER">
+<p:sldLayout xmlns:a="http://schemas.openxmlformats.org/drawingml/2006/main" xmlns:r="http://schemas.openxmlformats.org/officeDocument/2006/relationships" xmlns:p="http://schemas.openxmlformats.org/presentationml/2006/main" matchingName="SECTION_HEADER">
   <p:cSld name="TITLE_AND_BODY_1">
     <p:spTree>
       <p:nvGrpSpPr>
-        <p:cNvPr id="59" name="Shape 59"/>
+        <p:cNvPr id="1" name="Shape 59"/>
         <p:cNvGrpSpPr/>
         <p:nvPr/>
       </p:nvGrpSpPr>
@@ -3357,7 +3443,9 @@
       <p:sp>
         <p:nvSpPr>
           <p:cNvPr id="60" name="Google Shape;60;p14"/>
-          <p:cNvSpPr txBox="1"/>
+          <p:cNvSpPr txBox="1">
+            <a:spLocks noGrp="1"/>
+          </p:cNvSpPr>
           <p:nvPr>
             <p:ph type="title"/>
           </p:nvPr>
@@ -3376,11 +3464,11 @@
           </a:ln>
         </p:spPr>
         <p:txBody>
-          <a:bodyPr anchorCtr="0" anchor="ctr" bIns="91400" lIns="91400" spcFirstLastPara="1" rIns="91400" wrap="square" tIns="91400">
+          <a:bodyPr spcFirstLastPara="1" wrap="square" lIns="91400" tIns="91400" rIns="91400" bIns="91400" anchor="ctr" anchorCtr="0">
             <a:normAutofit/>
           </a:bodyPr>
           <a:lstStyle>
-            <a:lvl1pPr lvl="0" rtl="0" algn="ctr">
+            <a:lvl1pPr lvl="0" algn="ctr" rtl="0">
               <a:lnSpc>
                 <a:spcPct val="100000"/>
               </a:lnSpc>
@@ -3398,7 +3486,7 @@
               <a:buNone/>
               <a:defRPr sz="3600"/>
             </a:lvl1pPr>
-            <a:lvl2pPr lvl="1" rtl="0" algn="l">
+            <a:lvl2pPr lvl="1" algn="l" rtl="0">
               <a:lnSpc>
                 <a:spcPct val="100000"/>
               </a:lnSpc>
@@ -3415,7 +3503,7 @@
               <a:buNone/>
               <a:defRPr/>
             </a:lvl2pPr>
-            <a:lvl3pPr lvl="2" rtl="0" algn="l">
+            <a:lvl3pPr lvl="2" algn="l" rtl="0">
               <a:lnSpc>
                 <a:spcPct val="100000"/>
               </a:lnSpc>
@@ -3432,7 +3520,7 @@
               <a:buNone/>
               <a:defRPr/>
             </a:lvl3pPr>
-            <a:lvl4pPr lvl="3" rtl="0" algn="l">
+            <a:lvl4pPr lvl="3" algn="l" rtl="0">
               <a:lnSpc>
                 <a:spcPct val="100000"/>
               </a:lnSpc>
@@ -3449,7 +3537,7 @@
               <a:buNone/>
               <a:defRPr/>
             </a:lvl4pPr>
-            <a:lvl5pPr lvl="4" rtl="0" algn="l">
+            <a:lvl5pPr lvl="4" algn="l" rtl="0">
               <a:lnSpc>
                 <a:spcPct val="100000"/>
               </a:lnSpc>
@@ -3466,7 +3554,7 @@
               <a:buNone/>
               <a:defRPr/>
             </a:lvl5pPr>
-            <a:lvl6pPr lvl="5" rtl="0" algn="l">
+            <a:lvl6pPr lvl="5" algn="l" rtl="0">
               <a:lnSpc>
                 <a:spcPct val="100000"/>
               </a:lnSpc>
@@ -3483,7 +3571,7 @@
               <a:buNone/>
               <a:defRPr/>
             </a:lvl6pPr>
-            <a:lvl7pPr lvl="6" rtl="0" algn="l">
+            <a:lvl7pPr lvl="6" algn="l" rtl="0">
               <a:lnSpc>
                 <a:spcPct val="100000"/>
               </a:lnSpc>
@@ -3500,7 +3588,7 @@
               <a:buNone/>
               <a:defRPr/>
             </a:lvl7pPr>
-            <a:lvl8pPr lvl="7" rtl="0" algn="l">
+            <a:lvl8pPr lvl="7" algn="l" rtl="0">
               <a:lnSpc>
                 <a:spcPct val="100000"/>
               </a:lnSpc>
@@ -3517,7 +3605,7 @@
               <a:buNone/>
               <a:defRPr/>
             </a:lvl8pPr>
-            <a:lvl9pPr lvl="8" rtl="0" algn="l">
+            <a:lvl9pPr lvl="8" algn="l" rtl="0">
               <a:lnSpc>
                 <a:spcPct val="100000"/>
               </a:lnSpc>
@@ -3535,15 +3623,19 @@
               <a:defRPr/>
             </a:lvl9pPr>
           </a:lstStyle>
-          <a:p/>
+          <a:p>
+            <a:endParaRPr/>
+          </a:p>
         </p:txBody>
       </p:sp>
       <p:sp>
         <p:nvSpPr>
           <p:cNvPr id="61" name="Google Shape;61;p14"/>
-          <p:cNvSpPr txBox="1"/>
+          <p:cNvSpPr txBox="1">
+            <a:spLocks noGrp="1"/>
+          </p:cNvSpPr>
           <p:nvPr>
-            <p:ph idx="12" type="sldNum"/>
+            <p:ph type="sldNum" idx="12"/>
           </p:nvPr>
         </p:nvSpPr>
         <p:spPr>
@@ -3560,11 +3652,11 @@
           </a:ln>
         </p:spPr>
         <p:txBody>
-          <a:bodyPr anchorCtr="0" anchor="ctr" bIns="91400" lIns="91400" spcFirstLastPara="1" rIns="91400" wrap="square" tIns="91400">
+          <a:bodyPr spcFirstLastPara="1" wrap="square" lIns="91400" tIns="91400" rIns="91400" bIns="91400" anchor="ctr" anchorCtr="0">
             <a:spAutoFit/>
           </a:bodyPr>
           <a:lstStyle>
-            <a:lvl1pPr indent="0" lvl="0" marL="0" rtl="0" algn="r">
+            <a:lvl1pPr marL="0" lvl="0" indent="0" algn="r" rtl="0">
               <a:lnSpc>
                 <a:spcPct val="100000"/>
               </a:lnSpc>
@@ -3586,7 +3678,7 @@
                 </a:solidFill>
               </a:defRPr>
             </a:lvl1pPr>
-            <a:lvl2pPr indent="0" lvl="1" marL="0" rtl="0" algn="r">
+            <a:lvl2pPr marL="0" lvl="1" indent="0" algn="r" rtl="0">
               <a:lnSpc>
                 <a:spcPct val="100000"/>
               </a:lnSpc>
@@ -3608,7 +3700,7 @@
                 </a:solidFill>
               </a:defRPr>
             </a:lvl2pPr>
-            <a:lvl3pPr indent="0" lvl="2" marL="0" rtl="0" algn="r">
+            <a:lvl3pPr marL="0" lvl="2" indent="0" algn="r" rtl="0">
               <a:lnSpc>
                 <a:spcPct val="100000"/>
               </a:lnSpc>
@@ -3630,7 +3722,7 @@
                 </a:solidFill>
               </a:defRPr>
             </a:lvl3pPr>
-            <a:lvl4pPr indent="0" lvl="3" marL="0" rtl="0" algn="r">
+            <a:lvl4pPr marL="0" lvl="3" indent="0" algn="r" rtl="0">
               <a:lnSpc>
                 <a:spcPct val="100000"/>
               </a:lnSpc>
@@ -3652,7 +3744,7 @@
                 </a:solidFill>
               </a:defRPr>
             </a:lvl4pPr>
-            <a:lvl5pPr indent="0" lvl="4" marL="0" rtl="0" algn="r">
+            <a:lvl5pPr marL="0" lvl="4" indent="0" algn="r" rtl="0">
               <a:lnSpc>
                 <a:spcPct val="100000"/>
               </a:lnSpc>
@@ -3674,7 +3766,7 @@
                 </a:solidFill>
               </a:defRPr>
             </a:lvl5pPr>
-            <a:lvl6pPr indent="0" lvl="5" marL="0" rtl="0" algn="r">
+            <a:lvl6pPr marL="0" lvl="5" indent="0" algn="r" rtl="0">
               <a:lnSpc>
                 <a:spcPct val="100000"/>
               </a:lnSpc>
@@ -3696,7 +3788,7 @@
                 </a:solidFill>
               </a:defRPr>
             </a:lvl6pPr>
-            <a:lvl7pPr indent="0" lvl="6" marL="0" rtl="0" algn="r">
+            <a:lvl7pPr marL="0" lvl="6" indent="0" algn="r" rtl="0">
               <a:lnSpc>
                 <a:spcPct val="100000"/>
               </a:lnSpc>
@@ -3718,7 +3810,7 @@
                 </a:solidFill>
               </a:defRPr>
             </a:lvl7pPr>
-            <a:lvl8pPr indent="0" lvl="7" marL="0" rtl="0" algn="r">
+            <a:lvl8pPr marL="0" lvl="7" indent="0" algn="r" rtl="0">
               <a:lnSpc>
                 <a:spcPct val="100000"/>
               </a:lnSpc>
@@ -3740,7 +3832,7 @@
                 </a:solidFill>
               </a:defRPr>
             </a:lvl8pPr>
-            <a:lvl9pPr indent="0" lvl="8" marL="0" rtl="0" algn="r">
+            <a:lvl9pPr marL="0" lvl="8" indent="0" algn="r" rtl="0">
               <a:lnSpc>
                 <a:spcPct val="100000"/>
               </a:lnSpc>
@@ -3764,7 +3856,7 @@
             </a:lvl9pPr>
           </a:lstStyle>
           <a:p>
-            <a:pPr indent="0" lvl="0" marL="0" rtl="0" algn="r">
+            <a:pPr marL="0" lvl="0" indent="0" algn="r" rtl="0">
               <a:spcBef>
                 <a:spcPts val="0"/>
               </a:spcBef>
@@ -3794,11 +3886,11 @@
 </file>
 
 <file path=ppt/slideLayouts/slideLayout14.xml><?xml version="1.0" encoding="utf-8"?>
-<p:sldLayout xmlns:a="http://schemas.openxmlformats.org/drawingml/2006/main" xmlns:r="http://schemas.openxmlformats.org/officeDocument/2006/relationships" xmlns:mc="http://schemas.openxmlformats.org/markup-compatibility/2006" xmlns:mv="urn:schemas-microsoft-com:mac:vml" xmlns:p="http://schemas.openxmlformats.org/presentationml/2006/main" xmlns:c="http://schemas.openxmlformats.org/drawingml/2006/chart" xmlns:dgm="http://schemas.openxmlformats.org/drawingml/2006/diagram" xmlns:o="urn:schemas-microsoft-com:office:office" xmlns:v="urn:schemas-microsoft-com:vml" xmlns:pvml="urn:schemas-microsoft-com:office:powerpoint" xmlns:com="http://schemas.openxmlformats.org/drawingml/2006/compatibility" xmlns:p14="http://schemas.microsoft.com/office/powerpoint/2010/main" xmlns:p15="http://schemas.microsoft.com/office/powerpoint/2012/main" xmlns:ahyp="http://schemas.microsoft.com/office/drawing/2018/hyperlinkcolor" matchingName="TITLE_AND_BODY">
+<p:sldLayout xmlns:a="http://schemas.openxmlformats.org/drawingml/2006/main" xmlns:r="http://schemas.openxmlformats.org/officeDocument/2006/relationships" xmlns:p="http://schemas.openxmlformats.org/presentationml/2006/main" matchingName="TITLE_AND_BODY">
   <p:cSld name="TITLE_AND_BODY 2">
     <p:spTree>
       <p:nvGrpSpPr>
-        <p:cNvPr id="62" name="Shape 62"/>
+        <p:cNvPr id="1" name="Shape 62"/>
         <p:cNvGrpSpPr/>
         <p:nvPr/>
       </p:nvGrpSpPr>
@@ -3813,7 +3905,9 @@
       <p:sp>
         <p:nvSpPr>
           <p:cNvPr id="63" name="Google Shape;63;p15"/>
-          <p:cNvSpPr txBox="1"/>
+          <p:cNvSpPr txBox="1">
+            <a:spLocks noGrp="1"/>
+          </p:cNvSpPr>
           <p:nvPr>
             <p:ph type="title"/>
           </p:nvPr>
@@ -3832,11 +3926,11 @@
           </a:ln>
         </p:spPr>
         <p:txBody>
-          <a:bodyPr anchorCtr="0" anchor="t" bIns="91400" lIns="91400" spcFirstLastPara="1" rIns="91400" wrap="square" tIns="91400">
+          <a:bodyPr spcFirstLastPara="1" wrap="square" lIns="91400" tIns="91400" rIns="91400" bIns="91400" anchor="t" anchorCtr="0">
             <a:normAutofit/>
           </a:bodyPr>
           <a:lstStyle>
-            <a:lvl1pPr lvl="0" rtl="0" algn="l">
+            <a:lvl1pPr lvl="0" algn="l" rtl="0">
               <a:lnSpc>
                 <a:spcPct val="100000"/>
               </a:lnSpc>
@@ -3853,7 +3947,7 @@
               <a:buNone/>
               <a:defRPr/>
             </a:lvl1pPr>
-            <a:lvl2pPr lvl="1" rtl="0" algn="l">
+            <a:lvl2pPr lvl="1" algn="l" rtl="0">
               <a:lnSpc>
                 <a:spcPct val="100000"/>
               </a:lnSpc>
@@ -3870,7 +3964,7 @@
               <a:buNone/>
               <a:defRPr/>
             </a:lvl2pPr>
-            <a:lvl3pPr lvl="2" rtl="0" algn="l">
+            <a:lvl3pPr lvl="2" algn="l" rtl="0">
               <a:lnSpc>
                 <a:spcPct val="100000"/>
               </a:lnSpc>
@@ -3887,7 +3981,7 @@
               <a:buNone/>
               <a:defRPr/>
             </a:lvl3pPr>
-            <a:lvl4pPr lvl="3" rtl="0" algn="l">
+            <a:lvl4pPr lvl="3" algn="l" rtl="0">
               <a:lnSpc>
                 <a:spcPct val="100000"/>
               </a:lnSpc>
@@ -3904,7 +3998,7 @@
               <a:buNone/>
               <a:defRPr/>
             </a:lvl4pPr>
-            <a:lvl5pPr lvl="4" rtl="0" algn="l">
+            <a:lvl5pPr lvl="4" algn="l" rtl="0">
               <a:lnSpc>
                 <a:spcPct val="100000"/>
               </a:lnSpc>
@@ -3921,7 +4015,7 @@
               <a:buNone/>
               <a:defRPr/>
             </a:lvl5pPr>
-            <a:lvl6pPr lvl="5" rtl="0" algn="l">
+            <a:lvl6pPr lvl="5" algn="l" rtl="0">
               <a:lnSpc>
                 <a:spcPct val="100000"/>
               </a:lnSpc>
@@ -3938,7 +4032,7 @@
               <a:buNone/>
               <a:defRPr/>
             </a:lvl6pPr>
-            <a:lvl7pPr lvl="6" rtl="0" algn="l">
+            <a:lvl7pPr lvl="6" algn="l" rtl="0">
               <a:lnSpc>
                 <a:spcPct val="100000"/>
               </a:lnSpc>
@@ -3955,7 +4049,7 @@
               <a:buNone/>
               <a:defRPr/>
             </a:lvl7pPr>
-            <a:lvl8pPr lvl="7" rtl="0" algn="l">
+            <a:lvl8pPr lvl="7" algn="l" rtl="0">
               <a:lnSpc>
                 <a:spcPct val="100000"/>
               </a:lnSpc>
@@ -3972,7 +4066,7 @@
               <a:buNone/>
               <a:defRPr/>
             </a:lvl8pPr>
-            <a:lvl9pPr lvl="8" rtl="0" algn="l">
+            <a:lvl9pPr lvl="8" algn="l" rtl="0">
               <a:lnSpc>
                 <a:spcPct val="100000"/>
               </a:lnSpc>
@@ -3990,15 +4084,19 @@
               <a:defRPr/>
             </a:lvl9pPr>
           </a:lstStyle>
-          <a:p/>
+          <a:p>
+            <a:endParaRPr/>
+          </a:p>
         </p:txBody>
       </p:sp>
       <p:sp>
         <p:nvSpPr>
           <p:cNvPr id="64" name="Google Shape;64;p15"/>
-          <p:cNvSpPr txBox="1"/>
+          <p:cNvSpPr txBox="1">
+            <a:spLocks noGrp="1"/>
+          </p:cNvSpPr>
           <p:nvPr>
-            <p:ph idx="1" type="body"/>
+            <p:ph type="body" idx="1"/>
           </p:nvPr>
         </p:nvSpPr>
         <p:spPr>
@@ -4015,11 +4113,11 @@
           </a:ln>
         </p:spPr>
         <p:txBody>
-          <a:bodyPr anchorCtr="0" anchor="t" bIns="91400" lIns="91400" spcFirstLastPara="1" rIns="91400" wrap="square" tIns="91400">
+          <a:bodyPr spcFirstLastPara="1" wrap="square" lIns="91400" tIns="91400" rIns="91400" bIns="91400" anchor="t" anchorCtr="0">
             <a:normAutofit/>
           </a:bodyPr>
           <a:lstStyle>
-            <a:lvl1pPr indent="-342900" lvl="0" marL="457200" rtl="0" algn="l">
+            <a:lvl1pPr marL="457200" lvl="0" indent="-342900" algn="l" rtl="0">
               <a:lnSpc>
                 <a:spcPct val="115000"/>
               </a:lnSpc>
@@ -4033,7 +4131,7 @@
               <a:buChar char="●"/>
               <a:defRPr/>
             </a:lvl1pPr>
-            <a:lvl2pPr indent="-342900" lvl="1" marL="914400" rtl="0" algn="l">
+            <a:lvl2pPr marL="914400" lvl="1" indent="-342900" algn="l" rtl="0">
               <a:lnSpc>
                 <a:spcPct val="115000"/>
               </a:lnSpc>
@@ -4047,7 +4145,7 @@
               <a:buChar char="○"/>
               <a:defRPr/>
             </a:lvl2pPr>
-            <a:lvl3pPr indent="-342900" lvl="2" marL="1371600" rtl="0" algn="l">
+            <a:lvl3pPr marL="1371600" lvl="2" indent="-342900" algn="l" rtl="0">
               <a:lnSpc>
                 <a:spcPct val="115000"/>
               </a:lnSpc>
@@ -4061,7 +4159,7 @@
               <a:buChar char="■"/>
               <a:defRPr/>
             </a:lvl3pPr>
-            <a:lvl4pPr indent="-342900" lvl="3" marL="1828800" rtl="0" algn="l">
+            <a:lvl4pPr marL="1828800" lvl="3" indent="-342900" algn="l" rtl="0">
               <a:lnSpc>
                 <a:spcPct val="115000"/>
               </a:lnSpc>
@@ -4075,7 +4173,7 @@
               <a:buChar char="●"/>
               <a:defRPr/>
             </a:lvl4pPr>
-            <a:lvl5pPr indent="-342900" lvl="4" marL="2286000" rtl="0" algn="l">
+            <a:lvl5pPr marL="2286000" lvl="4" indent="-342900" algn="l" rtl="0">
               <a:lnSpc>
                 <a:spcPct val="115000"/>
               </a:lnSpc>
@@ -4089,7 +4187,7 @@
               <a:buChar char="○"/>
               <a:defRPr/>
             </a:lvl5pPr>
-            <a:lvl6pPr indent="-342900" lvl="5" marL="2743200" rtl="0" algn="l">
+            <a:lvl6pPr marL="2743200" lvl="5" indent="-342900" algn="l" rtl="0">
               <a:lnSpc>
                 <a:spcPct val="115000"/>
               </a:lnSpc>
@@ -4103,7 +4201,7 @@
               <a:buChar char="■"/>
               <a:defRPr/>
             </a:lvl6pPr>
-            <a:lvl7pPr indent="-342900" lvl="6" marL="3200400" rtl="0" algn="l">
+            <a:lvl7pPr marL="3200400" lvl="6" indent="-342900" algn="l" rtl="0">
               <a:lnSpc>
                 <a:spcPct val="115000"/>
               </a:lnSpc>
@@ -4117,7 +4215,7 @@
               <a:buChar char="●"/>
               <a:defRPr/>
             </a:lvl7pPr>
-            <a:lvl8pPr indent="-342900" lvl="7" marL="3657600" rtl="0" algn="l">
+            <a:lvl8pPr marL="3657600" lvl="7" indent="-342900" algn="l" rtl="0">
               <a:lnSpc>
                 <a:spcPct val="115000"/>
               </a:lnSpc>
@@ -4131,7 +4229,7 @@
               <a:buChar char="○"/>
               <a:defRPr/>
             </a:lvl8pPr>
-            <a:lvl9pPr indent="-342900" lvl="8" marL="4114800" rtl="0" algn="l">
+            <a:lvl9pPr marL="4114800" lvl="8" indent="-342900" algn="l" rtl="0">
               <a:lnSpc>
                 <a:spcPct val="115000"/>
               </a:lnSpc>
@@ -4146,15 +4244,19 @@
               <a:defRPr/>
             </a:lvl9pPr>
           </a:lstStyle>
-          <a:p/>
+          <a:p>
+            <a:endParaRPr/>
+          </a:p>
         </p:txBody>
       </p:sp>
       <p:sp>
         <p:nvSpPr>
           <p:cNvPr id="65" name="Google Shape;65;p15"/>
-          <p:cNvSpPr txBox="1"/>
+          <p:cNvSpPr txBox="1">
+            <a:spLocks noGrp="1"/>
+          </p:cNvSpPr>
           <p:nvPr>
-            <p:ph idx="12" type="sldNum"/>
+            <p:ph type="sldNum" idx="12"/>
           </p:nvPr>
         </p:nvSpPr>
         <p:spPr>
@@ -4171,11 +4273,11 @@
           </a:ln>
         </p:spPr>
         <p:txBody>
-          <a:bodyPr anchorCtr="0" anchor="ctr" bIns="91400" lIns="91400" spcFirstLastPara="1" rIns="91400" wrap="square" tIns="91400">
+          <a:bodyPr spcFirstLastPara="1" wrap="square" lIns="91400" tIns="91400" rIns="91400" bIns="91400" anchor="ctr" anchorCtr="0">
             <a:spAutoFit/>
           </a:bodyPr>
           <a:lstStyle>
-            <a:lvl1pPr indent="0" lvl="0" marL="0" rtl="0" algn="r">
+            <a:lvl1pPr marL="0" lvl="0" indent="0" algn="r" rtl="0">
               <a:lnSpc>
                 <a:spcPct val="100000"/>
               </a:lnSpc>
@@ -4197,7 +4299,7 @@
                 </a:solidFill>
               </a:defRPr>
             </a:lvl1pPr>
-            <a:lvl2pPr indent="0" lvl="1" marL="0" rtl="0" algn="r">
+            <a:lvl2pPr marL="0" lvl="1" indent="0" algn="r" rtl="0">
               <a:lnSpc>
                 <a:spcPct val="100000"/>
               </a:lnSpc>
@@ -4219,7 +4321,7 @@
                 </a:solidFill>
               </a:defRPr>
             </a:lvl2pPr>
-            <a:lvl3pPr indent="0" lvl="2" marL="0" rtl="0" algn="r">
+            <a:lvl3pPr marL="0" lvl="2" indent="0" algn="r" rtl="0">
               <a:lnSpc>
                 <a:spcPct val="100000"/>
               </a:lnSpc>
@@ -4241,7 +4343,7 @@
                 </a:solidFill>
               </a:defRPr>
             </a:lvl3pPr>
-            <a:lvl4pPr indent="0" lvl="3" marL="0" rtl="0" algn="r">
+            <a:lvl4pPr marL="0" lvl="3" indent="0" algn="r" rtl="0">
               <a:lnSpc>
                 <a:spcPct val="100000"/>
               </a:lnSpc>
@@ -4263,7 +4365,7 @@
                 </a:solidFill>
               </a:defRPr>
             </a:lvl4pPr>
-            <a:lvl5pPr indent="0" lvl="4" marL="0" rtl="0" algn="r">
+            <a:lvl5pPr marL="0" lvl="4" indent="0" algn="r" rtl="0">
               <a:lnSpc>
                 <a:spcPct val="100000"/>
               </a:lnSpc>
@@ -4285,7 +4387,7 @@
                 </a:solidFill>
               </a:defRPr>
             </a:lvl5pPr>
-            <a:lvl6pPr indent="0" lvl="5" marL="0" rtl="0" algn="r">
+            <a:lvl6pPr marL="0" lvl="5" indent="0" algn="r" rtl="0">
               <a:lnSpc>
                 <a:spcPct val="100000"/>
               </a:lnSpc>
@@ -4307,7 +4409,7 @@
                 </a:solidFill>
               </a:defRPr>
             </a:lvl6pPr>
-            <a:lvl7pPr indent="0" lvl="6" marL="0" rtl="0" algn="r">
+            <a:lvl7pPr marL="0" lvl="6" indent="0" algn="r" rtl="0">
               <a:lnSpc>
                 <a:spcPct val="100000"/>
               </a:lnSpc>
@@ -4329,7 +4431,7 @@
                 </a:solidFill>
               </a:defRPr>
             </a:lvl7pPr>
-            <a:lvl8pPr indent="0" lvl="7" marL="0" rtl="0" algn="r">
+            <a:lvl8pPr marL="0" lvl="7" indent="0" algn="r" rtl="0">
               <a:lnSpc>
                 <a:spcPct val="100000"/>
               </a:lnSpc>
@@ -4351,7 +4453,7 @@
                 </a:solidFill>
               </a:defRPr>
             </a:lvl8pPr>
-            <a:lvl9pPr indent="0" lvl="8" marL="0" rtl="0" algn="r">
+            <a:lvl9pPr marL="0" lvl="8" indent="0" algn="r" rtl="0">
               <a:lnSpc>
                 <a:spcPct val="100000"/>
               </a:lnSpc>
@@ -4375,7 +4477,7 @@
             </a:lvl9pPr>
           </a:lstStyle>
           <a:p>
-            <a:pPr indent="0" lvl="0" marL="0" rtl="0" algn="r">
+            <a:pPr marL="0" lvl="0" indent="0" algn="r" rtl="0">
               <a:spcBef>
                 <a:spcPts val="0"/>
               </a:spcBef>
@@ -4405,11 +4507,11 @@
 </file>
 
 <file path=ppt/slideLayouts/slideLayout2.xml><?xml version="1.0" encoding="utf-8"?>
-<p:sldLayout xmlns:a="http://schemas.openxmlformats.org/drawingml/2006/main" xmlns:r="http://schemas.openxmlformats.org/officeDocument/2006/relationships" xmlns:mc="http://schemas.openxmlformats.org/markup-compatibility/2006" xmlns:mv="urn:schemas-microsoft-com:mac:vml" xmlns:p="http://schemas.openxmlformats.org/presentationml/2006/main" xmlns:c="http://schemas.openxmlformats.org/drawingml/2006/chart" xmlns:dgm="http://schemas.openxmlformats.org/drawingml/2006/diagram" xmlns:o="urn:schemas-microsoft-com:office:office" xmlns:v="urn:schemas-microsoft-com:vml" xmlns:pvml="urn:schemas-microsoft-com:office:powerpoint" xmlns:com="http://schemas.openxmlformats.org/drawingml/2006/compatibility" xmlns:p14="http://schemas.microsoft.com/office/powerpoint/2010/main" xmlns:p15="http://schemas.microsoft.com/office/powerpoint/2012/main" xmlns:ahyp="http://schemas.microsoft.com/office/drawing/2018/hyperlinkcolor" matchingName="Section header" type="secHead">
+<p:sldLayout xmlns:a="http://schemas.openxmlformats.org/drawingml/2006/main" xmlns:r="http://schemas.openxmlformats.org/officeDocument/2006/relationships" xmlns:p="http://schemas.openxmlformats.org/presentationml/2006/main" matchingName="Section header" type="secHead">
   <p:cSld name="SECTION_HEADER">
     <p:spTree>
       <p:nvGrpSpPr>
-        <p:cNvPr id="17" name="Shape 17"/>
+        <p:cNvPr id="1" name="Shape 17"/>
         <p:cNvGrpSpPr/>
         <p:nvPr/>
       </p:nvGrpSpPr>
@@ -4424,7 +4526,9 @@
       <p:sp>
         <p:nvSpPr>
           <p:cNvPr id="18" name="Google Shape;18;p3"/>
-          <p:cNvSpPr txBox="1"/>
+          <p:cNvSpPr txBox="1">
+            <a:spLocks noGrp="1"/>
+          </p:cNvSpPr>
           <p:nvPr>
             <p:ph type="title"/>
           </p:nvPr>
@@ -4439,7 +4543,7 @@
           </a:prstGeom>
         </p:spPr>
         <p:txBody>
-          <a:bodyPr anchorCtr="0" anchor="ctr" bIns="91425" lIns="91425" spcFirstLastPara="1" rIns="91425" wrap="square" tIns="91425">
+          <a:bodyPr spcFirstLastPara="1" wrap="square" lIns="91425" tIns="91425" rIns="91425" bIns="91425" anchor="ctr" anchorCtr="0">
             <a:normAutofit/>
           </a:bodyPr>
           <a:lstStyle>
@@ -4543,15 +4647,19 @@
               <a:defRPr sz="3600"/>
             </a:lvl9pPr>
           </a:lstStyle>
-          <a:p/>
+          <a:p>
+            <a:endParaRPr/>
+          </a:p>
         </p:txBody>
       </p:sp>
       <p:sp>
         <p:nvSpPr>
           <p:cNvPr id="19" name="Google Shape;19;p3"/>
-          <p:cNvSpPr txBox="1"/>
+          <p:cNvSpPr txBox="1">
+            <a:spLocks noGrp="1"/>
+          </p:cNvSpPr>
           <p:nvPr>
-            <p:ph idx="12" type="sldNum"/>
+            <p:ph type="sldNum" idx="12"/>
           </p:nvPr>
         </p:nvSpPr>
         <p:spPr>
@@ -4564,7 +4672,7 @@
           </a:prstGeom>
         </p:spPr>
         <p:txBody>
-          <a:bodyPr anchorCtr="0" anchor="ctr" bIns="91425" lIns="91425" spcFirstLastPara="1" rIns="91425" wrap="square" tIns="91425">
+          <a:bodyPr spcFirstLastPara="1" wrap="square" lIns="91425" tIns="91425" rIns="91425" bIns="91425" anchor="ctr" anchorCtr="0">
             <a:normAutofit/>
           </a:bodyPr>
           <a:lstStyle>
@@ -4606,7 +4714,7 @@
             </a:lvl9pPr>
           </a:lstStyle>
           <a:p>
-            <a:pPr indent="0" lvl="0" marL="0" rtl="0" algn="r">
+            <a:pPr marL="0" lvl="0" indent="0" algn="r" rtl="0">
               <a:spcBef>
                 <a:spcPts val="0"/>
               </a:spcBef>
@@ -4632,11 +4740,11 @@
 </file>
 
 <file path=ppt/slideLayouts/slideLayout3.xml><?xml version="1.0" encoding="utf-8"?>
-<p:sldLayout xmlns:a="http://schemas.openxmlformats.org/drawingml/2006/main" xmlns:r="http://schemas.openxmlformats.org/officeDocument/2006/relationships" xmlns:mc="http://schemas.openxmlformats.org/markup-compatibility/2006" xmlns:mv="urn:schemas-microsoft-com:mac:vml" xmlns:p="http://schemas.openxmlformats.org/presentationml/2006/main" xmlns:c="http://schemas.openxmlformats.org/drawingml/2006/chart" xmlns:dgm="http://schemas.openxmlformats.org/drawingml/2006/diagram" xmlns:o="urn:schemas-microsoft-com:office:office" xmlns:v="urn:schemas-microsoft-com:vml" xmlns:pvml="urn:schemas-microsoft-com:office:powerpoint" xmlns:com="http://schemas.openxmlformats.org/drawingml/2006/compatibility" xmlns:p14="http://schemas.microsoft.com/office/powerpoint/2010/main" xmlns:p15="http://schemas.microsoft.com/office/powerpoint/2012/main" xmlns:ahyp="http://schemas.microsoft.com/office/drawing/2018/hyperlinkcolor" matchingName="Title and body" type="tx">
+<p:sldLayout xmlns:a="http://schemas.openxmlformats.org/drawingml/2006/main" xmlns:r="http://schemas.openxmlformats.org/officeDocument/2006/relationships" xmlns:p="http://schemas.openxmlformats.org/presentationml/2006/main" matchingName="Title and body" type="tx">
   <p:cSld name="TITLE_AND_BODY">
     <p:spTree>
       <p:nvGrpSpPr>
-        <p:cNvPr id="20" name="Shape 20"/>
+        <p:cNvPr id="1" name="Shape 20"/>
         <p:cNvGrpSpPr/>
         <p:nvPr/>
       </p:nvGrpSpPr>
@@ -4651,7 +4759,9 @@
       <p:sp>
         <p:nvSpPr>
           <p:cNvPr id="21" name="Google Shape;21;p4"/>
-          <p:cNvSpPr txBox="1"/>
+          <p:cNvSpPr txBox="1">
+            <a:spLocks noGrp="1"/>
+          </p:cNvSpPr>
           <p:nvPr>
             <p:ph type="title"/>
           </p:nvPr>
@@ -4666,7 +4776,7 @@
           </a:prstGeom>
         </p:spPr>
         <p:txBody>
-          <a:bodyPr anchorCtr="0" anchor="t" bIns="91425" lIns="91425" spcFirstLastPara="1" rIns="91425" wrap="square" tIns="91425">
+          <a:bodyPr spcFirstLastPara="1" wrap="square" lIns="91425" tIns="91425" rIns="91425" bIns="91425" anchor="t" anchorCtr="0">
             <a:normAutofit/>
           </a:bodyPr>
           <a:lstStyle>
@@ -4770,15 +4880,19 @@
               <a:defRPr/>
             </a:lvl9pPr>
           </a:lstStyle>
-          <a:p/>
+          <a:p>
+            <a:endParaRPr/>
+          </a:p>
         </p:txBody>
       </p:sp>
       <p:sp>
         <p:nvSpPr>
           <p:cNvPr id="22" name="Google Shape;22;p4"/>
-          <p:cNvSpPr txBox="1"/>
+          <p:cNvSpPr txBox="1">
+            <a:spLocks noGrp="1"/>
+          </p:cNvSpPr>
           <p:nvPr>
-            <p:ph idx="1" type="body"/>
+            <p:ph type="body" idx="1"/>
           </p:nvPr>
         </p:nvSpPr>
         <p:spPr>
@@ -4791,11 +4905,11 @@
           </a:prstGeom>
         </p:spPr>
         <p:txBody>
-          <a:bodyPr anchorCtr="0" anchor="t" bIns="91425" lIns="91425" spcFirstLastPara="1" rIns="91425" wrap="square" tIns="91425">
+          <a:bodyPr spcFirstLastPara="1" wrap="square" lIns="91425" tIns="91425" rIns="91425" bIns="91425" anchor="t" anchorCtr="0">
             <a:normAutofit/>
           </a:bodyPr>
           <a:lstStyle>
-            <a:lvl1pPr indent="-342900" lvl="0" marL="457200">
+            <a:lvl1pPr marL="457200" lvl="0" indent="-342900">
               <a:spcBef>
                 <a:spcPts val="0"/>
               </a:spcBef>
@@ -4806,7 +4920,7 @@
               <a:buChar char="●"/>
               <a:defRPr/>
             </a:lvl1pPr>
-            <a:lvl2pPr indent="-317500" lvl="1" marL="914400">
+            <a:lvl2pPr marL="914400" lvl="1" indent="-317500">
               <a:spcBef>
                 <a:spcPts val="0"/>
               </a:spcBef>
@@ -4817,7 +4931,7 @@
               <a:buChar char="○"/>
               <a:defRPr/>
             </a:lvl2pPr>
-            <a:lvl3pPr indent="-317500" lvl="2" marL="1371600">
+            <a:lvl3pPr marL="1371600" lvl="2" indent="-317500">
               <a:spcBef>
                 <a:spcPts val="0"/>
               </a:spcBef>
@@ -4828,7 +4942,7 @@
               <a:buChar char="■"/>
               <a:defRPr/>
             </a:lvl3pPr>
-            <a:lvl4pPr indent="-317500" lvl="3" marL="1828800">
+            <a:lvl4pPr marL="1828800" lvl="3" indent="-317500">
               <a:spcBef>
                 <a:spcPts val="0"/>
               </a:spcBef>
@@ -4839,7 +4953,7 @@
               <a:buChar char="●"/>
               <a:defRPr/>
             </a:lvl4pPr>
-            <a:lvl5pPr indent="-317500" lvl="4" marL="2286000">
+            <a:lvl5pPr marL="2286000" lvl="4" indent="-317500">
               <a:spcBef>
                 <a:spcPts val="0"/>
               </a:spcBef>
@@ -4850,7 +4964,7 @@
               <a:buChar char="○"/>
               <a:defRPr/>
             </a:lvl5pPr>
-            <a:lvl6pPr indent="-317500" lvl="5" marL="2743200">
+            <a:lvl6pPr marL="2743200" lvl="5" indent="-317500">
               <a:spcBef>
                 <a:spcPts val="0"/>
               </a:spcBef>
@@ -4861,7 +4975,7 @@
               <a:buChar char="■"/>
               <a:defRPr/>
             </a:lvl6pPr>
-            <a:lvl7pPr indent="-317500" lvl="6" marL="3200400">
+            <a:lvl7pPr marL="3200400" lvl="6" indent="-317500">
               <a:spcBef>
                 <a:spcPts val="0"/>
               </a:spcBef>
@@ -4872,7 +4986,7 @@
               <a:buChar char="●"/>
               <a:defRPr/>
             </a:lvl7pPr>
-            <a:lvl8pPr indent="-317500" lvl="7" marL="3657600">
+            <a:lvl8pPr marL="3657600" lvl="7" indent="-317500">
               <a:spcBef>
                 <a:spcPts val="0"/>
               </a:spcBef>
@@ -4883,7 +4997,7 @@
               <a:buChar char="○"/>
               <a:defRPr/>
             </a:lvl8pPr>
-            <a:lvl9pPr indent="-317500" lvl="8" marL="4114800">
+            <a:lvl9pPr marL="4114800" lvl="8" indent="-317500">
               <a:spcBef>
                 <a:spcPts val="0"/>
               </a:spcBef>
@@ -4895,15 +5009,19 @@
               <a:defRPr/>
             </a:lvl9pPr>
           </a:lstStyle>
-          <a:p/>
+          <a:p>
+            <a:endParaRPr/>
+          </a:p>
         </p:txBody>
       </p:sp>
       <p:sp>
         <p:nvSpPr>
           <p:cNvPr id="23" name="Google Shape;23;p4"/>
-          <p:cNvSpPr txBox="1"/>
+          <p:cNvSpPr txBox="1">
+            <a:spLocks noGrp="1"/>
+          </p:cNvSpPr>
           <p:nvPr>
-            <p:ph idx="12" type="sldNum"/>
+            <p:ph type="sldNum" idx="12"/>
           </p:nvPr>
         </p:nvSpPr>
         <p:spPr>
@@ -4916,7 +5034,7 @@
           </a:prstGeom>
         </p:spPr>
         <p:txBody>
-          <a:bodyPr anchorCtr="0" anchor="ctr" bIns="91425" lIns="91425" spcFirstLastPara="1" rIns="91425" wrap="square" tIns="91425">
+          <a:bodyPr spcFirstLastPara="1" wrap="square" lIns="91425" tIns="91425" rIns="91425" bIns="91425" anchor="ctr" anchorCtr="0">
             <a:normAutofit/>
           </a:bodyPr>
           <a:lstStyle>
@@ -4958,7 +5076,7 @@
             </a:lvl9pPr>
           </a:lstStyle>
           <a:p>
-            <a:pPr indent="0" lvl="0" marL="0" rtl="0" algn="r">
+            <a:pPr marL="0" lvl="0" indent="0" algn="r" rtl="0">
               <a:spcBef>
                 <a:spcPts val="0"/>
               </a:spcBef>
@@ -4984,11 +5102,11 @@
 </file>
 
 <file path=ppt/slideLayouts/slideLayout4.xml><?xml version="1.0" encoding="utf-8"?>
-<p:sldLayout xmlns:a="http://schemas.openxmlformats.org/drawingml/2006/main" xmlns:r="http://schemas.openxmlformats.org/officeDocument/2006/relationships" xmlns:mc="http://schemas.openxmlformats.org/markup-compatibility/2006" xmlns:mv="urn:schemas-microsoft-com:mac:vml" xmlns:p="http://schemas.openxmlformats.org/presentationml/2006/main" xmlns:c="http://schemas.openxmlformats.org/drawingml/2006/chart" xmlns:dgm="http://schemas.openxmlformats.org/drawingml/2006/diagram" xmlns:o="urn:schemas-microsoft-com:office:office" xmlns:v="urn:schemas-microsoft-com:vml" xmlns:pvml="urn:schemas-microsoft-com:office:powerpoint" xmlns:com="http://schemas.openxmlformats.org/drawingml/2006/compatibility" xmlns:p14="http://schemas.microsoft.com/office/powerpoint/2010/main" xmlns:p15="http://schemas.microsoft.com/office/powerpoint/2012/main" xmlns:ahyp="http://schemas.microsoft.com/office/drawing/2018/hyperlinkcolor" matchingName="Title and two columns" type="twoColTx">
+<p:sldLayout xmlns:a="http://schemas.openxmlformats.org/drawingml/2006/main" xmlns:r="http://schemas.openxmlformats.org/officeDocument/2006/relationships" xmlns:p="http://schemas.openxmlformats.org/presentationml/2006/main" matchingName="Title and two columns" type="twoColTx">
   <p:cSld name="TITLE_AND_TWO_COLUMNS">
     <p:spTree>
       <p:nvGrpSpPr>
-        <p:cNvPr id="24" name="Shape 24"/>
+        <p:cNvPr id="1" name="Shape 24"/>
         <p:cNvGrpSpPr/>
         <p:nvPr/>
       </p:nvGrpSpPr>
@@ -5003,7 +5121,9 @@
       <p:sp>
         <p:nvSpPr>
           <p:cNvPr id="25" name="Google Shape;25;p5"/>
-          <p:cNvSpPr txBox="1"/>
+          <p:cNvSpPr txBox="1">
+            <a:spLocks noGrp="1"/>
+          </p:cNvSpPr>
           <p:nvPr>
             <p:ph type="title"/>
           </p:nvPr>
@@ -5018,7 +5138,7 @@
           </a:prstGeom>
         </p:spPr>
         <p:txBody>
-          <a:bodyPr anchorCtr="0" anchor="t" bIns="91425" lIns="91425" spcFirstLastPara="1" rIns="91425" wrap="square" tIns="91425">
+          <a:bodyPr spcFirstLastPara="1" wrap="square" lIns="91425" tIns="91425" rIns="91425" bIns="91425" anchor="t" anchorCtr="0">
             <a:normAutofit/>
           </a:bodyPr>
           <a:lstStyle>
@@ -5122,15 +5242,19 @@
               <a:defRPr/>
             </a:lvl9pPr>
           </a:lstStyle>
-          <a:p/>
+          <a:p>
+            <a:endParaRPr/>
+          </a:p>
         </p:txBody>
       </p:sp>
       <p:sp>
         <p:nvSpPr>
           <p:cNvPr id="26" name="Google Shape;26;p5"/>
-          <p:cNvSpPr txBox="1"/>
+          <p:cNvSpPr txBox="1">
+            <a:spLocks noGrp="1"/>
+          </p:cNvSpPr>
           <p:nvPr>
-            <p:ph idx="1" type="body"/>
+            <p:ph type="body" idx="1"/>
           </p:nvPr>
         </p:nvSpPr>
         <p:spPr>
@@ -5143,11 +5267,11 @@
           </a:prstGeom>
         </p:spPr>
         <p:txBody>
-          <a:bodyPr anchorCtr="0" anchor="t" bIns="91425" lIns="91425" spcFirstLastPara="1" rIns="91425" wrap="square" tIns="91425">
+          <a:bodyPr spcFirstLastPara="1" wrap="square" lIns="91425" tIns="91425" rIns="91425" bIns="91425" anchor="t" anchorCtr="0">
             <a:normAutofit/>
           </a:bodyPr>
           <a:lstStyle>
-            <a:lvl1pPr indent="-317500" lvl="0" marL="457200">
+            <a:lvl1pPr marL="457200" lvl="0" indent="-317500">
               <a:spcBef>
                 <a:spcPts val="0"/>
               </a:spcBef>
@@ -5158,7 +5282,7 @@
               <a:buChar char="●"/>
               <a:defRPr sz="1400"/>
             </a:lvl1pPr>
-            <a:lvl2pPr indent="-304800" lvl="1" marL="914400">
+            <a:lvl2pPr marL="914400" lvl="1" indent="-304800">
               <a:spcBef>
                 <a:spcPts val="0"/>
               </a:spcBef>
@@ -5169,7 +5293,7 @@
               <a:buChar char="○"/>
               <a:defRPr sz="1200"/>
             </a:lvl2pPr>
-            <a:lvl3pPr indent="-304800" lvl="2" marL="1371600">
+            <a:lvl3pPr marL="1371600" lvl="2" indent="-304800">
               <a:spcBef>
                 <a:spcPts val="0"/>
               </a:spcBef>
@@ -5180,7 +5304,7 @@
               <a:buChar char="■"/>
               <a:defRPr sz="1200"/>
             </a:lvl3pPr>
-            <a:lvl4pPr indent="-304800" lvl="3" marL="1828800">
+            <a:lvl4pPr marL="1828800" lvl="3" indent="-304800">
               <a:spcBef>
                 <a:spcPts val="0"/>
               </a:spcBef>
@@ -5191,7 +5315,7 @@
               <a:buChar char="●"/>
               <a:defRPr sz="1200"/>
             </a:lvl4pPr>
-            <a:lvl5pPr indent="-304800" lvl="4" marL="2286000">
+            <a:lvl5pPr marL="2286000" lvl="4" indent="-304800">
               <a:spcBef>
                 <a:spcPts val="0"/>
               </a:spcBef>
@@ -5202,7 +5326,7 @@
               <a:buChar char="○"/>
               <a:defRPr sz="1200"/>
             </a:lvl5pPr>
-            <a:lvl6pPr indent="-304800" lvl="5" marL="2743200">
+            <a:lvl6pPr marL="2743200" lvl="5" indent="-304800">
               <a:spcBef>
                 <a:spcPts val="0"/>
               </a:spcBef>
@@ -5213,7 +5337,7 @@
               <a:buChar char="■"/>
               <a:defRPr sz="1200"/>
             </a:lvl6pPr>
-            <a:lvl7pPr indent="-304800" lvl="6" marL="3200400">
+            <a:lvl7pPr marL="3200400" lvl="6" indent="-304800">
               <a:spcBef>
                 <a:spcPts val="0"/>
               </a:spcBef>
@@ -5224,7 +5348,7 @@
               <a:buChar char="●"/>
               <a:defRPr sz="1200"/>
             </a:lvl7pPr>
-            <a:lvl8pPr indent="-304800" lvl="7" marL="3657600">
+            <a:lvl8pPr marL="3657600" lvl="7" indent="-304800">
               <a:spcBef>
                 <a:spcPts val="0"/>
               </a:spcBef>
@@ -5235,7 +5359,7 @@
               <a:buChar char="○"/>
               <a:defRPr sz="1200"/>
             </a:lvl8pPr>
-            <a:lvl9pPr indent="-304800" lvl="8" marL="4114800">
+            <a:lvl9pPr marL="4114800" lvl="8" indent="-304800">
               <a:spcBef>
                 <a:spcPts val="0"/>
               </a:spcBef>
@@ -5247,15 +5371,19 @@
               <a:defRPr sz="1200"/>
             </a:lvl9pPr>
           </a:lstStyle>
-          <a:p/>
+          <a:p>
+            <a:endParaRPr/>
+          </a:p>
         </p:txBody>
       </p:sp>
       <p:sp>
         <p:nvSpPr>
           <p:cNvPr id="27" name="Google Shape;27;p5"/>
-          <p:cNvSpPr txBox="1"/>
+          <p:cNvSpPr txBox="1">
+            <a:spLocks noGrp="1"/>
+          </p:cNvSpPr>
           <p:nvPr>
-            <p:ph idx="2" type="body"/>
+            <p:ph type="body" idx="2"/>
           </p:nvPr>
         </p:nvSpPr>
         <p:spPr>
@@ -5268,11 +5396,11 @@
           </a:prstGeom>
         </p:spPr>
         <p:txBody>
-          <a:bodyPr anchorCtr="0" anchor="t" bIns="91425" lIns="91425" spcFirstLastPara="1" rIns="91425" wrap="square" tIns="91425">
+          <a:bodyPr spcFirstLastPara="1" wrap="square" lIns="91425" tIns="91425" rIns="91425" bIns="91425" anchor="t" anchorCtr="0">
             <a:normAutofit/>
           </a:bodyPr>
           <a:lstStyle>
-            <a:lvl1pPr indent="-317500" lvl="0" marL="457200">
+            <a:lvl1pPr marL="457200" lvl="0" indent="-317500">
               <a:spcBef>
                 <a:spcPts val="0"/>
               </a:spcBef>
@@ -5283,7 +5411,7 @@
               <a:buChar char="●"/>
               <a:defRPr sz="1400"/>
             </a:lvl1pPr>
-            <a:lvl2pPr indent="-304800" lvl="1" marL="914400">
+            <a:lvl2pPr marL="914400" lvl="1" indent="-304800">
               <a:spcBef>
                 <a:spcPts val="0"/>
               </a:spcBef>
@@ -5294,7 +5422,7 @@
               <a:buChar char="○"/>
               <a:defRPr sz="1200"/>
             </a:lvl2pPr>
-            <a:lvl3pPr indent="-304800" lvl="2" marL="1371600">
+            <a:lvl3pPr marL="1371600" lvl="2" indent="-304800">
               <a:spcBef>
                 <a:spcPts val="0"/>
               </a:spcBef>
@@ -5305,7 +5433,7 @@
               <a:buChar char="■"/>
               <a:defRPr sz="1200"/>
             </a:lvl3pPr>
-            <a:lvl4pPr indent="-304800" lvl="3" marL="1828800">
+            <a:lvl4pPr marL="1828800" lvl="3" indent="-304800">
               <a:spcBef>
                 <a:spcPts val="0"/>
               </a:spcBef>
@@ -5316,7 +5444,7 @@
               <a:buChar char="●"/>
               <a:defRPr sz="1200"/>
             </a:lvl4pPr>
-            <a:lvl5pPr indent="-304800" lvl="4" marL="2286000">
+            <a:lvl5pPr marL="2286000" lvl="4" indent="-304800">
               <a:spcBef>
                 <a:spcPts val="0"/>
               </a:spcBef>
@@ -5327,7 +5455,7 @@
               <a:buChar char="○"/>
               <a:defRPr sz="1200"/>
             </a:lvl5pPr>
-            <a:lvl6pPr indent="-304800" lvl="5" marL="2743200">
+            <a:lvl6pPr marL="2743200" lvl="5" indent="-304800">
               <a:spcBef>
                 <a:spcPts val="0"/>
               </a:spcBef>
@@ -5338,7 +5466,7 @@
               <a:buChar char="■"/>
               <a:defRPr sz="1200"/>
             </a:lvl6pPr>
-            <a:lvl7pPr indent="-304800" lvl="6" marL="3200400">
+            <a:lvl7pPr marL="3200400" lvl="6" indent="-304800">
               <a:spcBef>
                 <a:spcPts val="0"/>
               </a:spcBef>
@@ -5349,7 +5477,7 @@
               <a:buChar char="●"/>
               <a:defRPr sz="1200"/>
             </a:lvl7pPr>
-            <a:lvl8pPr indent="-304800" lvl="7" marL="3657600">
+            <a:lvl8pPr marL="3657600" lvl="7" indent="-304800">
               <a:spcBef>
                 <a:spcPts val="0"/>
               </a:spcBef>
@@ -5360,7 +5488,7 @@
               <a:buChar char="○"/>
               <a:defRPr sz="1200"/>
             </a:lvl8pPr>
-            <a:lvl9pPr indent="-304800" lvl="8" marL="4114800">
+            <a:lvl9pPr marL="4114800" lvl="8" indent="-304800">
               <a:spcBef>
                 <a:spcPts val="0"/>
               </a:spcBef>
@@ -5372,15 +5500,19 @@
               <a:defRPr sz="1200"/>
             </a:lvl9pPr>
           </a:lstStyle>
-          <a:p/>
+          <a:p>
+            <a:endParaRPr/>
+          </a:p>
         </p:txBody>
       </p:sp>
       <p:sp>
         <p:nvSpPr>
           <p:cNvPr id="28" name="Google Shape;28;p5"/>
-          <p:cNvSpPr txBox="1"/>
+          <p:cNvSpPr txBox="1">
+            <a:spLocks noGrp="1"/>
+          </p:cNvSpPr>
           <p:nvPr>
-            <p:ph idx="12" type="sldNum"/>
+            <p:ph type="sldNum" idx="12"/>
           </p:nvPr>
         </p:nvSpPr>
         <p:spPr>
@@ -5393,7 +5525,7 @@
           </a:prstGeom>
         </p:spPr>
         <p:txBody>
-          <a:bodyPr anchorCtr="0" anchor="ctr" bIns="91425" lIns="91425" spcFirstLastPara="1" rIns="91425" wrap="square" tIns="91425">
+          <a:bodyPr spcFirstLastPara="1" wrap="square" lIns="91425" tIns="91425" rIns="91425" bIns="91425" anchor="ctr" anchorCtr="0">
             <a:normAutofit/>
           </a:bodyPr>
           <a:lstStyle>
@@ -5435,7 +5567,7 @@
             </a:lvl9pPr>
           </a:lstStyle>
           <a:p>
-            <a:pPr indent="0" lvl="0" marL="0" rtl="0" algn="r">
+            <a:pPr marL="0" lvl="0" indent="0" algn="r" rtl="0">
               <a:spcBef>
                 <a:spcPts val="0"/>
               </a:spcBef>
@@ -5461,11 +5593,11 @@
 </file>
 
 <file path=ppt/slideLayouts/slideLayout5.xml><?xml version="1.0" encoding="utf-8"?>
-<p:sldLayout xmlns:a="http://schemas.openxmlformats.org/drawingml/2006/main" xmlns:r="http://schemas.openxmlformats.org/officeDocument/2006/relationships" xmlns:mc="http://schemas.openxmlformats.org/markup-compatibility/2006" xmlns:mv="urn:schemas-microsoft-com:mac:vml" xmlns:p="http://schemas.openxmlformats.org/presentationml/2006/main" xmlns:c="http://schemas.openxmlformats.org/drawingml/2006/chart" xmlns:dgm="http://schemas.openxmlformats.org/drawingml/2006/diagram" xmlns:o="urn:schemas-microsoft-com:office:office" xmlns:v="urn:schemas-microsoft-com:vml" xmlns:pvml="urn:schemas-microsoft-com:office:powerpoint" xmlns:com="http://schemas.openxmlformats.org/drawingml/2006/compatibility" xmlns:p14="http://schemas.microsoft.com/office/powerpoint/2010/main" xmlns:p15="http://schemas.microsoft.com/office/powerpoint/2012/main" xmlns:ahyp="http://schemas.microsoft.com/office/drawing/2018/hyperlinkcolor" matchingName="Title only" type="titleOnly">
+<p:sldLayout xmlns:a="http://schemas.openxmlformats.org/drawingml/2006/main" xmlns:r="http://schemas.openxmlformats.org/officeDocument/2006/relationships" xmlns:p="http://schemas.openxmlformats.org/presentationml/2006/main" matchingName="Title only" type="titleOnly">
   <p:cSld name="TITLE_ONLY">
     <p:spTree>
       <p:nvGrpSpPr>
-        <p:cNvPr id="29" name="Shape 29"/>
+        <p:cNvPr id="1" name="Shape 29"/>
         <p:cNvGrpSpPr/>
         <p:nvPr/>
       </p:nvGrpSpPr>
@@ -5480,7 +5612,9 @@
       <p:sp>
         <p:nvSpPr>
           <p:cNvPr id="30" name="Google Shape;30;p6"/>
-          <p:cNvSpPr txBox="1"/>
+          <p:cNvSpPr txBox="1">
+            <a:spLocks noGrp="1"/>
+          </p:cNvSpPr>
           <p:nvPr>
             <p:ph type="title"/>
           </p:nvPr>
@@ -5495,7 +5629,7 @@
           </a:prstGeom>
         </p:spPr>
         <p:txBody>
-          <a:bodyPr anchorCtr="0" anchor="t" bIns="91425" lIns="91425" spcFirstLastPara="1" rIns="91425" wrap="square" tIns="91425">
+          <a:bodyPr spcFirstLastPara="1" wrap="square" lIns="91425" tIns="91425" rIns="91425" bIns="91425" anchor="t" anchorCtr="0">
             <a:normAutofit/>
           </a:bodyPr>
           <a:lstStyle>
@@ -5599,15 +5733,19 @@
               <a:defRPr/>
             </a:lvl9pPr>
           </a:lstStyle>
-          <a:p/>
+          <a:p>
+            <a:endParaRPr/>
+          </a:p>
         </p:txBody>
       </p:sp>
       <p:sp>
         <p:nvSpPr>
           <p:cNvPr id="31" name="Google Shape;31;p6"/>
-          <p:cNvSpPr txBox="1"/>
+          <p:cNvSpPr txBox="1">
+            <a:spLocks noGrp="1"/>
+          </p:cNvSpPr>
           <p:nvPr>
-            <p:ph idx="12" type="sldNum"/>
+            <p:ph type="sldNum" idx="12"/>
           </p:nvPr>
         </p:nvSpPr>
         <p:spPr>
@@ -5620,7 +5758,7 @@
           </a:prstGeom>
         </p:spPr>
         <p:txBody>
-          <a:bodyPr anchorCtr="0" anchor="ctr" bIns="91425" lIns="91425" spcFirstLastPara="1" rIns="91425" wrap="square" tIns="91425">
+          <a:bodyPr spcFirstLastPara="1" wrap="square" lIns="91425" tIns="91425" rIns="91425" bIns="91425" anchor="ctr" anchorCtr="0">
             <a:normAutofit/>
           </a:bodyPr>
           <a:lstStyle>
@@ -5662,7 +5800,7 @@
             </a:lvl9pPr>
           </a:lstStyle>
           <a:p>
-            <a:pPr indent="0" lvl="0" marL="0" rtl="0" algn="r">
+            <a:pPr marL="0" lvl="0" indent="0" algn="r" rtl="0">
               <a:spcBef>
                 <a:spcPts val="0"/>
               </a:spcBef>
@@ -5688,11 +5826,11 @@
 </file>
 
 <file path=ppt/slideLayouts/slideLayout6.xml><?xml version="1.0" encoding="utf-8"?>
-<p:sldLayout xmlns:a="http://schemas.openxmlformats.org/drawingml/2006/main" xmlns:r="http://schemas.openxmlformats.org/officeDocument/2006/relationships" xmlns:mc="http://schemas.openxmlformats.org/markup-compatibility/2006" xmlns:mv="urn:schemas-microsoft-com:mac:vml" xmlns:p="http://schemas.openxmlformats.org/presentationml/2006/main" xmlns:c="http://schemas.openxmlformats.org/drawingml/2006/chart" xmlns:dgm="http://schemas.openxmlformats.org/drawingml/2006/diagram" xmlns:o="urn:schemas-microsoft-com:office:office" xmlns:v="urn:schemas-microsoft-com:vml" xmlns:pvml="urn:schemas-microsoft-com:office:powerpoint" xmlns:com="http://schemas.openxmlformats.org/drawingml/2006/compatibility" xmlns:p14="http://schemas.microsoft.com/office/powerpoint/2010/main" xmlns:p15="http://schemas.microsoft.com/office/powerpoint/2012/main" xmlns:ahyp="http://schemas.microsoft.com/office/drawing/2018/hyperlinkcolor" matchingName="One column text">
+<p:sldLayout xmlns:a="http://schemas.openxmlformats.org/drawingml/2006/main" xmlns:r="http://schemas.openxmlformats.org/officeDocument/2006/relationships" xmlns:p="http://schemas.openxmlformats.org/presentationml/2006/main" matchingName="One column text">
   <p:cSld name="ONE_COLUMN_TEXT">
     <p:spTree>
       <p:nvGrpSpPr>
-        <p:cNvPr id="32" name="Shape 32"/>
+        <p:cNvPr id="1" name="Shape 32"/>
         <p:cNvGrpSpPr/>
         <p:nvPr/>
       </p:nvGrpSpPr>
@@ -5707,7 +5845,9 @@
       <p:sp>
         <p:nvSpPr>
           <p:cNvPr id="33" name="Google Shape;33;p7"/>
-          <p:cNvSpPr txBox="1"/>
+          <p:cNvSpPr txBox="1">
+            <a:spLocks noGrp="1"/>
+          </p:cNvSpPr>
           <p:nvPr>
             <p:ph type="title"/>
           </p:nvPr>
@@ -5722,7 +5862,7 @@
           </a:prstGeom>
         </p:spPr>
         <p:txBody>
-          <a:bodyPr anchorCtr="0" anchor="b" bIns="91425" lIns="91425" spcFirstLastPara="1" rIns="91425" wrap="square" tIns="91425">
+          <a:bodyPr spcFirstLastPara="1" wrap="square" lIns="91425" tIns="91425" rIns="91425" bIns="91425" anchor="b" anchorCtr="0">
             <a:normAutofit/>
           </a:bodyPr>
           <a:lstStyle>
@@ -5826,15 +5966,19 @@
               <a:defRPr sz="2400"/>
             </a:lvl9pPr>
           </a:lstStyle>
-          <a:p/>
+          <a:p>
+            <a:endParaRPr/>
+          </a:p>
         </p:txBody>
       </p:sp>
       <p:sp>
         <p:nvSpPr>
           <p:cNvPr id="34" name="Google Shape;34;p7"/>
-          <p:cNvSpPr txBox="1"/>
+          <p:cNvSpPr txBox="1">
+            <a:spLocks noGrp="1"/>
+          </p:cNvSpPr>
           <p:nvPr>
-            <p:ph idx="1" type="body"/>
+            <p:ph type="body" idx="1"/>
           </p:nvPr>
         </p:nvSpPr>
         <p:spPr>
@@ -5847,11 +5991,11 @@
           </a:prstGeom>
         </p:spPr>
         <p:txBody>
-          <a:bodyPr anchorCtr="0" anchor="t" bIns="91425" lIns="91425" spcFirstLastPara="1" rIns="91425" wrap="square" tIns="91425">
+          <a:bodyPr spcFirstLastPara="1" wrap="square" lIns="91425" tIns="91425" rIns="91425" bIns="91425" anchor="t" anchorCtr="0">
             <a:normAutofit/>
           </a:bodyPr>
           <a:lstStyle>
-            <a:lvl1pPr indent="-304800" lvl="0" marL="457200">
+            <a:lvl1pPr marL="457200" lvl="0" indent="-304800">
               <a:spcBef>
                 <a:spcPts val="0"/>
               </a:spcBef>
@@ -5862,7 +6006,7 @@
               <a:buChar char="●"/>
               <a:defRPr sz="1200"/>
             </a:lvl1pPr>
-            <a:lvl2pPr indent="-304800" lvl="1" marL="914400">
+            <a:lvl2pPr marL="914400" lvl="1" indent="-304800">
               <a:spcBef>
                 <a:spcPts val="0"/>
               </a:spcBef>
@@ -5873,7 +6017,7 @@
               <a:buChar char="○"/>
               <a:defRPr sz="1200"/>
             </a:lvl2pPr>
-            <a:lvl3pPr indent="-304800" lvl="2" marL="1371600">
+            <a:lvl3pPr marL="1371600" lvl="2" indent="-304800">
               <a:spcBef>
                 <a:spcPts val="0"/>
               </a:spcBef>
@@ -5884,7 +6028,7 @@
               <a:buChar char="■"/>
               <a:defRPr sz="1200"/>
             </a:lvl3pPr>
-            <a:lvl4pPr indent="-304800" lvl="3" marL="1828800">
+            <a:lvl4pPr marL="1828800" lvl="3" indent="-304800">
               <a:spcBef>
                 <a:spcPts val="0"/>
               </a:spcBef>
@@ -5895,7 +6039,7 @@
               <a:buChar char="●"/>
               <a:defRPr sz="1200"/>
             </a:lvl4pPr>
-            <a:lvl5pPr indent="-304800" lvl="4" marL="2286000">
+            <a:lvl5pPr marL="2286000" lvl="4" indent="-304800">
               <a:spcBef>
                 <a:spcPts val="0"/>
               </a:spcBef>
@@ -5906,7 +6050,7 @@
               <a:buChar char="○"/>
               <a:defRPr sz="1200"/>
             </a:lvl5pPr>
-            <a:lvl6pPr indent="-304800" lvl="5" marL="2743200">
+            <a:lvl6pPr marL="2743200" lvl="5" indent="-304800">
               <a:spcBef>
                 <a:spcPts val="0"/>
               </a:spcBef>
@@ -5917,7 +6061,7 @@
               <a:buChar char="■"/>
               <a:defRPr sz="1200"/>
             </a:lvl6pPr>
-            <a:lvl7pPr indent="-304800" lvl="6" marL="3200400">
+            <a:lvl7pPr marL="3200400" lvl="6" indent="-304800">
               <a:spcBef>
                 <a:spcPts val="0"/>
               </a:spcBef>
@@ -5928,7 +6072,7 @@
               <a:buChar char="●"/>
               <a:defRPr sz="1200"/>
             </a:lvl7pPr>
-            <a:lvl8pPr indent="-304800" lvl="7" marL="3657600">
+            <a:lvl8pPr marL="3657600" lvl="7" indent="-304800">
               <a:spcBef>
                 <a:spcPts val="0"/>
               </a:spcBef>
@@ -5939,7 +6083,7 @@
               <a:buChar char="○"/>
               <a:defRPr sz="1200"/>
             </a:lvl8pPr>
-            <a:lvl9pPr indent="-304800" lvl="8" marL="4114800">
+            <a:lvl9pPr marL="4114800" lvl="8" indent="-304800">
               <a:spcBef>
                 <a:spcPts val="0"/>
               </a:spcBef>
@@ -5951,15 +6095,19 @@
               <a:defRPr sz="1200"/>
             </a:lvl9pPr>
           </a:lstStyle>
-          <a:p/>
+          <a:p>
+            <a:endParaRPr/>
+          </a:p>
         </p:txBody>
       </p:sp>
       <p:sp>
         <p:nvSpPr>
           <p:cNvPr id="35" name="Google Shape;35;p7"/>
-          <p:cNvSpPr txBox="1"/>
+          <p:cNvSpPr txBox="1">
+            <a:spLocks noGrp="1"/>
+          </p:cNvSpPr>
           <p:nvPr>
-            <p:ph idx="12" type="sldNum"/>
+            <p:ph type="sldNum" idx="12"/>
           </p:nvPr>
         </p:nvSpPr>
         <p:spPr>
@@ -5972,7 +6120,7 @@
           </a:prstGeom>
         </p:spPr>
         <p:txBody>
-          <a:bodyPr anchorCtr="0" anchor="ctr" bIns="91425" lIns="91425" spcFirstLastPara="1" rIns="91425" wrap="square" tIns="91425">
+          <a:bodyPr spcFirstLastPara="1" wrap="square" lIns="91425" tIns="91425" rIns="91425" bIns="91425" anchor="ctr" anchorCtr="0">
             <a:normAutofit/>
           </a:bodyPr>
           <a:lstStyle>
@@ -6014,7 +6162,7 @@
             </a:lvl9pPr>
           </a:lstStyle>
           <a:p>
-            <a:pPr indent="0" lvl="0" marL="0" rtl="0" algn="r">
+            <a:pPr marL="0" lvl="0" indent="0" algn="r" rtl="0">
               <a:spcBef>
                 <a:spcPts val="0"/>
               </a:spcBef>
@@ -6040,18 +6188,19 @@
 </file>
 
 <file path=ppt/slideLayouts/slideLayout7.xml><?xml version="1.0" encoding="utf-8"?>
-<p:sldLayout xmlns:a="http://schemas.openxmlformats.org/drawingml/2006/main" xmlns:r="http://schemas.openxmlformats.org/officeDocument/2006/relationships" xmlns:mc="http://schemas.openxmlformats.org/markup-compatibility/2006" xmlns:mv="urn:schemas-microsoft-com:mac:vml" xmlns:p="http://schemas.openxmlformats.org/presentationml/2006/main" xmlns:c="http://schemas.openxmlformats.org/drawingml/2006/chart" xmlns:dgm="http://schemas.openxmlformats.org/drawingml/2006/diagram" xmlns:o="urn:schemas-microsoft-com:office:office" xmlns:v="urn:schemas-microsoft-com:vml" xmlns:pvml="urn:schemas-microsoft-com:office:powerpoint" xmlns:com="http://schemas.openxmlformats.org/drawingml/2006/compatibility" xmlns:p14="http://schemas.microsoft.com/office/powerpoint/2010/main" xmlns:p15="http://schemas.microsoft.com/office/powerpoint/2012/main" xmlns:ahyp="http://schemas.microsoft.com/office/drawing/2018/hyperlinkcolor" matchingName="Main point">
+<p:sldLayout xmlns:a="http://schemas.openxmlformats.org/drawingml/2006/main" xmlns:r="http://schemas.openxmlformats.org/officeDocument/2006/relationships" xmlns:p="http://schemas.openxmlformats.org/presentationml/2006/main" matchingName="Main point">
   <p:cSld name="MAIN_POINT">
     <p:bg>
       <p:bgPr>
         <a:solidFill>
           <a:schemeClr val="lt2"/>
         </a:solidFill>
+        <a:effectLst/>
       </p:bgPr>
     </p:bg>
     <p:spTree>
       <p:nvGrpSpPr>
-        <p:cNvPr id="36" name="Shape 36"/>
+        <p:cNvPr id="1" name="Shape 36"/>
         <p:cNvGrpSpPr/>
         <p:nvPr/>
       </p:nvGrpSpPr>
@@ -6066,7 +6215,9 @@
       <p:sp>
         <p:nvSpPr>
           <p:cNvPr id="37" name="Google Shape;37;p8"/>
-          <p:cNvSpPr txBox="1"/>
+          <p:cNvSpPr txBox="1">
+            <a:spLocks noGrp="1"/>
+          </p:cNvSpPr>
           <p:nvPr>
             <p:ph type="title"/>
           </p:nvPr>
@@ -6081,7 +6232,7 @@
           </a:prstGeom>
         </p:spPr>
         <p:txBody>
-          <a:bodyPr anchorCtr="0" anchor="ctr" bIns="91425" lIns="91425" spcFirstLastPara="1" rIns="91425" wrap="square" tIns="91425">
+          <a:bodyPr spcFirstLastPara="1" wrap="square" lIns="91425" tIns="91425" rIns="91425" bIns="91425" anchor="ctr" anchorCtr="0">
             <a:normAutofit/>
           </a:bodyPr>
           <a:lstStyle>
@@ -6248,15 +6399,19 @@
               </a:defRPr>
             </a:lvl9pPr>
           </a:lstStyle>
-          <a:p/>
+          <a:p>
+            <a:endParaRPr/>
+          </a:p>
         </p:txBody>
       </p:sp>
       <p:sp>
         <p:nvSpPr>
           <p:cNvPr id="38" name="Google Shape;38;p8"/>
-          <p:cNvSpPr txBox="1"/>
+          <p:cNvSpPr txBox="1">
+            <a:spLocks noGrp="1"/>
+          </p:cNvSpPr>
           <p:nvPr>
-            <p:ph idx="12" type="sldNum"/>
+            <p:ph type="sldNum" idx="12"/>
           </p:nvPr>
         </p:nvSpPr>
         <p:spPr>
@@ -6269,7 +6424,7 @@
           </a:prstGeom>
         </p:spPr>
         <p:txBody>
-          <a:bodyPr anchorCtr="0" anchor="ctr" bIns="91425" lIns="91425" spcFirstLastPara="1" rIns="91425" wrap="square" tIns="91425">
+          <a:bodyPr spcFirstLastPara="1" wrap="square" lIns="91425" tIns="91425" rIns="91425" bIns="91425" anchor="ctr" anchorCtr="0">
             <a:normAutofit/>
           </a:bodyPr>
           <a:lstStyle>
@@ -6347,7 +6502,7 @@
             </a:lvl9pPr>
           </a:lstStyle>
           <a:p>
-            <a:pPr indent="0" lvl="0" marL="0" rtl="0" algn="r">
+            <a:pPr marL="0" lvl="0" indent="0" algn="r" rtl="0">
               <a:spcBef>
                 <a:spcPts val="0"/>
               </a:spcBef>
@@ -6373,11 +6528,11 @@
 </file>
 
 <file path=ppt/slideLayouts/slideLayout8.xml><?xml version="1.0" encoding="utf-8"?>
-<p:sldLayout xmlns:a="http://schemas.openxmlformats.org/drawingml/2006/main" xmlns:r="http://schemas.openxmlformats.org/officeDocument/2006/relationships" xmlns:mc="http://schemas.openxmlformats.org/markup-compatibility/2006" xmlns:mv="urn:schemas-microsoft-com:mac:vml" xmlns:p="http://schemas.openxmlformats.org/presentationml/2006/main" xmlns:c="http://schemas.openxmlformats.org/drawingml/2006/chart" xmlns:dgm="http://schemas.openxmlformats.org/drawingml/2006/diagram" xmlns:o="urn:schemas-microsoft-com:office:office" xmlns:v="urn:schemas-microsoft-com:vml" xmlns:pvml="urn:schemas-microsoft-com:office:powerpoint" xmlns:com="http://schemas.openxmlformats.org/drawingml/2006/compatibility" xmlns:p14="http://schemas.microsoft.com/office/powerpoint/2010/main" xmlns:p15="http://schemas.microsoft.com/office/powerpoint/2012/main" xmlns:ahyp="http://schemas.microsoft.com/office/drawing/2018/hyperlinkcolor" matchingName="Section title and description">
+<p:sldLayout xmlns:a="http://schemas.openxmlformats.org/drawingml/2006/main" xmlns:r="http://schemas.openxmlformats.org/officeDocument/2006/relationships" xmlns:p="http://schemas.openxmlformats.org/presentationml/2006/main" matchingName="Section title and description">
   <p:cSld name="SECTION_TITLE_AND_DESCRIPTION">
     <p:spTree>
       <p:nvGrpSpPr>
-        <p:cNvPr id="39" name="Shape 39"/>
+        <p:cNvPr id="1" name="Shape 39"/>
         <p:cNvGrpSpPr/>
         <p:nvPr/>
       </p:nvGrpSpPr>
@@ -6411,12 +6566,12 @@
           </a:ln>
         </p:spPr>
         <p:txBody>
-          <a:bodyPr anchorCtr="0" anchor="ctr" bIns="91425" lIns="91425" spcFirstLastPara="1" rIns="91425" wrap="square" tIns="91425">
+          <a:bodyPr spcFirstLastPara="1" wrap="square" lIns="91425" tIns="91425" rIns="91425" bIns="91425" anchor="ctr" anchorCtr="0">
             <a:noAutofit/>
           </a:bodyPr>
           <a:lstStyle/>
           <a:p>
-            <a:pPr indent="0" lvl="0" marL="0" rtl="0" algn="l">
+            <a:pPr marL="0" lvl="0" indent="0" algn="l" rtl="0">
               <a:spcBef>
                 <a:spcPts val="0"/>
               </a:spcBef>
@@ -6425,9 +6580,6 @@
               </a:spcAft>
               <a:buNone/>
             </a:pPr>
-            <a:r>
-              <a:t/>
-            </a:r>
             <a:endParaRPr/>
           </a:p>
         </p:txBody>
@@ -6447,21 +6599,23 @@
             <a:avLst/>
           </a:prstGeom>
           <a:noFill/>
-          <a:ln cap="flat" cmpd="sng" w="19050">
+          <a:ln w="19050" cap="flat" cmpd="sng">
             <a:solidFill>
               <a:schemeClr val="lt1"/>
             </a:solidFill>
             <a:prstDash val="solid"/>
             <a:round/>
-            <a:headEnd len="sm" w="sm" type="none"/>
-            <a:tailEnd len="sm" w="sm" type="none"/>
+            <a:headEnd type="none" w="sm" len="sm"/>
+            <a:tailEnd type="none" w="sm" len="sm"/>
           </a:ln>
         </p:spPr>
       </p:cxnSp>
       <p:sp>
         <p:nvSpPr>
           <p:cNvPr id="42" name="Google Shape;42;p9"/>
-          <p:cNvSpPr txBox="1"/>
+          <p:cNvSpPr txBox="1">
+            <a:spLocks noGrp="1"/>
+          </p:cNvSpPr>
           <p:nvPr>
             <p:ph type="title"/>
           </p:nvPr>
@@ -6476,7 +6630,7 @@
           </a:prstGeom>
         </p:spPr>
         <p:txBody>
-          <a:bodyPr anchorCtr="0" anchor="b" bIns="91425" lIns="91425" spcFirstLastPara="1" rIns="91425" wrap="square" tIns="91425">
+          <a:bodyPr spcFirstLastPara="1" wrap="square" lIns="91425" tIns="91425" rIns="91425" bIns="91425" anchor="b" anchorCtr="0">
             <a:normAutofit/>
           </a:bodyPr>
           <a:lstStyle>
@@ -6580,15 +6734,19 @@
               <a:defRPr sz="4200"/>
             </a:lvl9pPr>
           </a:lstStyle>
-          <a:p/>
+          <a:p>
+            <a:endParaRPr/>
+          </a:p>
         </p:txBody>
       </p:sp>
       <p:sp>
         <p:nvSpPr>
           <p:cNvPr id="43" name="Google Shape;43;p9"/>
-          <p:cNvSpPr txBox="1"/>
+          <p:cNvSpPr txBox="1">
+            <a:spLocks noGrp="1"/>
+          </p:cNvSpPr>
           <p:nvPr>
-            <p:ph idx="1" type="subTitle"/>
+            <p:ph type="subTitle" idx="1"/>
           </p:nvPr>
         </p:nvSpPr>
         <p:spPr>
@@ -6601,7 +6759,7 @@
           </a:prstGeom>
         </p:spPr>
         <p:txBody>
-          <a:bodyPr anchorCtr="0" anchor="t" bIns="91425" lIns="91425" spcFirstLastPara="1" rIns="91425" wrap="square" tIns="91425">
+          <a:bodyPr spcFirstLastPara="1" wrap="square" lIns="91425" tIns="91425" rIns="91425" bIns="91425" anchor="t" anchorCtr="0">
             <a:normAutofit/>
           </a:bodyPr>
           <a:lstStyle>
@@ -6795,15 +6953,19 @@
               </a:defRPr>
             </a:lvl9pPr>
           </a:lstStyle>
-          <a:p/>
+          <a:p>
+            <a:endParaRPr/>
+          </a:p>
         </p:txBody>
       </p:sp>
       <p:sp>
         <p:nvSpPr>
           <p:cNvPr id="44" name="Google Shape;44;p9"/>
-          <p:cNvSpPr txBox="1"/>
+          <p:cNvSpPr txBox="1">
+            <a:spLocks noGrp="1"/>
+          </p:cNvSpPr>
           <p:nvPr>
-            <p:ph idx="2" type="body"/>
+            <p:ph type="body" idx="2"/>
           </p:nvPr>
         </p:nvSpPr>
         <p:spPr>
@@ -6816,11 +6978,11 @@
           </a:prstGeom>
         </p:spPr>
         <p:txBody>
-          <a:bodyPr anchorCtr="0" anchor="ctr" bIns="91425" lIns="91425" spcFirstLastPara="1" rIns="91425" wrap="square" tIns="91425">
+          <a:bodyPr spcFirstLastPara="1" wrap="square" lIns="91425" tIns="91425" rIns="91425" bIns="91425" anchor="ctr" anchorCtr="0">
             <a:normAutofit/>
           </a:bodyPr>
           <a:lstStyle>
-            <a:lvl1pPr indent="-342900" lvl="0" marL="457200">
+            <a:lvl1pPr marL="457200" lvl="0" indent="-342900">
               <a:spcBef>
                 <a:spcPts val="0"/>
               </a:spcBef>
@@ -6838,7 +7000,7 @@
                 </a:solidFill>
               </a:defRPr>
             </a:lvl1pPr>
-            <a:lvl2pPr indent="-317500" lvl="1" marL="914400">
+            <a:lvl2pPr marL="914400" lvl="1" indent="-317500">
               <a:spcBef>
                 <a:spcPts val="0"/>
               </a:spcBef>
@@ -6856,7 +7018,7 @@
                 </a:solidFill>
               </a:defRPr>
             </a:lvl2pPr>
-            <a:lvl3pPr indent="-317500" lvl="2" marL="1371600">
+            <a:lvl3pPr marL="1371600" lvl="2" indent="-317500">
               <a:spcBef>
                 <a:spcPts val="0"/>
               </a:spcBef>
@@ -6874,7 +7036,7 @@
                 </a:solidFill>
               </a:defRPr>
             </a:lvl3pPr>
-            <a:lvl4pPr indent="-317500" lvl="3" marL="1828800">
+            <a:lvl4pPr marL="1828800" lvl="3" indent="-317500">
               <a:spcBef>
                 <a:spcPts val="0"/>
               </a:spcBef>
@@ -6892,7 +7054,7 @@
                 </a:solidFill>
               </a:defRPr>
             </a:lvl4pPr>
-            <a:lvl5pPr indent="-317500" lvl="4" marL="2286000">
+            <a:lvl5pPr marL="2286000" lvl="4" indent="-317500">
               <a:spcBef>
                 <a:spcPts val="0"/>
               </a:spcBef>
@@ -6910,7 +7072,7 @@
                 </a:solidFill>
               </a:defRPr>
             </a:lvl5pPr>
-            <a:lvl6pPr indent="-317500" lvl="5" marL="2743200">
+            <a:lvl6pPr marL="2743200" lvl="5" indent="-317500">
               <a:spcBef>
                 <a:spcPts val="0"/>
               </a:spcBef>
@@ -6928,7 +7090,7 @@
                 </a:solidFill>
               </a:defRPr>
             </a:lvl6pPr>
-            <a:lvl7pPr indent="-317500" lvl="6" marL="3200400">
+            <a:lvl7pPr marL="3200400" lvl="6" indent="-317500">
               <a:spcBef>
                 <a:spcPts val="0"/>
               </a:spcBef>
@@ -6946,7 +7108,7 @@
                 </a:solidFill>
               </a:defRPr>
             </a:lvl7pPr>
-            <a:lvl8pPr indent="-317500" lvl="7" marL="3657600">
+            <a:lvl8pPr marL="3657600" lvl="7" indent="-317500">
               <a:spcBef>
                 <a:spcPts val="0"/>
               </a:spcBef>
@@ -6964,7 +7126,7 @@
                 </a:solidFill>
               </a:defRPr>
             </a:lvl8pPr>
-            <a:lvl9pPr indent="-317500" lvl="8" marL="4114800">
+            <a:lvl9pPr marL="4114800" lvl="8" indent="-317500">
               <a:spcBef>
                 <a:spcPts val="0"/>
               </a:spcBef>
@@ -6983,15 +7145,19 @@
               </a:defRPr>
             </a:lvl9pPr>
           </a:lstStyle>
-          <a:p/>
+          <a:p>
+            <a:endParaRPr/>
+          </a:p>
         </p:txBody>
       </p:sp>
       <p:sp>
         <p:nvSpPr>
           <p:cNvPr id="45" name="Google Shape;45;p9"/>
-          <p:cNvSpPr txBox="1"/>
+          <p:cNvSpPr txBox="1">
+            <a:spLocks noGrp="1"/>
+          </p:cNvSpPr>
           <p:nvPr>
-            <p:ph idx="12" type="sldNum"/>
+            <p:ph type="sldNum" idx="12"/>
           </p:nvPr>
         </p:nvSpPr>
         <p:spPr>
@@ -7004,7 +7170,7 @@
           </a:prstGeom>
         </p:spPr>
         <p:txBody>
-          <a:bodyPr anchorCtr="0" anchor="ctr" bIns="91425" lIns="91425" spcFirstLastPara="1" rIns="91425" wrap="square" tIns="91425">
+          <a:bodyPr spcFirstLastPara="1" wrap="square" lIns="91425" tIns="91425" rIns="91425" bIns="91425" anchor="ctr" anchorCtr="0">
             <a:normAutofit/>
           </a:bodyPr>
           <a:lstStyle>
@@ -7082,7 +7248,7 @@
             </a:lvl9pPr>
           </a:lstStyle>
           <a:p>
-            <a:pPr indent="0" lvl="0" marL="0" rtl="0" algn="r">
+            <a:pPr marL="0" lvl="0" indent="0" algn="r" rtl="0">
               <a:spcBef>
                 <a:spcPts val="0"/>
               </a:spcBef>
@@ -7108,11 +7274,11 @@
 </file>
 
 <file path=ppt/slideLayouts/slideLayout9.xml><?xml version="1.0" encoding="utf-8"?>
-<p:sldLayout xmlns:a="http://schemas.openxmlformats.org/drawingml/2006/main" xmlns:r="http://schemas.openxmlformats.org/officeDocument/2006/relationships" xmlns:mc="http://schemas.openxmlformats.org/markup-compatibility/2006" xmlns:mv="urn:schemas-microsoft-com:mac:vml" xmlns:p="http://schemas.openxmlformats.org/presentationml/2006/main" xmlns:c="http://schemas.openxmlformats.org/drawingml/2006/chart" xmlns:dgm="http://schemas.openxmlformats.org/drawingml/2006/diagram" xmlns:o="urn:schemas-microsoft-com:office:office" xmlns:v="urn:schemas-microsoft-com:vml" xmlns:pvml="urn:schemas-microsoft-com:office:powerpoint" xmlns:com="http://schemas.openxmlformats.org/drawingml/2006/compatibility" xmlns:p14="http://schemas.microsoft.com/office/powerpoint/2010/main" xmlns:p15="http://schemas.microsoft.com/office/powerpoint/2012/main" xmlns:ahyp="http://schemas.microsoft.com/office/drawing/2018/hyperlinkcolor" matchingName="Caption">
+<p:sldLayout xmlns:a="http://schemas.openxmlformats.org/drawingml/2006/main" xmlns:r="http://schemas.openxmlformats.org/officeDocument/2006/relationships" xmlns:p="http://schemas.openxmlformats.org/presentationml/2006/main" matchingName="Caption">
   <p:cSld name="CAPTION_ONLY">
     <p:spTree>
       <p:nvGrpSpPr>
-        <p:cNvPr id="46" name="Shape 46"/>
+        <p:cNvPr id="1" name="Shape 46"/>
         <p:cNvGrpSpPr/>
         <p:nvPr/>
       </p:nvGrpSpPr>
@@ -7127,9 +7293,11 @@
       <p:sp>
         <p:nvSpPr>
           <p:cNvPr id="47" name="Google Shape;47;p10"/>
-          <p:cNvSpPr txBox="1"/>
+          <p:cNvSpPr txBox="1">
+            <a:spLocks noGrp="1"/>
+          </p:cNvSpPr>
           <p:nvPr>
-            <p:ph idx="1" type="body"/>
+            <p:ph type="body" idx="1"/>
           </p:nvPr>
         </p:nvSpPr>
         <p:spPr>
@@ -7142,11 +7310,11 @@
           </a:prstGeom>
         </p:spPr>
         <p:txBody>
-          <a:bodyPr anchorCtr="0" anchor="ctr" bIns="91425" lIns="91425" spcFirstLastPara="1" rIns="91425" wrap="square" tIns="91425">
+          <a:bodyPr spcFirstLastPara="1" wrap="square" lIns="91425" tIns="91425" rIns="91425" bIns="91425" anchor="ctr" anchorCtr="0">
             <a:normAutofit/>
           </a:bodyPr>
           <a:lstStyle>
-            <a:lvl1pPr indent="-228600" lvl="0" marL="457200">
+            <a:lvl1pPr marL="457200" lvl="0" indent="-228600">
               <a:lnSpc>
                 <a:spcPct val="100000"/>
               </a:lnSpc>
@@ -7173,15 +7341,19 @@
               </a:defRPr>
             </a:lvl1pPr>
           </a:lstStyle>
-          <a:p/>
+          <a:p>
+            <a:endParaRPr/>
+          </a:p>
         </p:txBody>
       </p:sp>
       <p:sp>
         <p:nvSpPr>
           <p:cNvPr id="48" name="Google Shape;48;p10"/>
-          <p:cNvSpPr txBox="1"/>
+          <p:cNvSpPr txBox="1">
+            <a:spLocks noGrp="1"/>
+          </p:cNvSpPr>
           <p:nvPr>
-            <p:ph idx="12" type="sldNum"/>
+            <p:ph type="sldNum" idx="12"/>
           </p:nvPr>
         </p:nvSpPr>
         <p:spPr>
@@ -7194,7 +7366,7 @@
           </a:prstGeom>
         </p:spPr>
         <p:txBody>
-          <a:bodyPr anchorCtr="0" anchor="ctr" bIns="91425" lIns="91425" spcFirstLastPara="1" rIns="91425" wrap="square" tIns="91425">
+          <a:bodyPr spcFirstLastPara="1" wrap="square" lIns="91425" tIns="91425" rIns="91425" bIns="91425" anchor="ctr" anchorCtr="0">
             <a:normAutofit/>
           </a:bodyPr>
           <a:lstStyle>
@@ -7236,7 +7408,7 @@
             </a:lvl9pPr>
           </a:lstStyle>
           <a:p>
-            <a:pPr indent="0" lvl="0" marL="0" rtl="0" algn="r">
+            <a:pPr marL="0" lvl="0" indent="0" algn="r" rtl="0">
               <a:spcBef>
                 <a:spcPts val="0"/>
               </a:spcBef>
@@ -7262,18 +7434,19 @@
 </file>
 
 <file path=ppt/slideMasters/slideMaster1.xml><?xml version="1.0" encoding="utf-8"?>
-<p:sldMaster xmlns:a="http://schemas.openxmlformats.org/drawingml/2006/main" xmlns:r="http://schemas.openxmlformats.org/officeDocument/2006/relationships" xmlns:mc="http://schemas.openxmlformats.org/markup-compatibility/2006" xmlns:mv="urn:schemas-microsoft-com:mac:vml" xmlns:p="http://schemas.openxmlformats.org/presentationml/2006/main" xmlns:c="http://schemas.openxmlformats.org/drawingml/2006/chart" xmlns:dgm="http://schemas.openxmlformats.org/drawingml/2006/diagram" xmlns:o="urn:schemas-microsoft-com:office:office" xmlns:v="urn:schemas-microsoft-com:vml" xmlns:pvml="urn:schemas-microsoft-com:office:powerpoint" xmlns:com="http://schemas.openxmlformats.org/drawingml/2006/compatibility" xmlns:p14="http://schemas.microsoft.com/office/powerpoint/2010/main" xmlns:p15="http://schemas.microsoft.com/office/powerpoint/2012/main" xmlns:ahyp="http://schemas.microsoft.com/office/drawing/2018/hyperlinkcolor">
+<p:sldMaster xmlns:a="http://schemas.openxmlformats.org/drawingml/2006/main" xmlns:r="http://schemas.openxmlformats.org/officeDocument/2006/relationships" xmlns:p="http://schemas.openxmlformats.org/presentationml/2006/main">
   <p:cSld name="slate">
     <p:bg>
       <p:bgPr>
         <a:solidFill>
           <a:schemeClr val="lt1"/>
         </a:solidFill>
+        <a:effectLst/>
       </p:bgPr>
     </p:bg>
     <p:spTree>
       <p:nvGrpSpPr>
-        <p:cNvPr id="5" name="Shape 5"/>
+        <p:cNvPr id="1" name="Shape 5"/>
         <p:cNvGrpSpPr/>
         <p:nvPr/>
       </p:nvGrpSpPr>
@@ -7288,7 +7461,9 @@
       <p:sp>
         <p:nvSpPr>
           <p:cNvPr id="6" name="Google Shape;6;p1"/>
-          <p:cNvSpPr txBox="1"/>
+          <p:cNvSpPr txBox="1">
+            <a:spLocks noGrp="1"/>
+          </p:cNvSpPr>
           <p:nvPr>
             <p:ph type="title"/>
           </p:nvPr>
@@ -7307,7 +7482,7 @@
           </a:ln>
         </p:spPr>
         <p:txBody>
-          <a:bodyPr anchorCtr="0" anchor="t" bIns="91425" lIns="91425" spcFirstLastPara="1" rIns="91425" wrap="square" tIns="91425">
+          <a:bodyPr spcFirstLastPara="1" wrap="square" lIns="91425" tIns="91425" rIns="91425" bIns="91425" anchor="t" anchorCtr="0">
             <a:normAutofit/>
           </a:bodyPr>
           <a:lstStyle>
@@ -7519,15 +7694,19 @@
               </a:defRPr>
             </a:lvl9pPr>
           </a:lstStyle>
-          <a:p/>
+          <a:p>
+            <a:endParaRPr/>
+          </a:p>
         </p:txBody>
       </p:sp>
       <p:sp>
         <p:nvSpPr>
           <p:cNvPr id="7" name="Google Shape;7;p1"/>
-          <p:cNvSpPr txBox="1"/>
+          <p:cNvSpPr txBox="1">
+            <a:spLocks noGrp="1"/>
+          </p:cNvSpPr>
           <p:nvPr>
-            <p:ph idx="1" type="body"/>
+            <p:ph type="body" idx="1"/>
           </p:nvPr>
         </p:nvSpPr>
         <p:spPr>
@@ -7544,11 +7723,11 @@
           </a:ln>
         </p:spPr>
         <p:txBody>
-          <a:bodyPr anchorCtr="0" anchor="t" bIns="91425" lIns="91425" spcFirstLastPara="1" rIns="91425" wrap="square" tIns="91425">
+          <a:bodyPr spcFirstLastPara="1" wrap="square" lIns="91425" tIns="91425" rIns="91425" bIns="91425" anchor="t" anchorCtr="0">
             <a:normAutofit/>
           </a:bodyPr>
           <a:lstStyle>
-            <a:lvl1pPr indent="-342900" lvl="0" marL="457200">
+            <a:lvl1pPr marL="457200" lvl="0" indent="-342900">
               <a:lnSpc>
                 <a:spcPct val="115000"/>
               </a:lnSpc>
@@ -7574,7 +7753,7 @@
                 <a:sym typeface="Average"/>
               </a:defRPr>
             </a:lvl1pPr>
-            <a:lvl2pPr indent="-317500" lvl="1" marL="914400">
+            <a:lvl2pPr marL="914400" lvl="1" indent="-317500">
               <a:lnSpc>
                 <a:spcPct val="115000"/>
               </a:lnSpc>
@@ -7600,7 +7779,7 @@
                 <a:sym typeface="Average"/>
               </a:defRPr>
             </a:lvl2pPr>
-            <a:lvl3pPr indent="-317500" lvl="2" marL="1371600">
+            <a:lvl3pPr marL="1371600" lvl="2" indent="-317500">
               <a:lnSpc>
                 <a:spcPct val="115000"/>
               </a:lnSpc>
@@ -7626,7 +7805,7 @@
                 <a:sym typeface="Average"/>
               </a:defRPr>
             </a:lvl3pPr>
-            <a:lvl4pPr indent="-317500" lvl="3" marL="1828800">
+            <a:lvl4pPr marL="1828800" lvl="3" indent="-317500">
               <a:lnSpc>
                 <a:spcPct val="115000"/>
               </a:lnSpc>
@@ -7652,7 +7831,7 @@
                 <a:sym typeface="Average"/>
               </a:defRPr>
             </a:lvl4pPr>
-            <a:lvl5pPr indent="-317500" lvl="4" marL="2286000">
+            <a:lvl5pPr marL="2286000" lvl="4" indent="-317500">
               <a:lnSpc>
                 <a:spcPct val="115000"/>
               </a:lnSpc>
@@ -7678,7 +7857,7 @@
                 <a:sym typeface="Average"/>
               </a:defRPr>
             </a:lvl5pPr>
-            <a:lvl6pPr indent="-317500" lvl="5" marL="2743200">
+            <a:lvl6pPr marL="2743200" lvl="5" indent="-317500">
               <a:lnSpc>
                 <a:spcPct val="115000"/>
               </a:lnSpc>
@@ -7704,7 +7883,7 @@
                 <a:sym typeface="Average"/>
               </a:defRPr>
             </a:lvl6pPr>
-            <a:lvl7pPr indent="-317500" lvl="6" marL="3200400">
+            <a:lvl7pPr marL="3200400" lvl="6" indent="-317500">
               <a:lnSpc>
                 <a:spcPct val="115000"/>
               </a:lnSpc>
@@ -7730,7 +7909,7 @@
                 <a:sym typeface="Average"/>
               </a:defRPr>
             </a:lvl7pPr>
-            <a:lvl8pPr indent="-317500" lvl="7" marL="3657600">
+            <a:lvl8pPr marL="3657600" lvl="7" indent="-317500">
               <a:lnSpc>
                 <a:spcPct val="115000"/>
               </a:lnSpc>
@@ -7756,7 +7935,7 @@
                 <a:sym typeface="Average"/>
               </a:defRPr>
             </a:lvl8pPr>
-            <a:lvl9pPr indent="-317500" lvl="8" marL="4114800">
+            <a:lvl9pPr marL="4114800" lvl="8" indent="-317500">
               <a:lnSpc>
                 <a:spcPct val="115000"/>
               </a:lnSpc>
@@ -7783,15 +7962,19 @@
               </a:defRPr>
             </a:lvl9pPr>
           </a:lstStyle>
-          <a:p/>
+          <a:p>
+            <a:endParaRPr/>
+          </a:p>
         </p:txBody>
       </p:sp>
       <p:sp>
         <p:nvSpPr>
           <p:cNvPr id="8" name="Google Shape;8;p1"/>
-          <p:cNvSpPr txBox="1"/>
+          <p:cNvSpPr txBox="1">
+            <a:spLocks noGrp="1"/>
+          </p:cNvSpPr>
           <p:nvPr>
-            <p:ph idx="12" type="sldNum"/>
+            <p:ph type="sldNum" idx="12"/>
           </p:nvPr>
         </p:nvSpPr>
         <p:spPr>
@@ -7808,7 +7991,7 @@
           </a:ln>
         </p:spPr>
         <p:txBody>
-          <a:bodyPr anchorCtr="0" anchor="ctr" bIns="91425" lIns="91425" spcFirstLastPara="1" rIns="91425" wrap="square" tIns="91425">
+          <a:bodyPr spcFirstLastPara="1" wrap="square" lIns="91425" tIns="91425" rIns="91425" bIns="91425" anchor="ctr" anchorCtr="0">
             <a:normAutofit/>
           </a:bodyPr>
           <a:lstStyle>
@@ -7922,7 +8105,7 @@
             </a:lvl9pPr>
           </a:lstStyle>
           <a:p>
-            <a:pPr indent="0" lvl="0" marL="0" rtl="0" algn="r">
+            <a:pPr marL="0" lvl="0" indent="0" algn="r" rtl="0">
               <a:spcBef>
                 <a:spcPts val="0"/>
               </a:spcBef>
@@ -7941,7 +8124,7 @@
       </p:sp>
     </p:spTree>
   </p:cSld>
-  <p:clrMap accent1="accent1" accent2="accent2" accent3="accent3" accent4="accent4" accent5="accent5" accent6="accent6" bg1="lt1" bg2="dk2" tx1="dk1" tx2="lt2" folHlink="folHlink" hlink="hlink"/>
+  <p:clrMap bg1="lt1" tx1="dk1" bg2="dk2" tx2="lt2" accent1="accent1" accent2="accent2" accent3="accent3" accent4="accent4" accent5="accent5" accent6="accent6" hlink="hlink" folHlink="folHlink"/>
   <p:sldLayoutIdLst>
     <p:sldLayoutId id="2147483648" r:id="rId1"/>
     <p:sldLayoutId id="2147483649" r:id="rId2"/>
@@ -7958,10 +8141,10 @@
     <p:sldLayoutId id="2147483660" r:id="rId13"/>
     <p:sldLayoutId id="2147483661" r:id="rId14"/>
   </p:sldLayoutIdLst>
-  <p:hf dt="0" ftr="0" hdr="0" sldNum="0"/>
+  <p:hf sldNum="0" hdr="0" ftr="0" dt="0"/>
   <p:txStyles>
     <p:titleStyle>
-      <a:defPPr lvl="0" marR="0" rtl="0" algn="l">
+      <a:defPPr marR="0" lvl="0" algn="l" rtl="0">
         <a:lnSpc>
           <a:spcPct val="100000"/>
         </a:lnSpc>
@@ -7972,7 +8155,7 @@
           <a:spcPts val="0"/>
         </a:spcAft>
       </a:defPPr>
-      <a:lvl1pPr lvl="0" marR="0" rtl="0" algn="l">
+      <a:lvl1pPr marR="0" lvl="0" algn="l" rtl="0">
         <a:lnSpc>
           <a:spcPct val="100000"/>
         </a:lnSpc>
@@ -7986,7 +8169,7 @@
           <a:srgbClr val="000000"/>
         </a:buClr>
         <a:buFont typeface="Arial"/>
-        <a:defRPr b="0" i="0" sz="1400" u="none" cap="none" strike="noStrike">
+        <a:defRPr sz="1400" b="0" i="0" u="none" strike="noStrike" cap="none">
           <a:solidFill>
             <a:srgbClr val="000000"/>
           </a:solidFill>
@@ -7996,7 +8179,7 @@
           <a:sym typeface="Arial"/>
         </a:defRPr>
       </a:lvl1pPr>
-      <a:lvl2pPr lvl="1" marR="0" rtl="0" algn="l">
+      <a:lvl2pPr marR="0" lvl="1" algn="l" rtl="0">
         <a:lnSpc>
           <a:spcPct val="100000"/>
         </a:lnSpc>
@@ -8010,7 +8193,7 @@
           <a:srgbClr val="000000"/>
         </a:buClr>
         <a:buFont typeface="Arial"/>
-        <a:defRPr b="0" i="0" sz="1400" u="none" cap="none" strike="noStrike">
+        <a:defRPr sz="1400" b="0" i="0" u="none" strike="noStrike" cap="none">
           <a:solidFill>
             <a:srgbClr val="000000"/>
           </a:solidFill>
@@ -8020,7 +8203,7 @@
           <a:sym typeface="Arial"/>
         </a:defRPr>
       </a:lvl2pPr>
-      <a:lvl3pPr lvl="2" marR="0" rtl="0" algn="l">
+      <a:lvl3pPr marR="0" lvl="2" algn="l" rtl="0">
         <a:lnSpc>
           <a:spcPct val="100000"/>
         </a:lnSpc>
@@ -8034,7 +8217,7 @@
           <a:srgbClr val="000000"/>
         </a:buClr>
         <a:buFont typeface="Arial"/>
-        <a:defRPr b="0" i="0" sz="1400" u="none" cap="none" strike="noStrike">
+        <a:defRPr sz="1400" b="0" i="0" u="none" strike="noStrike" cap="none">
           <a:solidFill>
             <a:srgbClr val="000000"/>
           </a:solidFill>
@@ -8044,7 +8227,7 @@
           <a:sym typeface="Arial"/>
         </a:defRPr>
       </a:lvl3pPr>
-      <a:lvl4pPr lvl="3" marR="0" rtl="0" algn="l">
+      <a:lvl4pPr marR="0" lvl="3" algn="l" rtl="0">
         <a:lnSpc>
           <a:spcPct val="100000"/>
         </a:lnSpc>
@@ -8058,7 +8241,7 @@
           <a:srgbClr val="000000"/>
         </a:buClr>
         <a:buFont typeface="Arial"/>
-        <a:defRPr b="0" i="0" sz="1400" u="none" cap="none" strike="noStrike">
+        <a:defRPr sz="1400" b="0" i="0" u="none" strike="noStrike" cap="none">
           <a:solidFill>
             <a:srgbClr val="000000"/>
           </a:solidFill>
@@ -8068,7 +8251,7 @@
           <a:sym typeface="Arial"/>
         </a:defRPr>
       </a:lvl4pPr>
-      <a:lvl5pPr lvl="4" marR="0" rtl="0" algn="l">
+      <a:lvl5pPr marR="0" lvl="4" algn="l" rtl="0">
         <a:lnSpc>
           <a:spcPct val="100000"/>
         </a:lnSpc>
@@ -8082,7 +8265,7 @@
           <a:srgbClr val="000000"/>
         </a:buClr>
         <a:buFont typeface="Arial"/>
-        <a:defRPr b="0" i="0" sz="1400" u="none" cap="none" strike="noStrike">
+        <a:defRPr sz="1400" b="0" i="0" u="none" strike="noStrike" cap="none">
           <a:solidFill>
             <a:srgbClr val="000000"/>
           </a:solidFill>
@@ -8092,7 +8275,7 @@
           <a:sym typeface="Arial"/>
         </a:defRPr>
       </a:lvl5pPr>
-      <a:lvl6pPr lvl="5" marR="0" rtl="0" algn="l">
+      <a:lvl6pPr marR="0" lvl="5" algn="l" rtl="0">
         <a:lnSpc>
           <a:spcPct val="100000"/>
         </a:lnSpc>
@@ -8106,7 +8289,7 @@
           <a:srgbClr val="000000"/>
         </a:buClr>
         <a:buFont typeface="Arial"/>
-        <a:defRPr b="0" i="0" sz="1400" u="none" cap="none" strike="noStrike">
+        <a:defRPr sz="1400" b="0" i="0" u="none" strike="noStrike" cap="none">
           <a:solidFill>
             <a:srgbClr val="000000"/>
           </a:solidFill>
@@ -8116,7 +8299,7 @@
           <a:sym typeface="Arial"/>
         </a:defRPr>
       </a:lvl6pPr>
-      <a:lvl7pPr lvl="6" marR="0" rtl="0" algn="l">
+      <a:lvl7pPr marR="0" lvl="6" algn="l" rtl="0">
         <a:lnSpc>
           <a:spcPct val="100000"/>
         </a:lnSpc>
@@ -8130,7 +8313,7 @@
           <a:srgbClr val="000000"/>
         </a:buClr>
         <a:buFont typeface="Arial"/>
-        <a:defRPr b="0" i="0" sz="1400" u="none" cap="none" strike="noStrike">
+        <a:defRPr sz="1400" b="0" i="0" u="none" strike="noStrike" cap="none">
           <a:solidFill>
             <a:srgbClr val="000000"/>
           </a:solidFill>
@@ -8140,7 +8323,7 @@
           <a:sym typeface="Arial"/>
         </a:defRPr>
       </a:lvl7pPr>
-      <a:lvl8pPr lvl="7" marR="0" rtl="0" algn="l">
+      <a:lvl8pPr marR="0" lvl="7" algn="l" rtl="0">
         <a:lnSpc>
           <a:spcPct val="100000"/>
         </a:lnSpc>
@@ -8154,7 +8337,7 @@
           <a:srgbClr val="000000"/>
         </a:buClr>
         <a:buFont typeface="Arial"/>
-        <a:defRPr b="0" i="0" sz="1400" u="none" cap="none" strike="noStrike">
+        <a:defRPr sz="1400" b="0" i="0" u="none" strike="noStrike" cap="none">
           <a:solidFill>
             <a:srgbClr val="000000"/>
           </a:solidFill>
@@ -8164,7 +8347,7 @@
           <a:sym typeface="Arial"/>
         </a:defRPr>
       </a:lvl8pPr>
-      <a:lvl9pPr lvl="8" marR="0" rtl="0" algn="l">
+      <a:lvl9pPr marR="0" lvl="8" algn="l" rtl="0">
         <a:lnSpc>
           <a:spcPct val="100000"/>
         </a:lnSpc>
@@ -8178,7 +8361,7 @@
           <a:srgbClr val="000000"/>
         </a:buClr>
         <a:buFont typeface="Arial"/>
-        <a:defRPr b="0" i="0" sz="1400" u="none" cap="none" strike="noStrike">
+        <a:defRPr sz="1400" b="0" i="0" u="none" strike="noStrike" cap="none">
           <a:solidFill>
             <a:srgbClr val="000000"/>
           </a:solidFill>
@@ -8190,7 +8373,7 @@
       </a:lvl9pPr>
     </p:titleStyle>
     <p:bodyStyle>
-      <a:defPPr lvl="0" marR="0" rtl="0" algn="l">
+      <a:defPPr marR="0" lvl="0" algn="l" rtl="0">
         <a:lnSpc>
           <a:spcPct val="100000"/>
         </a:lnSpc>
@@ -8201,7 +8384,7 @@
           <a:spcPts val="0"/>
         </a:spcAft>
       </a:defPPr>
-      <a:lvl1pPr lvl="0" marR="0" rtl="0" algn="l">
+      <a:lvl1pPr marR="0" lvl="0" algn="l" rtl="0">
         <a:lnSpc>
           <a:spcPct val="100000"/>
         </a:lnSpc>
@@ -8215,7 +8398,7 @@
           <a:srgbClr val="000000"/>
         </a:buClr>
         <a:buFont typeface="Arial"/>
-        <a:defRPr b="0" i="0" sz="1400" u="none" cap="none" strike="noStrike">
+        <a:defRPr sz="1400" b="0" i="0" u="none" strike="noStrike" cap="none">
           <a:solidFill>
             <a:srgbClr val="000000"/>
           </a:solidFill>
@@ -8225,7 +8408,7 @@
           <a:sym typeface="Arial"/>
         </a:defRPr>
       </a:lvl1pPr>
-      <a:lvl2pPr lvl="1" marR="0" rtl="0" algn="l">
+      <a:lvl2pPr marR="0" lvl="1" algn="l" rtl="0">
         <a:lnSpc>
           <a:spcPct val="100000"/>
         </a:lnSpc>
@@ -8239,7 +8422,7 @@
           <a:srgbClr val="000000"/>
         </a:buClr>
         <a:buFont typeface="Arial"/>
-        <a:defRPr b="0" i="0" sz="1400" u="none" cap="none" strike="noStrike">
+        <a:defRPr sz="1400" b="0" i="0" u="none" strike="noStrike" cap="none">
           <a:solidFill>
             <a:srgbClr val="000000"/>
           </a:solidFill>
@@ -8249,7 +8432,7 @@
           <a:sym typeface="Arial"/>
         </a:defRPr>
       </a:lvl2pPr>
-      <a:lvl3pPr lvl="2" marR="0" rtl="0" algn="l">
+      <a:lvl3pPr marR="0" lvl="2" algn="l" rtl="0">
         <a:lnSpc>
           <a:spcPct val="100000"/>
         </a:lnSpc>
@@ -8263,7 +8446,7 @@
           <a:srgbClr val="000000"/>
         </a:buClr>
         <a:buFont typeface="Arial"/>
-        <a:defRPr b="0" i="0" sz="1400" u="none" cap="none" strike="noStrike">
+        <a:defRPr sz="1400" b="0" i="0" u="none" strike="noStrike" cap="none">
           <a:solidFill>
             <a:srgbClr val="000000"/>
           </a:solidFill>
@@ -8273,7 +8456,7 @@
           <a:sym typeface="Arial"/>
         </a:defRPr>
       </a:lvl3pPr>
-      <a:lvl4pPr lvl="3" marR="0" rtl="0" algn="l">
+      <a:lvl4pPr marR="0" lvl="3" algn="l" rtl="0">
         <a:lnSpc>
           <a:spcPct val="100000"/>
         </a:lnSpc>
@@ -8287,7 +8470,7 @@
           <a:srgbClr val="000000"/>
         </a:buClr>
         <a:buFont typeface="Arial"/>
-        <a:defRPr b="0" i="0" sz="1400" u="none" cap="none" strike="noStrike">
+        <a:defRPr sz="1400" b="0" i="0" u="none" strike="noStrike" cap="none">
           <a:solidFill>
             <a:srgbClr val="000000"/>
           </a:solidFill>
@@ -8297,7 +8480,7 @@
           <a:sym typeface="Arial"/>
         </a:defRPr>
       </a:lvl4pPr>
-      <a:lvl5pPr lvl="4" marR="0" rtl="0" algn="l">
+      <a:lvl5pPr marR="0" lvl="4" algn="l" rtl="0">
         <a:lnSpc>
           <a:spcPct val="100000"/>
         </a:lnSpc>
@@ -8311,7 +8494,7 @@
           <a:srgbClr val="000000"/>
         </a:buClr>
         <a:buFont typeface="Arial"/>
-        <a:defRPr b="0" i="0" sz="1400" u="none" cap="none" strike="noStrike">
+        <a:defRPr sz="1400" b="0" i="0" u="none" strike="noStrike" cap="none">
           <a:solidFill>
             <a:srgbClr val="000000"/>
           </a:solidFill>
@@ -8321,7 +8504,7 @@
           <a:sym typeface="Arial"/>
         </a:defRPr>
       </a:lvl5pPr>
-      <a:lvl6pPr lvl="5" marR="0" rtl="0" algn="l">
+      <a:lvl6pPr marR="0" lvl="5" algn="l" rtl="0">
         <a:lnSpc>
           <a:spcPct val="100000"/>
         </a:lnSpc>
@@ -8335,7 +8518,7 @@
           <a:srgbClr val="000000"/>
         </a:buClr>
         <a:buFont typeface="Arial"/>
-        <a:defRPr b="0" i="0" sz="1400" u="none" cap="none" strike="noStrike">
+        <a:defRPr sz="1400" b="0" i="0" u="none" strike="noStrike" cap="none">
           <a:solidFill>
             <a:srgbClr val="000000"/>
           </a:solidFill>
@@ -8345,7 +8528,7 @@
           <a:sym typeface="Arial"/>
         </a:defRPr>
       </a:lvl6pPr>
-      <a:lvl7pPr lvl="6" marR="0" rtl="0" algn="l">
+      <a:lvl7pPr marR="0" lvl="6" algn="l" rtl="0">
         <a:lnSpc>
           <a:spcPct val="100000"/>
         </a:lnSpc>
@@ -8359,7 +8542,7 @@
           <a:srgbClr val="000000"/>
         </a:buClr>
         <a:buFont typeface="Arial"/>
-        <a:defRPr b="0" i="0" sz="1400" u="none" cap="none" strike="noStrike">
+        <a:defRPr sz="1400" b="0" i="0" u="none" strike="noStrike" cap="none">
           <a:solidFill>
             <a:srgbClr val="000000"/>
           </a:solidFill>
@@ -8369,7 +8552,7 @@
           <a:sym typeface="Arial"/>
         </a:defRPr>
       </a:lvl7pPr>
-      <a:lvl8pPr lvl="7" marR="0" rtl="0" algn="l">
+      <a:lvl8pPr marR="0" lvl="7" algn="l" rtl="0">
         <a:lnSpc>
           <a:spcPct val="100000"/>
         </a:lnSpc>
@@ -8383,7 +8566,7 @@
           <a:srgbClr val="000000"/>
         </a:buClr>
         <a:buFont typeface="Arial"/>
-        <a:defRPr b="0" i="0" sz="1400" u="none" cap="none" strike="noStrike">
+        <a:defRPr sz="1400" b="0" i="0" u="none" strike="noStrike" cap="none">
           <a:solidFill>
             <a:srgbClr val="000000"/>
           </a:solidFill>
@@ -8393,7 +8576,7 @@
           <a:sym typeface="Arial"/>
         </a:defRPr>
       </a:lvl8pPr>
-      <a:lvl9pPr lvl="8" marR="0" rtl="0" algn="l">
+      <a:lvl9pPr marR="0" lvl="8" algn="l" rtl="0">
         <a:lnSpc>
           <a:spcPct val="100000"/>
         </a:lnSpc>
@@ -8407,7 +8590,7 @@
           <a:srgbClr val="000000"/>
         </a:buClr>
         <a:buFont typeface="Arial"/>
-        <a:defRPr b="0" i="0" sz="1400" u="none" cap="none" strike="noStrike">
+        <a:defRPr sz="1400" b="0" i="0" u="none" strike="noStrike" cap="none">
           <a:solidFill>
             <a:srgbClr val="000000"/>
           </a:solidFill>
@@ -8419,7 +8602,7 @@
       </a:lvl9pPr>
     </p:bodyStyle>
     <p:otherStyle>
-      <a:defPPr lvl="0" marR="0" rtl="0" algn="l">
+      <a:defPPr marR="0" lvl="0" algn="l" rtl="0">
         <a:lnSpc>
           <a:spcPct val="100000"/>
         </a:lnSpc>
@@ -8430,7 +8613,7 @@
           <a:spcPts val="0"/>
         </a:spcAft>
       </a:defPPr>
-      <a:lvl1pPr lvl="0" marR="0" rtl="0" algn="l">
+      <a:lvl1pPr marR="0" lvl="0" algn="l" rtl="0">
         <a:lnSpc>
           <a:spcPct val="100000"/>
         </a:lnSpc>
@@ -8444,7 +8627,7 @@
           <a:srgbClr val="000000"/>
         </a:buClr>
         <a:buFont typeface="Arial"/>
-        <a:defRPr b="0" i="0" sz="1400" u="none" cap="none" strike="noStrike">
+        <a:defRPr sz="1400" b="0" i="0" u="none" strike="noStrike" cap="none">
           <a:solidFill>
             <a:srgbClr val="000000"/>
           </a:solidFill>
@@ -8454,7 +8637,7 @@
           <a:sym typeface="Arial"/>
         </a:defRPr>
       </a:lvl1pPr>
-      <a:lvl2pPr lvl="1" marR="0" rtl="0" algn="l">
+      <a:lvl2pPr marR="0" lvl="1" algn="l" rtl="0">
         <a:lnSpc>
           <a:spcPct val="100000"/>
         </a:lnSpc>
@@ -8468,7 +8651,7 @@
           <a:srgbClr val="000000"/>
         </a:buClr>
         <a:buFont typeface="Arial"/>
-        <a:defRPr b="0" i="0" sz="1400" u="none" cap="none" strike="noStrike">
+        <a:defRPr sz="1400" b="0" i="0" u="none" strike="noStrike" cap="none">
           <a:solidFill>
             <a:srgbClr val="000000"/>
           </a:solidFill>
@@ -8478,7 +8661,7 @@
           <a:sym typeface="Arial"/>
         </a:defRPr>
       </a:lvl2pPr>
-      <a:lvl3pPr lvl="2" marR="0" rtl="0" algn="l">
+      <a:lvl3pPr marR="0" lvl="2" algn="l" rtl="0">
         <a:lnSpc>
           <a:spcPct val="100000"/>
         </a:lnSpc>
@@ -8492,7 +8675,7 @@
           <a:srgbClr val="000000"/>
         </a:buClr>
         <a:buFont typeface="Arial"/>
-        <a:defRPr b="0" i="0" sz="1400" u="none" cap="none" strike="noStrike">
+        <a:defRPr sz="1400" b="0" i="0" u="none" strike="noStrike" cap="none">
           <a:solidFill>
             <a:srgbClr val="000000"/>
           </a:solidFill>
@@ -8502,7 +8685,7 @@
           <a:sym typeface="Arial"/>
         </a:defRPr>
       </a:lvl3pPr>
-      <a:lvl4pPr lvl="3" marR="0" rtl="0" algn="l">
+      <a:lvl4pPr marR="0" lvl="3" algn="l" rtl="0">
         <a:lnSpc>
           <a:spcPct val="100000"/>
         </a:lnSpc>
@@ -8516,7 +8699,7 @@
           <a:srgbClr val="000000"/>
         </a:buClr>
         <a:buFont typeface="Arial"/>
-        <a:defRPr b="0" i="0" sz="1400" u="none" cap="none" strike="noStrike">
+        <a:defRPr sz="1400" b="0" i="0" u="none" strike="noStrike" cap="none">
           <a:solidFill>
             <a:srgbClr val="000000"/>
           </a:solidFill>
@@ -8526,7 +8709,7 @@
           <a:sym typeface="Arial"/>
         </a:defRPr>
       </a:lvl4pPr>
-      <a:lvl5pPr lvl="4" marR="0" rtl="0" algn="l">
+      <a:lvl5pPr marR="0" lvl="4" algn="l" rtl="0">
         <a:lnSpc>
           <a:spcPct val="100000"/>
         </a:lnSpc>
@@ -8540,7 +8723,7 @@
           <a:srgbClr val="000000"/>
         </a:buClr>
         <a:buFont typeface="Arial"/>
-        <a:defRPr b="0" i="0" sz="1400" u="none" cap="none" strike="noStrike">
+        <a:defRPr sz="1400" b="0" i="0" u="none" strike="noStrike" cap="none">
           <a:solidFill>
             <a:srgbClr val="000000"/>
           </a:solidFill>
@@ -8550,7 +8733,7 @@
           <a:sym typeface="Arial"/>
         </a:defRPr>
       </a:lvl5pPr>
-      <a:lvl6pPr lvl="5" marR="0" rtl="0" algn="l">
+      <a:lvl6pPr marR="0" lvl="5" algn="l" rtl="0">
         <a:lnSpc>
           <a:spcPct val="100000"/>
         </a:lnSpc>
@@ -8564,7 +8747,7 @@
           <a:srgbClr val="000000"/>
         </a:buClr>
         <a:buFont typeface="Arial"/>
-        <a:defRPr b="0" i="0" sz="1400" u="none" cap="none" strike="noStrike">
+        <a:defRPr sz="1400" b="0" i="0" u="none" strike="noStrike" cap="none">
           <a:solidFill>
             <a:srgbClr val="000000"/>
           </a:solidFill>
@@ -8574,7 +8757,7 @@
           <a:sym typeface="Arial"/>
         </a:defRPr>
       </a:lvl6pPr>
-      <a:lvl7pPr lvl="6" marR="0" rtl="0" algn="l">
+      <a:lvl7pPr marR="0" lvl="6" algn="l" rtl="0">
         <a:lnSpc>
           <a:spcPct val="100000"/>
         </a:lnSpc>
@@ -8588,7 +8771,7 @@
           <a:srgbClr val="000000"/>
         </a:buClr>
         <a:buFont typeface="Arial"/>
-        <a:defRPr b="0" i="0" sz="1400" u="none" cap="none" strike="noStrike">
+        <a:defRPr sz="1400" b="0" i="0" u="none" strike="noStrike" cap="none">
           <a:solidFill>
             <a:srgbClr val="000000"/>
           </a:solidFill>
@@ -8598,7 +8781,7 @@
           <a:sym typeface="Arial"/>
         </a:defRPr>
       </a:lvl7pPr>
-      <a:lvl8pPr lvl="7" marR="0" rtl="0" algn="l">
+      <a:lvl8pPr marR="0" lvl="7" algn="l" rtl="0">
         <a:lnSpc>
           <a:spcPct val="100000"/>
         </a:lnSpc>
@@ -8612,7 +8795,7 @@
           <a:srgbClr val="000000"/>
         </a:buClr>
         <a:buFont typeface="Arial"/>
-        <a:defRPr b="0" i="0" sz="1400" u="none" cap="none" strike="noStrike">
+        <a:defRPr sz="1400" b="0" i="0" u="none" strike="noStrike" cap="none">
           <a:solidFill>
             <a:srgbClr val="000000"/>
           </a:solidFill>
@@ -8622,7 +8805,7 @@
           <a:sym typeface="Arial"/>
         </a:defRPr>
       </a:lvl8pPr>
-      <a:lvl9pPr lvl="8" marR="0" rtl="0" algn="l">
+      <a:lvl9pPr marR="0" lvl="8" algn="l" rtl="0">
         <a:lnSpc>
           <a:spcPct val="100000"/>
         </a:lnSpc>
@@ -8636,7 +8819,7 @@
           <a:srgbClr val="000000"/>
         </a:buClr>
         <a:buFont typeface="Arial"/>
-        <a:defRPr b="0" i="0" sz="1400" u="none" cap="none" strike="noStrike">
+        <a:defRPr sz="1400" b="0" i="0" u="none" strike="noStrike" cap="none">
           <a:solidFill>
             <a:srgbClr val="000000"/>
           </a:solidFill>
@@ -8652,11 +8835,11 @@
 </file>
 
 <file path=ppt/slides/slide1.xml><?xml version="1.0" encoding="utf-8"?>
-<p:sld xmlns:a="http://schemas.openxmlformats.org/drawingml/2006/main" xmlns:r="http://schemas.openxmlformats.org/officeDocument/2006/relationships" xmlns:mc="http://schemas.openxmlformats.org/markup-compatibility/2006" xmlns:mv="urn:schemas-microsoft-com:mac:vml" xmlns:p="http://schemas.openxmlformats.org/presentationml/2006/main" xmlns:c="http://schemas.openxmlformats.org/drawingml/2006/chart" xmlns:dgm="http://schemas.openxmlformats.org/drawingml/2006/diagram" xmlns:o="urn:schemas-microsoft-com:office:office" xmlns:v="urn:schemas-microsoft-com:vml" xmlns:pvml="urn:schemas-microsoft-com:office:powerpoint" xmlns:com="http://schemas.openxmlformats.org/drawingml/2006/compatibility" xmlns:p14="http://schemas.microsoft.com/office/powerpoint/2010/main" xmlns:p15="http://schemas.microsoft.com/office/powerpoint/2012/main" xmlns:ahyp="http://schemas.microsoft.com/office/drawing/2018/hyperlinkcolor">
+<p:sld xmlns:a="http://schemas.openxmlformats.org/drawingml/2006/main" xmlns:r="http://schemas.openxmlformats.org/officeDocument/2006/relationships" xmlns:p="http://schemas.openxmlformats.org/presentationml/2006/main">
   <p:cSld>
     <p:spTree>
       <p:nvGrpSpPr>
-        <p:cNvPr id="69" name="Shape 69"/>
+        <p:cNvPr id="1" name="Shape 69"/>
         <p:cNvGrpSpPr/>
         <p:nvPr/>
       </p:nvGrpSpPr>
@@ -8671,9 +8854,11 @@
       <p:sp>
         <p:nvSpPr>
           <p:cNvPr id="70" name="Google Shape;70;p16"/>
-          <p:cNvSpPr txBox="1"/>
+          <p:cNvSpPr txBox="1">
+            <a:spLocks noGrp="1"/>
+          </p:cNvSpPr>
           <p:nvPr>
-            <p:ph idx="4294967295" type="ctrTitle"/>
+            <p:ph type="ctrTitle" idx="4294967295"/>
           </p:nvPr>
         </p:nvSpPr>
         <p:spPr>
@@ -8690,12 +8875,12 @@
           </a:ln>
         </p:spPr>
         <p:txBody>
-          <a:bodyPr anchorCtr="0" anchor="b" bIns="91400" lIns="91400" spcFirstLastPara="1" rIns="91400" wrap="square" tIns="91400">
+          <a:bodyPr spcFirstLastPara="1" wrap="square" lIns="91400" tIns="91400" rIns="91400" bIns="91400" anchor="b" anchorCtr="0">
             <a:normAutofit/>
           </a:bodyPr>
           <a:lstStyle/>
           <a:p>
-            <a:pPr indent="0" lvl="0" marL="0" marR="0" rtl="0" algn="ctr">
+            <a:pPr marL="0" marR="0" lvl="0" indent="0" algn="ctr" rtl="0">
               <a:lnSpc>
                 <a:spcPct val="100000"/>
               </a:lnSpc>
@@ -8713,7 +8898,7 @@
               <a:buNone/>
             </a:pPr>
             <a:r>
-              <a:rPr i="0" lang="en-US" sz="5200" u="none" cap="none" strike="noStrike">
+              <a:rPr lang="en-US" sz="5200" i="0" u="none" strike="noStrike" cap="none">
                 <a:solidFill>
                   <a:srgbClr val="FFFFFF"/>
                 </a:solidFill>
@@ -8739,9 +8924,11 @@
       <p:sp>
         <p:nvSpPr>
           <p:cNvPr id="71" name="Google Shape;71;p16"/>
-          <p:cNvSpPr txBox="1"/>
+          <p:cNvSpPr txBox="1">
+            <a:spLocks noGrp="1"/>
+          </p:cNvSpPr>
           <p:nvPr>
-            <p:ph idx="4294967295" type="subTitle"/>
+            <p:ph type="subTitle" idx="4294967295"/>
           </p:nvPr>
         </p:nvSpPr>
         <p:spPr>
@@ -8758,12 +8945,12 @@
           </a:ln>
         </p:spPr>
         <p:txBody>
-          <a:bodyPr anchorCtr="0" anchor="t" bIns="91400" lIns="91400" spcFirstLastPara="1" rIns="91400" wrap="square" tIns="91400">
+          <a:bodyPr spcFirstLastPara="1" wrap="square" lIns="91400" tIns="91400" rIns="91400" bIns="91400" anchor="t" anchorCtr="0">
             <a:normAutofit/>
           </a:bodyPr>
           <a:lstStyle/>
           <a:p>
-            <a:pPr indent="0" lvl="0" marL="0" marR="0" rtl="0" algn="ctr">
+            <a:pPr marL="0" marR="0" lvl="0" indent="0" algn="ctr" rtl="0">
               <a:lnSpc>
                 <a:spcPct val="100000"/>
               </a:lnSpc>
@@ -8781,7 +8968,7 @@
               <a:buNone/>
             </a:pPr>
             <a:r>
-              <a:rPr b="0" i="0" lang="en-US" sz="2520" u="none" cap="none" strike="noStrike">
+              <a:rPr lang="en-US" sz="2520" b="0" i="0" u="none" strike="noStrike" cap="none">
                 <a:solidFill>
                   <a:schemeClr val="accent5"/>
                 </a:solidFill>
@@ -8809,11 +8996,11 @@
 </file>
 
 <file path=ppt/slides/slide10.xml><?xml version="1.0" encoding="utf-8"?>
-<p:sld xmlns:a="http://schemas.openxmlformats.org/drawingml/2006/main" xmlns:r="http://schemas.openxmlformats.org/officeDocument/2006/relationships" xmlns:mc="http://schemas.openxmlformats.org/markup-compatibility/2006" xmlns:mv="urn:schemas-microsoft-com:mac:vml" xmlns:p="http://schemas.openxmlformats.org/presentationml/2006/main" xmlns:c="http://schemas.openxmlformats.org/drawingml/2006/chart" xmlns:dgm="http://schemas.openxmlformats.org/drawingml/2006/diagram" xmlns:o="urn:schemas-microsoft-com:office:office" xmlns:v="urn:schemas-microsoft-com:vml" xmlns:pvml="urn:schemas-microsoft-com:office:powerpoint" xmlns:com="http://schemas.openxmlformats.org/drawingml/2006/compatibility" xmlns:p14="http://schemas.microsoft.com/office/powerpoint/2010/main" xmlns:p15="http://schemas.microsoft.com/office/powerpoint/2012/main" xmlns:ahyp="http://schemas.microsoft.com/office/drawing/2018/hyperlinkcolor">
+<p:sld xmlns:a="http://schemas.openxmlformats.org/drawingml/2006/main" xmlns:r="http://schemas.openxmlformats.org/officeDocument/2006/relationships" xmlns:p="http://schemas.openxmlformats.org/presentationml/2006/main">
   <p:cSld>
     <p:spTree>
       <p:nvGrpSpPr>
-        <p:cNvPr id="123" name="Shape 123"/>
+        <p:cNvPr id="1" name="Shape 123"/>
         <p:cNvGrpSpPr/>
         <p:nvPr/>
       </p:nvGrpSpPr>
@@ -8828,7 +9015,9 @@
       <p:sp>
         <p:nvSpPr>
           <p:cNvPr id="124" name="Google Shape;124;p25"/>
-          <p:cNvSpPr txBox="1"/>
+          <p:cNvSpPr txBox="1">
+            <a:spLocks noGrp="1"/>
+          </p:cNvSpPr>
           <p:nvPr>
             <p:ph type="title"/>
           </p:nvPr>
@@ -8847,12 +9036,12 @@
           </a:ln>
         </p:spPr>
         <p:txBody>
-          <a:bodyPr anchorCtr="0" anchor="t" bIns="91400" lIns="91400" spcFirstLastPara="1" rIns="91400" wrap="square" tIns="91400">
+          <a:bodyPr spcFirstLastPara="1" wrap="square" lIns="91400" tIns="91400" rIns="91400" bIns="91400" anchor="t" anchorCtr="0">
             <a:normAutofit fontScale="90000"/>
           </a:bodyPr>
           <a:lstStyle/>
           <a:p>
-            <a:pPr indent="0" lvl="0" marL="0" marR="0" rtl="0" algn="l">
+            <a:pPr marL="0" marR="0" lvl="0" indent="0" algn="l" rtl="0">
               <a:lnSpc>
                 <a:spcPct val="100000"/>
               </a:lnSpc>
@@ -8880,9 +9069,11 @@
       <p:sp>
         <p:nvSpPr>
           <p:cNvPr id="125" name="Google Shape;125;p25"/>
-          <p:cNvSpPr txBox="1"/>
+          <p:cNvSpPr txBox="1">
+            <a:spLocks noGrp="1"/>
+          </p:cNvSpPr>
           <p:nvPr>
-            <p:ph idx="1" type="body"/>
+            <p:ph type="body" idx="1"/>
           </p:nvPr>
         </p:nvSpPr>
         <p:spPr>
@@ -8899,12 +9090,12 @@
           </a:ln>
         </p:spPr>
         <p:txBody>
-          <a:bodyPr anchorCtr="0" anchor="t" bIns="91400" lIns="91400" spcFirstLastPara="1" rIns="91400" wrap="square" tIns="91400">
+          <a:bodyPr spcFirstLastPara="1" wrap="square" lIns="91400" tIns="91400" rIns="91400" bIns="91400" anchor="t" anchorCtr="0">
             <a:normAutofit/>
           </a:bodyPr>
           <a:lstStyle/>
           <a:p>
-            <a:pPr indent="0" lvl="0" marL="0" rtl="0" algn="l">
+            <a:pPr marL="0" lvl="0" indent="0" algn="l" rtl="0">
               <a:lnSpc>
                 <a:spcPct val="115000"/>
               </a:lnSpc>
@@ -8916,9 +9107,6 @@
               </a:spcAft>
               <a:buNone/>
             </a:pPr>
-            <a:r>
-              <a:t/>
-            </a:r>
             <a:endParaRPr>
               <a:solidFill>
                 <a:schemeClr val="dk1"/>
@@ -8926,7 +9114,7 @@
             </a:endParaRPr>
           </a:p>
           <a:p>
-            <a:pPr indent="-342900" lvl="0" marL="457200" rtl="0" algn="l">
+            <a:pPr marL="457200" lvl="0" indent="-342900" algn="l" rtl="0">
               <a:lnSpc>
                 <a:spcPct val="115000"/>
               </a:lnSpc>
@@ -8971,11 +9159,11 @@
 </file>
 
 <file path=ppt/slides/slide2.xml><?xml version="1.0" encoding="utf-8"?>
-<p:sld xmlns:a="http://schemas.openxmlformats.org/drawingml/2006/main" xmlns:r="http://schemas.openxmlformats.org/officeDocument/2006/relationships" xmlns:mc="http://schemas.openxmlformats.org/markup-compatibility/2006" xmlns:mv="urn:schemas-microsoft-com:mac:vml" xmlns:p="http://schemas.openxmlformats.org/presentationml/2006/main" xmlns:c="http://schemas.openxmlformats.org/drawingml/2006/chart" xmlns:dgm="http://schemas.openxmlformats.org/drawingml/2006/diagram" xmlns:o="urn:schemas-microsoft-com:office:office" xmlns:v="urn:schemas-microsoft-com:vml" xmlns:pvml="urn:schemas-microsoft-com:office:powerpoint" xmlns:com="http://schemas.openxmlformats.org/drawingml/2006/compatibility" xmlns:p14="http://schemas.microsoft.com/office/powerpoint/2010/main" xmlns:p15="http://schemas.microsoft.com/office/powerpoint/2012/main" xmlns:ahyp="http://schemas.microsoft.com/office/drawing/2018/hyperlinkcolor">
+<p:sld xmlns:a="http://schemas.openxmlformats.org/drawingml/2006/main" xmlns:r="http://schemas.openxmlformats.org/officeDocument/2006/relationships" xmlns:p="http://schemas.openxmlformats.org/presentationml/2006/main">
   <p:cSld>
     <p:spTree>
       <p:nvGrpSpPr>
-        <p:cNvPr id="75" name="Shape 75"/>
+        <p:cNvPr id="1" name="Shape 75"/>
         <p:cNvGrpSpPr/>
         <p:nvPr/>
       </p:nvGrpSpPr>
@@ -8990,7 +9178,9 @@
       <p:sp>
         <p:nvSpPr>
           <p:cNvPr id="76" name="Google Shape;76;p17"/>
-          <p:cNvSpPr txBox="1"/>
+          <p:cNvSpPr txBox="1">
+            <a:spLocks noGrp="1"/>
+          </p:cNvSpPr>
           <p:nvPr>
             <p:ph type="title"/>
           </p:nvPr>
@@ -9009,12 +9199,12 @@
           </a:ln>
         </p:spPr>
         <p:txBody>
-          <a:bodyPr anchorCtr="0" anchor="ctr" bIns="91400" lIns="91400" spcFirstLastPara="1" rIns="91400" wrap="square" tIns="91400">
+          <a:bodyPr spcFirstLastPara="1" wrap="square" lIns="91400" tIns="91400" rIns="91400" bIns="91400" anchor="ctr" anchorCtr="0">
             <a:normAutofit/>
           </a:bodyPr>
           <a:lstStyle/>
           <a:p>
-            <a:pPr indent="0" lvl="0" marL="0" rtl="0" algn="ctr">
+            <a:pPr marL="0" lvl="0" indent="0" algn="ctr" rtl="0">
               <a:lnSpc>
                 <a:spcPct val="100000"/>
               </a:lnSpc>
@@ -9056,7 +9246,7 @@
         <p:spPr>
           <a:xfrm>
             <a:off x="799664" y="1320887"/>
-            <a:ext cx="7544700" cy="3971100"/>
+            <a:ext cx="7544700" cy="4185721"/>
           </a:xfrm>
           <a:prstGeom prst="rect">
             <a:avLst/>
@@ -9067,12 +9257,12 @@
           </a:ln>
         </p:spPr>
         <p:txBody>
-          <a:bodyPr anchorCtr="0" anchor="t" bIns="45700" lIns="45700" spcFirstLastPara="1" rIns="45700" wrap="square" tIns="45700">
+          <a:bodyPr spcFirstLastPara="1" wrap="square" lIns="45700" tIns="45700" rIns="45700" bIns="45700" anchor="t" anchorCtr="0">
             <a:spAutoFit/>
           </a:bodyPr>
           <a:lstStyle/>
           <a:p>
-            <a:pPr indent="0" lvl="0" marL="0" marR="0" rtl="0" algn="just">
+            <a:pPr marR="0" lvl="0" algn="just" rtl="0">
               <a:lnSpc>
                 <a:spcPct val="100000"/>
               </a:lnSpc>
@@ -9086,11 +9276,9 @@
                 <a:srgbClr val="000000"/>
               </a:buClr>
               <a:buSzPts val="1400"/>
-              <a:buFont typeface="Arial"/>
-              <a:buNone/>
             </a:pPr>
             <a:r>
-              <a:rPr b="0" i="0" lang="en-US" sz="1400" u="none" cap="none" strike="noStrike">
+              <a:rPr lang="en-US" sz="1400" b="0" i="0" u="none" strike="noStrike" cap="none" dirty="0">
                 <a:solidFill>
                   <a:srgbClr val="EEEEEE"/>
                 </a:solidFill>
@@ -9102,7 +9290,7 @@
               <a:t>Swift Panda RS </a:t>
             </a:r>
             <a:r>
-              <a:rPr b="0" i="0" lang="en-US" sz="1400" u="none" cap="none" strike="noStrike">
+              <a:rPr lang="en-US" sz="1400" b="0" i="0" u="none" strike="noStrike" cap="none" dirty="0">
                 <a:solidFill>
                   <a:srgbClr val="EEEEEE"/>
                 </a:solidFill>
@@ -9117,7 +9305,7 @@
               <a:t>LLC </a:t>
             </a:r>
             <a:r>
-              <a:rPr b="0" i="0" lang="en-US" sz="1400" u="none" cap="none" strike="noStrike">
+              <a:rPr lang="en-US" sz="1400" b="0" i="0" u="none" strike="noStrike" cap="none" dirty="0">
                 <a:solidFill>
                   <a:srgbClr val="EEEEEE"/>
                 </a:solidFill>
@@ -9128,14 +9316,14 @@
               </a:rPr>
               <a:t>was presented with a problem:</a:t>
             </a:r>
-            <a:endParaRPr>
+            <a:endParaRPr dirty="0">
               <a:solidFill>
                 <a:srgbClr val="EEEEEE"/>
               </a:solidFill>
             </a:endParaRPr>
           </a:p>
           <a:p>
-            <a:pPr indent="0" lvl="0" marL="0" marR="0" rtl="0" algn="just">
+            <a:pPr marL="0" marR="0" lvl="0" indent="0" algn="just" rtl="0">
               <a:lnSpc>
                 <a:spcPct val="100000"/>
               </a:lnSpc>
@@ -9153,7 +9341,7 @@
               <a:buNone/>
             </a:pPr>
             <a:r>
-              <a:rPr b="0" i="0" lang="en-US" sz="1400" u="none" cap="none" strike="noStrike">
+              <a:rPr lang="en-US" sz="1400" b="0" i="0" u="none" strike="noStrike" cap="none" dirty="0">
                 <a:solidFill>
                   <a:srgbClr val="EEEEEE"/>
                 </a:solidFill>
@@ -9164,7 +9352,7 @@
               </a:rPr>
               <a:t>Investment Inc. is consumed with research for potential investment strategies. The process is highly time-consuming; the client is overwhelmed with the amount of data available on the web, which often leads to losing track of valuable metrics. Moreover, Investment Inc. must spend a significant amount of monthly capital on maintaining multiple data gathering services subscriptions. </a:t>
             </a:r>
-            <a:endParaRPr b="0" i="0" sz="1400" u="none" cap="none" strike="noStrike">
+            <a:endParaRPr sz="1400" b="0" i="0" u="none" strike="noStrike" cap="none" dirty="0">
               <a:solidFill>
                 <a:srgbClr val="EEEEEE"/>
               </a:solidFill>
@@ -9175,7 +9363,7 @@
             </a:endParaRPr>
           </a:p>
           <a:p>
-            <a:pPr indent="0" lvl="0" marL="0" marR="0" rtl="0" algn="just">
+            <a:pPr marL="0" marR="0" lvl="0" indent="0" algn="just" rtl="0">
               <a:lnSpc>
                 <a:spcPct val="100000"/>
               </a:lnSpc>
@@ -9192,17 +9380,14 @@
               <a:buFont typeface="Arial"/>
               <a:buNone/>
             </a:pPr>
-            <a:r>
-              <a:t/>
-            </a:r>
-            <a:endParaRPr>
+            <a:endParaRPr dirty="0">
               <a:solidFill>
                 <a:srgbClr val="EEEEEE"/>
               </a:solidFill>
             </a:endParaRPr>
           </a:p>
           <a:p>
-            <a:pPr indent="0" lvl="0" marL="0" marR="0" rtl="0" algn="just">
+            <a:pPr marL="0" marR="0" lvl="0" indent="0" algn="just" rtl="0">
               <a:lnSpc>
                 <a:spcPct val="100000"/>
               </a:lnSpc>
@@ -9220,7 +9405,7 @@
               <a:buNone/>
             </a:pPr>
             <a:r>
-              <a:rPr b="0" i="0" lang="en-US" sz="1400" u="none" cap="none" strike="noStrike">
+              <a:rPr lang="en-US" sz="1400" b="0" i="0" u="none" strike="noStrike" cap="none" dirty="0">
                 <a:solidFill>
                   <a:srgbClr val="EEEEEE"/>
                 </a:solidFill>
@@ -9231,14 +9416,33 @@
               </a:rPr>
               <a:t>The client desires to improve the efficiency of the research process and significantly decrease the time spent, have advanced filtering of proper metrics, reduce spending for subscription services, improve investment strategies, and generate more capital long term. </a:t>
             </a:r>
-            <a:endParaRPr>
+          </a:p>
+          <a:p>
+            <a:pPr marL="0" marR="0" lvl="0" indent="0" algn="just" rtl="0">
+              <a:lnSpc>
+                <a:spcPct val="100000"/>
+              </a:lnSpc>
+              <a:spcBef>
+                <a:spcPts val="0"/>
+              </a:spcBef>
+              <a:spcAft>
+                <a:spcPts val="0"/>
+              </a:spcAft>
+              <a:buClr>
+                <a:srgbClr val="000000"/>
+              </a:buClr>
+              <a:buSzPts val="1400"/>
+              <a:buFont typeface="Arial"/>
+              <a:buNone/>
+            </a:pPr>
+            <a:endParaRPr dirty="0">
               <a:solidFill>
                 <a:srgbClr val="EEEEEE"/>
               </a:solidFill>
             </a:endParaRPr>
           </a:p>
           <a:p>
-            <a:pPr indent="0" lvl="0" marL="0" marR="0" rtl="0" algn="just">
+            <a:pPr marL="0" marR="0" lvl="0" indent="0" algn="just" rtl="0">
               <a:lnSpc>
                 <a:spcPct val="100000"/>
               </a:lnSpc>
@@ -9256,7 +9460,7 @@
               <a:buNone/>
             </a:pPr>
             <a:r>
-              <a:rPr b="0" i="0" lang="en-US" sz="1400" u="none" cap="none" strike="noStrike">
+              <a:rPr lang="en-US" sz="1400" b="0" i="0" u="none" strike="noStrike" cap="none" dirty="0">
                 <a:solidFill>
                   <a:srgbClr val="EEEEEE"/>
                 </a:solidFill>
@@ -9265,16 +9469,40 @@
                 <a:cs typeface="Arial"/>
                 <a:sym typeface="Arial"/>
               </a:rPr>
-              <a:t>Swift Panda RS presented the solution of an investment tool to improve the stock picking strategy and portfolio creation with the implementation of the API to access financial data to perform analysis. The solution is presented with Python, Pandas, and PyViz technologies. </a:t>
+              <a:t>Swift Panda RS presented the solution of an investment tool to improve the stock picking strategy and portfolio creation with the implementation of the API to access financial data to perform analysis. The solution is presented with Python, Pandas, and </a:t>
             </a:r>
-            <a:endParaRPr>
+            <a:r>
+              <a:rPr lang="en-US" sz="1400" b="0" i="0" u="none" strike="noStrike" cap="none" dirty="0" err="1">
+                <a:solidFill>
+                  <a:srgbClr val="EEEEEE"/>
+                </a:solidFill>
+                <a:latin typeface="Arial"/>
+                <a:ea typeface="Arial"/>
+                <a:cs typeface="Arial"/>
+                <a:sym typeface="Arial"/>
+              </a:rPr>
+              <a:t>PyViz</a:t>
+            </a:r>
+            <a:r>
+              <a:rPr lang="en-US" sz="1400" b="0" i="0" u="none" strike="noStrike" cap="none" dirty="0">
+                <a:solidFill>
+                  <a:srgbClr val="EEEEEE"/>
+                </a:solidFill>
+                <a:latin typeface="Arial"/>
+                <a:ea typeface="Arial"/>
+                <a:cs typeface="Arial"/>
+                <a:sym typeface="Arial"/>
+              </a:rPr>
+              <a:t> technologies. </a:t>
+            </a:r>
+            <a:endParaRPr dirty="0">
               <a:solidFill>
                 <a:srgbClr val="EEEEEE"/>
               </a:solidFill>
             </a:endParaRPr>
           </a:p>
           <a:p>
-            <a:pPr indent="0" lvl="0" marL="0" marR="0" rtl="0" algn="just">
+            <a:pPr marL="0" marR="0" lvl="0" indent="0" algn="just" rtl="0">
               <a:lnSpc>
                 <a:spcPct val="100000"/>
               </a:lnSpc>
@@ -9292,7 +9520,7 @@
               <a:buNone/>
             </a:pPr>
             <a:r>
-              <a:rPr b="0" i="0" lang="en-US" sz="1400" u="none" cap="none" strike="noStrike">
+              <a:rPr lang="en-US" sz="1400" b="0" i="0" u="none" strike="noStrike" cap="none" dirty="0">
                 <a:solidFill>
                   <a:srgbClr val="EEEEEE"/>
                 </a:solidFill>
@@ -9303,14 +9531,14 @@
               </a:rPr>
               <a:t>We interpret data in presentable ways for clients to further make appropriate investment decisions. </a:t>
             </a:r>
-            <a:endParaRPr>
+            <a:endParaRPr dirty="0">
               <a:solidFill>
                 <a:srgbClr val="EEEEEE"/>
               </a:solidFill>
             </a:endParaRPr>
           </a:p>
           <a:p>
-            <a:pPr indent="0" lvl="0" marL="0" marR="0" rtl="0" algn="just">
+            <a:pPr marL="0" marR="0" lvl="0" indent="0" algn="just" rtl="0">
               <a:lnSpc>
                 <a:spcPct val="100000"/>
               </a:lnSpc>
@@ -9327,10 +9555,7 @@
               <a:buFont typeface="Arial"/>
               <a:buNone/>
             </a:pPr>
-            <a:r>
-              <a:t/>
-            </a:r>
-            <a:endParaRPr b="0" i="0" sz="1400" u="none" cap="none" strike="noStrike">
+            <a:endParaRPr sz="1400" b="0" i="0" u="none" strike="noStrike" cap="none" dirty="0">
               <a:solidFill>
                 <a:srgbClr val="EEEEEE"/>
               </a:solidFill>
@@ -9341,7 +9566,7 @@
             </a:endParaRPr>
           </a:p>
           <a:p>
-            <a:pPr indent="0" lvl="0" marL="0" marR="0" rtl="0" algn="just">
+            <a:pPr marL="0" marR="0" lvl="0" indent="0" algn="just" rtl="0">
               <a:lnSpc>
                 <a:spcPct val="100000"/>
               </a:lnSpc>
@@ -9358,10 +9583,7 @@
               <a:buFont typeface="Arial"/>
               <a:buNone/>
             </a:pPr>
-            <a:r>
-              <a:t/>
-            </a:r>
-            <a:endParaRPr b="0" i="0" sz="1400" u="none" cap="none" strike="noStrike">
+            <a:endParaRPr sz="1400" b="0" i="0" u="none" strike="noStrike" cap="none" dirty="0">
               <a:solidFill>
                 <a:srgbClr val="EEEEEE"/>
               </a:solidFill>
@@ -9372,7 +9594,7 @@
             </a:endParaRPr>
           </a:p>
           <a:p>
-            <a:pPr indent="0" lvl="0" marL="0" marR="0" rtl="0" algn="just">
+            <a:pPr marL="0" marR="0" lvl="0" indent="0" algn="just" rtl="0">
               <a:lnSpc>
                 <a:spcPct val="100000"/>
               </a:lnSpc>
@@ -9389,10 +9611,7 @@
               <a:buFont typeface="Arial"/>
               <a:buNone/>
             </a:pPr>
-            <a:r>
-              <a:t/>
-            </a:r>
-            <a:endParaRPr b="0" i="0" sz="1400" u="none" cap="none" strike="noStrike">
+            <a:endParaRPr sz="1400" b="0" i="0" u="none" strike="noStrike" cap="none" dirty="0">
               <a:solidFill>
                 <a:srgbClr val="000000"/>
               </a:solidFill>
@@ -9406,7 +9625,7 @@
       </p:sp>
       <p:pic>
         <p:nvPicPr>
-          <p:cNvPr descr="taxman-panda-sm.jpg" id="78" name="Google Shape;78;p17"/>
+          <p:cNvPr id="78" name="Google Shape;78;p17" descr="taxman-panda-sm.jpg"/>
           <p:cNvPicPr preferRelativeResize="0"/>
           <p:nvPr/>
         </p:nvPicPr>
@@ -9414,7 +9633,7 @@
           <a:blip r:embed="rId3">
             <a:alphaModFix/>
           </a:blip>
-          <a:srcRect b="0" l="0" r="0" t="0"/>
+          <a:srcRect/>
           <a:stretch/>
         </p:blipFill>
         <p:spPr>
@@ -9440,11 +9659,11 @@
 </file>
 
 <file path=ppt/slides/slide3.xml><?xml version="1.0" encoding="utf-8"?>
-<p:sld xmlns:a="http://schemas.openxmlformats.org/drawingml/2006/main" xmlns:r="http://schemas.openxmlformats.org/officeDocument/2006/relationships" xmlns:mc="http://schemas.openxmlformats.org/markup-compatibility/2006" xmlns:mv="urn:schemas-microsoft-com:mac:vml" xmlns:p="http://schemas.openxmlformats.org/presentationml/2006/main" xmlns:c="http://schemas.openxmlformats.org/drawingml/2006/chart" xmlns:dgm="http://schemas.openxmlformats.org/drawingml/2006/diagram" xmlns:o="urn:schemas-microsoft-com:office:office" xmlns:v="urn:schemas-microsoft-com:vml" xmlns:pvml="urn:schemas-microsoft-com:office:powerpoint" xmlns:com="http://schemas.openxmlformats.org/drawingml/2006/compatibility" xmlns:p14="http://schemas.microsoft.com/office/powerpoint/2010/main" xmlns:p15="http://schemas.microsoft.com/office/powerpoint/2012/main" xmlns:ahyp="http://schemas.microsoft.com/office/drawing/2018/hyperlinkcolor">
+<p:sld xmlns:a="http://schemas.openxmlformats.org/drawingml/2006/main" xmlns:r="http://schemas.openxmlformats.org/officeDocument/2006/relationships" xmlns:p="http://schemas.openxmlformats.org/presentationml/2006/main">
   <p:cSld>
     <p:spTree>
       <p:nvGrpSpPr>
-        <p:cNvPr id="82" name="Shape 82"/>
+        <p:cNvPr id="1" name="Shape 82"/>
         <p:cNvGrpSpPr/>
         <p:nvPr/>
       </p:nvGrpSpPr>
@@ -9459,7 +9678,9 @@
       <p:sp>
         <p:nvSpPr>
           <p:cNvPr id="83" name="Google Shape;83;p18"/>
-          <p:cNvSpPr txBox="1"/>
+          <p:cNvSpPr txBox="1">
+            <a:spLocks noGrp="1"/>
+          </p:cNvSpPr>
           <p:nvPr>
             <p:ph type="title"/>
           </p:nvPr>
@@ -9478,12 +9699,12 @@
           </a:ln>
         </p:spPr>
         <p:txBody>
-          <a:bodyPr anchorCtr="0" anchor="t" bIns="91400" lIns="91400" spcFirstLastPara="1" rIns="91400" wrap="square" tIns="91400">
+          <a:bodyPr spcFirstLastPara="1" wrap="square" lIns="91400" tIns="91400" rIns="91400" bIns="91400" anchor="t" anchorCtr="0">
             <a:normAutofit fontScale="90000"/>
           </a:bodyPr>
           <a:lstStyle/>
           <a:p>
-            <a:pPr indent="0" lvl="0" marL="0" marR="0" rtl="0" algn="l">
+            <a:pPr marL="0" marR="0" lvl="0" indent="0" algn="l" rtl="0">
               <a:lnSpc>
                 <a:spcPct val="100000"/>
               </a:lnSpc>
@@ -9519,9 +9740,11 @@
       <p:sp>
         <p:nvSpPr>
           <p:cNvPr id="84" name="Google Shape;84;p18"/>
-          <p:cNvSpPr txBox="1"/>
+          <p:cNvSpPr txBox="1">
+            <a:spLocks noGrp="1"/>
+          </p:cNvSpPr>
           <p:nvPr>
-            <p:ph idx="1" type="body"/>
+            <p:ph type="body" idx="1"/>
           </p:nvPr>
         </p:nvSpPr>
         <p:spPr>
@@ -9538,12 +9761,12 @@
           </a:ln>
         </p:spPr>
         <p:txBody>
-          <a:bodyPr anchorCtr="0" anchor="t" bIns="91400" lIns="91400" spcFirstLastPara="1" rIns="91400" wrap="square" tIns="91400">
+          <a:bodyPr spcFirstLastPara="1" wrap="square" lIns="91400" tIns="91400" rIns="91400" bIns="91400" anchor="t" anchorCtr="0">
             <a:normAutofit/>
           </a:bodyPr>
           <a:lstStyle/>
           <a:p>
-            <a:pPr indent="-317500" lvl="0" marL="457200" rtl="0" algn="l">
+            <a:pPr marL="457200" lvl="0" indent="-317500" algn="l" rtl="0">
               <a:lnSpc>
                 <a:spcPct val="100000"/>
               </a:lnSpc>
@@ -9583,7 +9806,7 @@
             </a:endParaRPr>
           </a:p>
           <a:p>
-            <a:pPr indent="-317500" lvl="0" marL="457200" rtl="0" algn="l">
+            <a:pPr marL="457200" lvl="0" indent="-317500" algn="l" rtl="0">
               <a:lnSpc>
                 <a:spcPct val="100000"/>
               </a:lnSpc>
@@ -9623,7 +9846,7 @@
             </a:endParaRPr>
           </a:p>
           <a:p>
-            <a:pPr indent="-317500" lvl="0" marL="457200" rtl="0" algn="l">
+            <a:pPr marL="457200" lvl="0" indent="-317500" algn="l" rtl="0">
               <a:lnSpc>
                 <a:spcPct val="100000"/>
               </a:lnSpc>
@@ -9673,11 +9896,11 @@
 </file>
 
 <file path=ppt/slides/slide4.xml><?xml version="1.0" encoding="utf-8"?>
-<p:sld xmlns:a="http://schemas.openxmlformats.org/drawingml/2006/main" xmlns:r="http://schemas.openxmlformats.org/officeDocument/2006/relationships" xmlns:mc="http://schemas.openxmlformats.org/markup-compatibility/2006" xmlns:mv="urn:schemas-microsoft-com:mac:vml" xmlns:p="http://schemas.openxmlformats.org/presentationml/2006/main" xmlns:c="http://schemas.openxmlformats.org/drawingml/2006/chart" xmlns:dgm="http://schemas.openxmlformats.org/drawingml/2006/diagram" xmlns:o="urn:schemas-microsoft-com:office:office" xmlns:v="urn:schemas-microsoft-com:vml" xmlns:pvml="urn:schemas-microsoft-com:office:powerpoint" xmlns:com="http://schemas.openxmlformats.org/drawingml/2006/compatibility" xmlns:p14="http://schemas.microsoft.com/office/powerpoint/2010/main" xmlns:p15="http://schemas.microsoft.com/office/powerpoint/2012/main" xmlns:ahyp="http://schemas.microsoft.com/office/drawing/2018/hyperlinkcolor">
+<p:sld xmlns:a="http://schemas.openxmlformats.org/drawingml/2006/main" xmlns:r="http://schemas.openxmlformats.org/officeDocument/2006/relationships" xmlns:p="http://schemas.openxmlformats.org/presentationml/2006/main">
   <p:cSld>
     <p:spTree>
       <p:nvGrpSpPr>
-        <p:cNvPr id="88" name="Shape 88"/>
+        <p:cNvPr id="1" name="Shape 88"/>
         <p:cNvGrpSpPr/>
         <p:nvPr/>
       </p:nvGrpSpPr>
@@ -9692,7 +9915,9 @@
       <p:sp>
         <p:nvSpPr>
           <p:cNvPr id="89" name="Google Shape;89;p19"/>
-          <p:cNvSpPr txBox="1"/>
+          <p:cNvSpPr txBox="1">
+            <a:spLocks noGrp="1"/>
+          </p:cNvSpPr>
           <p:nvPr>
             <p:ph type="title"/>
           </p:nvPr>
@@ -9711,12 +9936,12 @@
           </a:ln>
         </p:spPr>
         <p:txBody>
-          <a:bodyPr anchorCtr="0" anchor="t" bIns="91400" lIns="91400" spcFirstLastPara="1" rIns="91400" wrap="square" tIns="91400">
+          <a:bodyPr spcFirstLastPara="1" wrap="square" lIns="91400" tIns="91400" rIns="91400" bIns="91400" anchor="t" anchorCtr="0">
             <a:normAutofit fontScale="90000"/>
           </a:bodyPr>
           <a:lstStyle/>
           <a:p>
-            <a:pPr indent="0" lvl="0" marL="0" marR="0" rtl="0" algn="l">
+            <a:pPr marL="0" marR="0" lvl="0" indent="0" algn="l" rtl="0">
               <a:lnSpc>
                 <a:spcPct val="100000"/>
               </a:lnSpc>
@@ -9752,9 +9977,11 @@
       <p:sp>
         <p:nvSpPr>
           <p:cNvPr id="90" name="Google Shape;90;p19"/>
-          <p:cNvSpPr txBox="1"/>
+          <p:cNvSpPr txBox="1">
+            <a:spLocks noGrp="1"/>
+          </p:cNvSpPr>
           <p:nvPr>
-            <p:ph idx="1" type="body"/>
+            <p:ph type="body" idx="1"/>
           </p:nvPr>
         </p:nvSpPr>
         <p:spPr>
@@ -9771,12 +9998,12 @@
           </a:ln>
         </p:spPr>
         <p:txBody>
-          <a:bodyPr anchorCtr="0" anchor="t" bIns="91400" lIns="91400" spcFirstLastPara="1" rIns="91400" wrap="square" tIns="91400">
+          <a:bodyPr spcFirstLastPara="1" wrap="square" lIns="91400" tIns="91400" rIns="91400" bIns="91400" anchor="t" anchorCtr="0">
             <a:normAutofit lnSpcReduction="10000"/>
           </a:bodyPr>
           <a:lstStyle/>
           <a:p>
-            <a:pPr indent="-260350" lvl="0" marL="374904" rtl="0" algn="l">
+            <a:pPr marL="374904" lvl="0" indent="-260350" algn="l" rtl="0">
               <a:lnSpc>
                 <a:spcPct val="100000"/>
               </a:lnSpc>
@@ -9817,7 +10044,7 @@
                 <a:hlinkClick r:id="rId3">
                   <a:extLst>
                     <a:ext uri="{A12FA001-AC4F-418D-AE19-62706E023703}">
-                      <ahyp:hlinkClr val="tx"/>
+                      <ahyp:hlinkClr xmlns:ahyp="http://schemas.microsoft.com/office/drawing/2018/hyperlinkcolor" val="tx"/>
                     </a:ext>
                   </a:extLst>
                 </a:hlinkClick>
@@ -9847,7 +10074,7 @@
             </a:endParaRPr>
           </a:p>
           <a:p>
-            <a:pPr indent="-260350" lvl="0" marL="374904" rtl="0" algn="l">
+            <a:pPr marL="374904" lvl="0" indent="-260350" algn="l" rtl="0">
               <a:lnSpc>
                 <a:spcPct val="100000"/>
               </a:lnSpc>
@@ -9887,7 +10114,7 @@
             </a:endParaRPr>
           </a:p>
           <a:p>
-            <a:pPr indent="-260350" lvl="0" marL="374904" rtl="0" algn="l">
+            <a:pPr marL="374904" lvl="0" indent="-260350" algn="l" rtl="0">
               <a:lnSpc>
                 <a:spcPct val="100000"/>
               </a:lnSpc>
@@ -9927,7 +10154,7 @@
             </a:endParaRPr>
           </a:p>
           <a:p>
-            <a:pPr indent="-260350" lvl="0" marL="374904" rtl="0" algn="l">
+            <a:pPr marL="374904" lvl="0" indent="-260350" algn="l" rtl="0">
               <a:lnSpc>
                 <a:spcPct val="100000"/>
               </a:lnSpc>
@@ -9967,7 +10194,7 @@
             </a:endParaRPr>
           </a:p>
           <a:p>
-            <a:pPr indent="-260350" lvl="0" marL="374904" rtl="0" algn="l">
+            <a:pPr marL="374904" lvl="0" indent="-260350" algn="l" rtl="0">
               <a:lnSpc>
                 <a:spcPct val="100000"/>
               </a:lnSpc>
@@ -10017,11 +10244,11 @@
 </file>
 
 <file path=ppt/slides/slide5.xml><?xml version="1.0" encoding="utf-8"?>
-<p:sld xmlns:a="http://schemas.openxmlformats.org/drawingml/2006/main" xmlns:r="http://schemas.openxmlformats.org/officeDocument/2006/relationships" xmlns:mc="http://schemas.openxmlformats.org/markup-compatibility/2006" xmlns:mv="urn:schemas-microsoft-com:mac:vml" xmlns:p="http://schemas.openxmlformats.org/presentationml/2006/main" xmlns:c="http://schemas.openxmlformats.org/drawingml/2006/chart" xmlns:dgm="http://schemas.openxmlformats.org/drawingml/2006/diagram" xmlns:o="urn:schemas-microsoft-com:office:office" xmlns:v="urn:schemas-microsoft-com:vml" xmlns:pvml="urn:schemas-microsoft-com:office:powerpoint" xmlns:com="http://schemas.openxmlformats.org/drawingml/2006/compatibility" xmlns:p14="http://schemas.microsoft.com/office/powerpoint/2010/main" xmlns:p15="http://schemas.microsoft.com/office/powerpoint/2012/main" xmlns:ahyp="http://schemas.microsoft.com/office/drawing/2018/hyperlinkcolor">
+<p:sld xmlns:a="http://schemas.openxmlformats.org/drawingml/2006/main" xmlns:r="http://schemas.openxmlformats.org/officeDocument/2006/relationships" xmlns:p="http://schemas.openxmlformats.org/presentationml/2006/main">
   <p:cSld>
     <p:spTree>
       <p:nvGrpSpPr>
-        <p:cNvPr id="94" name="Shape 94"/>
+        <p:cNvPr id="1" name="Shape 94"/>
         <p:cNvGrpSpPr/>
         <p:nvPr/>
       </p:nvGrpSpPr>
@@ -10036,7 +10263,9 @@
       <p:sp>
         <p:nvSpPr>
           <p:cNvPr id="95" name="Google Shape;95;p20"/>
-          <p:cNvSpPr txBox="1"/>
+          <p:cNvSpPr txBox="1">
+            <a:spLocks noGrp="1"/>
+          </p:cNvSpPr>
           <p:nvPr>
             <p:ph type="title"/>
           </p:nvPr>
@@ -10055,12 +10284,12 @@
           </a:ln>
         </p:spPr>
         <p:txBody>
-          <a:bodyPr anchorCtr="0" anchor="t" bIns="91400" lIns="91400" spcFirstLastPara="1" rIns="91400" wrap="square" tIns="91400">
+          <a:bodyPr spcFirstLastPara="1" wrap="square" lIns="91400" tIns="91400" rIns="91400" bIns="91400" anchor="t" anchorCtr="0">
             <a:normAutofit fontScale="90000"/>
           </a:bodyPr>
           <a:lstStyle/>
           <a:p>
-            <a:pPr indent="0" lvl="0" marL="0" marR="0" rtl="0" algn="l">
+            <a:pPr marL="0" marR="0" lvl="0" indent="0" algn="l" rtl="0">
               <a:lnSpc>
                 <a:spcPct val="100000"/>
               </a:lnSpc>
@@ -10096,9 +10325,11 @@
       <p:sp>
         <p:nvSpPr>
           <p:cNvPr id="96" name="Google Shape;96;p20"/>
-          <p:cNvSpPr txBox="1"/>
+          <p:cNvSpPr txBox="1">
+            <a:spLocks noGrp="1"/>
+          </p:cNvSpPr>
           <p:nvPr>
-            <p:ph idx="1" type="body"/>
+            <p:ph type="body" idx="1"/>
           </p:nvPr>
         </p:nvSpPr>
         <p:spPr>
@@ -10115,12 +10346,12 @@
           </a:ln>
         </p:spPr>
         <p:txBody>
-          <a:bodyPr anchorCtr="0" anchor="t" bIns="91400" lIns="91400" spcFirstLastPara="1" rIns="91400" wrap="square" tIns="91400">
-            <a:normAutofit lnSpcReduction="20000"/>
+          <a:bodyPr spcFirstLastPara="1" wrap="square" lIns="91400" tIns="91400" rIns="91400" bIns="91400" anchor="t" anchorCtr="0">
+            <a:normAutofit fontScale="92500" lnSpcReduction="20000"/>
           </a:bodyPr>
           <a:lstStyle/>
           <a:p>
-            <a:pPr indent="-281177" lvl="0" marL="374904" rtl="0" algn="l">
+            <a:pPr marL="374904" lvl="0" indent="-281177" algn="l" rtl="0">
               <a:lnSpc>
                 <a:spcPct val="115000"/>
               </a:lnSpc>
@@ -10138,7 +10369,7 @@
               <a:buChar char="●"/>
             </a:pPr>
             <a:r>
-              <a:rPr lang="en-US" sz="1476">
+              <a:rPr lang="en-US" sz="1476" dirty="0">
                 <a:solidFill>
                   <a:schemeClr val="dk1"/>
                 </a:solidFill>
@@ -10149,7 +10380,7 @@
               </a:rPr>
               <a:t>Technology Packages used: </a:t>
             </a:r>
-            <a:endParaRPr>
+            <a:endParaRPr dirty="0">
               <a:solidFill>
                 <a:schemeClr val="dk1"/>
               </a:solidFill>
@@ -10160,7 +10391,7 @@
             </a:endParaRPr>
           </a:p>
           <a:p>
-            <a:pPr indent="-281177" lvl="1" marL="770636" rtl="0" algn="l">
+            <a:pPr marL="770636" lvl="1" indent="-281177" algn="l" rtl="0">
               <a:lnSpc>
                 <a:spcPct val="115000"/>
               </a:lnSpc>
@@ -10178,7 +10409,7 @@
               <a:buChar char="●"/>
             </a:pPr>
             <a:r>
-              <a:rPr lang="en-US" sz="1476">
+              <a:rPr lang="en-US" sz="1476" dirty="0">
                 <a:solidFill>
                   <a:schemeClr val="dk1"/>
                 </a:solidFill>
@@ -10189,7 +10420,7 @@
               </a:rPr>
               <a:t>Python </a:t>
             </a:r>
-            <a:endParaRPr>
+            <a:endParaRPr dirty="0">
               <a:solidFill>
                 <a:schemeClr val="dk1"/>
               </a:solidFill>
@@ -10200,7 +10431,7 @@
             </a:endParaRPr>
           </a:p>
           <a:p>
-            <a:pPr indent="-281177" lvl="1" marL="770636" rtl="0" algn="l">
+            <a:pPr marL="770636" lvl="1" indent="-281177" algn="l" rtl="0">
               <a:lnSpc>
                 <a:spcPct val="115000"/>
               </a:lnSpc>
@@ -10218,7 +10449,7 @@
               <a:buChar char="●"/>
             </a:pPr>
             <a:r>
-              <a:rPr lang="en-US" sz="1476">
+              <a:rPr lang="en-US" sz="1476" dirty="0">
                 <a:solidFill>
                   <a:schemeClr val="dk1"/>
                 </a:solidFill>
@@ -10229,7 +10460,7 @@
               </a:rPr>
               <a:t>Pandas</a:t>
             </a:r>
-            <a:endParaRPr>
+            <a:endParaRPr dirty="0">
               <a:solidFill>
                 <a:schemeClr val="dk1"/>
               </a:solidFill>
@@ -10240,7 +10471,7 @@
             </a:endParaRPr>
           </a:p>
           <a:p>
-            <a:pPr indent="-281177" lvl="1" marL="770636" rtl="0" algn="l">
+            <a:pPr marL="770636" lvl="1" indent="-281177" algn="l" rtl="0">
               <a:lnSpc>
                 <a:spcPct val="115000"/>
               </a:lnSpc>
@@ -10258,7 +10489,7 @@
               <a:buChar char="●"/>
             </a:pPr>
             <a:r>
-              <a:rPr lang="en-US" sz="1476">
+              <a:rPr lang="en-US" sz="1476" dirty="0" err="1">
                 <a:solidFill>
                   <a:schemeClr val="dk1"/>
                 </a:solidFill>
@@ -10269,7 +10500,7 @@
               </a:rPr>
               <a:t>PyViz</a:t>
             </a:r>
-            <a:endParaRPr>
+            <a:endParaRPr dirty="0">
               <a:solidFill>
                 <a:schemeClr val="dk1"/>
               </a:solidFill>
@@ -10280,7 +10511,7 @@
             </a:endParaRPr>
           </a:p>
           <a:p>
-            <a:pPr indent="-281177" lvl="1" marL="770636" rtl="0" algn="l">
+            <a:pPr marL="770636" lvl="1" indent="-281177" algn="l" rtl="0">
               <a:lnSpc>
                 <a:spcPct val="115000"/>
               </a:lnSpc>
@@ -10298,7 +10529,7 @@
               <a:buChar char="●"/>
             </a:pPr>
             <a:r>
-              <a:rPr lang="en-US" sz="1476">
+              <a:rPr lang="en-US" sz="1476" dirty="0" err="1">
                 <a:solidFill>
                   <a:schemeClr val="dk1"/>
                 </a:solidFill>
@@ -10309,7 +10540,7 @@
               </a:rPr>
               <a:t>Plotlib</a:t>
             </a:r>
-            <a:endParaRPr>
+            <a:endParaRPr lang="en-US" sz="1476" dirty="0">
               <a:solidFill>
                 <a:schemeClr val="dk1"/>
               </a:solidFill>
@@ -10320,7 +10551,7 @@
             </a:endParaRPr>
           </a:p>
           <a:p>
-            <a:pPr indent="-281177" lvl="0" marL="374904" rtl="0" algn="l">
+            <a:pPr marL="770636" lvl="1" indent="-281177" algn="l" rtl="0">
               <a:lnSpc>
                 <a:spcPct val="115000"/>
               </a:lnSpc>
@@ -10338,7 +10569,7 @@
               <a:buChar char="●"/>
             </a:pPr>
             <a:r>
-              <a:rPr lang="en-US" sz="1476">
+              <a:rPr lang="en-US" dirty="0" err="1">
                 <a:solidFill>
                   <a:schemeClr val="dk1"/>
                 </a:solidFill>
@@ -10347,9 +10578,9 @@
                 <a:cs typeface="Arial"/>
                 <a:sym typeface="Arial"/>
               </a:rPr>
-              <a:t>Breakdown of tasks and roles</a:t>
+              <a:t>Plotly</a:t>
             </a:r>
-            <a:endParaRPr>
+            <a:endParaRPr dirty="0">
               <a:solidFill>
                 <a:schemeClr val="dk1"/>
               </a:solidFill>
@@ -10360,7 +10591,7 @@
             </a:endParaRPr>
           </a:p>
           <a:p>
-            <a:pPr indent="-281177" lvl="1" marL="770636" rtl="0" algn="l">
+            <a:pPr marL="374904" lvl="0" indent="-281177" algn="l" rtl="0">
               <a:lnSpc>
                 <a:spcPct val="115000"/>
               </a:lnSpc>
@@ -10378,7 +10609,7 @@
               <a:buChar char="●"/>
             </a:pPr>
             <a:r>
-              <a:rPr lang="en-US" sz="1476">
+              <a:rPr lang="en-US" sz="1476" dirty="0">
                 <a:solidFill>
                   <a:schemeClr val="dk1"/>
                 </a:solidFill>
@@ -10387,9 +10618,9 @@
                 <a:cs typeface="Arial"/>
                 <a:sym typeface="Arial"/>
               </a:rPr>
-              <a:t>Cassandra - research, concept development, delivering Pandas data </a:t>
+              <a:t>Breakdown of tasks and roles</a:t>
             </a:r>
-            <a:endParaRPr>
+            <a:endParaRPr dirty="0">
               <a:solidFill>
                 <a:schemeClr val="dk1"/>
               </a:solidFill>
@@ -10400,7 +10631,7 @@
             </a:endParaRPr>
           </a:p>
           <a:p>
-            <a:pPr indent="-281177" lvl="1" marL="770636" rtl="0" algn="l">
+            <a:pPr marL="770636" lvl="1" indent="-281177" algn="l" rtl="0">
               <a:lnSpc>
                 <a:spcPct val="115000"/>
               </a:lnSpc>
@@ -10418,7 +10649,7 @@
               <a:buChar char="●"/>
             </a:pPr>
             <a:r>
-              <a:rPr lang="en-US" sz="1476">
+              <a:rPr lang="en-US" sz="1476" dirty="0">
                 <a:solidFill>
                   <a:schemeClr val="dk1"/>
                 </a:solidFill>
@@ -10427,9 +10658,9 @@
                 <a:cs typeface="Arial"/>
                 <a:sym typeface="Arial"/>
               </a:rPr>
-              <a:t>Michael - research, concept development , delivering visual component using Pandas to reach an API </a:t>
+              <a:t>Cassandra - research, concept development, delivering Pandas data </a:t>
             </a:r>
-            <a:endParaRPr>
+            <a:endParaRPr dirty="0">
               <a:solidFill>
                 <a:schemeClr val="dk1"/>
               </a:solidFill>
@@ -10440,7 +10671,7 @@
             </a:endParaRPr>
           </a:p>
           <a:p>
-            <a:pPr indent="-281177" lvl="1" marL="770636" rtl="0" algn="l">
+            <a:pPr marL="770636" lvl="1" indent="-281177" algn="l" rtl="0">
               <a:lnSpc>
                 <a:spcPct val="115000"/>
               </a:lnSpc>
@@ -10458,7 +10689,7 @@
               <a:buChar char="●"/>
             </a:pPr>
             <a:r>
-              <a:rPr lang="en-US" sz="1476">
+              <a:rPr lang="en-US" sz="1476" dirty="0">
                 <a:solidFill>
                   <a:schemeClr val="dk1"/>
                 </a:solidFill>
@@ -10467,9 +10698,9 @@
                 <a:cs typeface="Arial"/>
                 <a:sym typeface="Arial"/>
               </a:rPr>
-              <a:t>Yulianna - research, concept development, presentation visualization</a:t>
+              <a:t>Michael - research, concept development , delivering visual component using Pandas to reach an API </a:t>
             </a:r>
-            <a:endParaRPr>
+            <a:endParaRPr dirty="0">
               <a:solidFill>
                 <a:schemeClr val="dk1"/>
               </a:solidFill>
@@ -10480,7 +10711,7 @@
             </a:endParaRPr>
           </a:p>
           <a:p>
-            <a:pPr indent="-281177" lvl="1" marL="770636" rtl="0" algn="l">
+            <a:pPr marL="770636" lvl="1" indent="-281177" algn="l" rtl="0">
               <a:lnSpc>
                 <a:spcPct val="115000"/>
               </a:lnSpc>
@@ -10498,7 +10729,7 @@
               <a:buChar char="●"/>
             </a:pPr>
             <a:r>
-              <a:rPr lang="en-US" sz="1476">
+              <a:rPr lang="en-US" sz="1476" dirty="0" err="1">
                 <a:solidFill>
                   <a:schemeClr val="dk1"/>
                 </a:solidFill>
@@ -10507,9 +10738,21 @@
                 <a:cs typeface="Arial"/>
                 <a:sym typeface="Arial"/>
               </a:rPr>
-              <a:t>Henry - research, concept development, information gathering </a:t>
+              <a:t>Yulianna</a:t>
             </a:r>
-            <a:endParaRPr>
+            <a:r>
+              <a:rPr lang="en-US" sz="1476" dirty="0">
+                <a:solidFill>
+                  <a:schemeClr val="dk1"/>
+                </a:solidFill>
+                <a:latin typeface="Arial"/>
+                <a:ea typeface="Arial"/>
+                <a:cs typeface="Arial"/>
+                <a:sym typeface="Arial"/>
+              </a:rPr>
+              <a:t> - research, concept development, presentation visualization</a:t>
+            </a:r>
+            <a:endParaRPr dirty="0">
               <a:solidFill>
                 <a:schemeClr val="dk1"/>
               </a:solidFill>
@@ -10520,7 +10763,7 @@
             </a:endParaRPr>
           </a:p>
           <a:p>
-            <a:pPr indent="-192277" lvl="1" marL="770636" rtl="0" algn="l">
+            <a:pPr marL="770636" lvl="1" indent="-281177" algn="l" rtl="0">
               <a:lnSpc>
                 <a:spcPct val="115000"/>
               </a:lnSpc>
@@ -10530,13 +10773,26 @@
               <a:spcAft>
                 <a:spcPts val="0"/>
               </a:spcAft>
+              <a:buClr>
+                <a:schemeClr val="dk1"/>
+              </a:buClr>
               <a:buSzPts val="1400"/>
-              <a:buNone/>
+              <a:buFont typeface="Arial"/>
+              <a:buChar char="●"/>
             </a:pPr>
             <a:r>
-              <a:t/>
+              <a:rPr lang="en-US" sz="1476" dirty="0">
+                <a:solidFill>
+                  <a:schemeClr val="dk1"/>
+                </a:solidFill>
+                <a:latin typeface="Arial"/>
+                <a:ea typeface="Arial"/>
+                <a:cs typeface="Arial"/>
+                <a:sym typeface="Arial"/>
+              </a:rPr>
+              <a:t>Henry - research, concept development, information gathering </a:t>
             </a:r>
-            <a:endParaRPr sz="1476">
+            <a:endParaRPr dirty="0">
               <a:solidFill>
                 <a:schemeClr val="dk1"/>
               </a:solidFill>
@@ -10547,7 +10803,7 @@
             </a:endParaRPr>
           </a:p>
           <a:p>
-            <a:pPr indent="-281177" lvl="0" marL="374904" rtl="0" algn="l">
+            <a:pPr marL="770636" lvl="1" indent="-192277" algn="l" rtl="0">
               <a:lnSpc>
                 <a:spcPct val="115000"/>
               </a:lnSpc>
@@ -10557,26 +10813,10 @@
               <a:spcAft>
                 <a:spcPts val="0"/>
               </a:spcAft>
-              <a:buClr>
-                <a:schemeClr val="dk1"/>
-              </a:buClr>
               <a:buSzPts val="1400"/>
-              <a:buFont typeface="Arial"/>
-              <a:buChar char="●"/>
+              <a:buNone/>
             </a:pPr>
-            <a:r>
-              <a:rPr lang="en-US" sz="1476">
-                <a:solidFill>
-                  <a:schemeClr val="dk1"/>
-                </a:solidFill>
-                <a:latin typeface="Arial"/>
-                <a:ea typeface="Arial"/>
-                <a:cs typeface="Arial"/>
-                <a:sym typeface="Arial"/>
-              </a:rPr>
-              <a:t>Challenges - data preparation for the plot visualization and Pandas data frame </a:t>
-            </a:r>
-            <a:endParaRPr>
+            <a:endParaRPr sz="1476" dirty="0">
               <a:solidFill>
                 <a:schemeClr val="dk1"/>
               </a:solidFill>
@@ -10587,7 +10827,7 @@
             </a:endParaRPr>
           </a:p>
           <a:p>
-            <a:pPr indent="-281177" lvl="0" marL="374904" rtl="0" algn="l">
+            <a:pPr marL="374904" lvl="0" indent="-281177" algn="l" rtl="0">
               <a:lnSpc>
                 <a:spcPct val="115000"/>
               </a:lnSpc>
@@ -10605,7 +10845,47 @@
               <a:buChar char="●"/>
             </a:pPr>
             <a:r>
-              <a:rPr lang="en-US" sz="1476">
+              <a:rPr lang="en-US" sz="1476" dirty="0">
+                <a:solidFill>
+                  <a:schemeClr val="dk1"/>
+                </a:solidFill>
+                <a:latin typeface="Arial"/>
+                <a:ea typeface="Arial"/>
+                <a:cs typeface="Arial"/>
+                <a:sym typeface="Arial"/>
+              </a:rPr>
+              <a:t>Challenges - data preparation for the plot visualization and Pandas data frame </a:t>
+            </a:r>
+            <a:endParaRPr dirty="0">
+              <a:solidFill>
+                <a:schemeClr val="dk1"/>
+              </a:solidFill>
+              <a:latin typeface="Arial"/>
+              <a:ea typeface="Arial"/>
+              <a:cs typeface="Arial"/>
+              <a:sym typeface="Arial"/>
+            </a:endParaRPr>
+          </a:p>
+          <a:p>
+            <a:pPr marL="374904" lvl="0" indent="-281177" algn="l" rtl="0">
+              <a:lnSpc>
+                <a:spcPct val="115000"/>
+              </a:lnSpc>
+              <a:spcBef>
+                <a:spcPts val="0"/>
+              </a:spcBef>
+              <a:spcAft>
+                <a:spcPts val="0"/>
+              </a:spcAft>
+              <a:buClr>
+                <a:schemeClr val="dk1"/>
+              </a:buClr>
+              <a:buSzPts val="1400"/>
+              <a:buFont typeface="Arial"/>
+              <a:buChar char="●"/>
+            </a:pPr>
+            <a:r>
+              <a:rPr lang="en-US" sz="1476" dirty="0">
                 <a:solidFill>
                   <a:schemeClr val="dk1"/>
                 </a:solidFill>
@@ -10616,7 +10896,7 @@
               </a:rPr>
               <a:t>Successes - selection from several graph options to provide accurate visualization </a:t>
             </a:r>
-            <a:endParaRPr>
+            <a:endParaRPr dirty="0">
               <a:solidFill>
                 <a:schemeClr val="dk1"/>
               </a:solidFill>
@@ -10637,88 +10917,11 @@
 </file>
 
 <file path=ppt/slides/slide6.xml><?xml version="1.0" encoding="utf-8"?>
-<p:sld xmlns:a="http://schemas.openxmlformats.org/drawingml/2006/main" xmlns:r="http://schemas.openxmlformats.org/officeDocument/2006/relationships" xmlns:mc="http://schemas.openxmlformats.org/markup-compatibility/2006" xmlns:mv="urn:schemas-microsoft-com:mac:vml" xmlns:p="http://schemas.openxmlformats.org/presentationml/2006/main" xmlns:c="http://schemas.openxmlformats.org/drawingml/2006/chart" xmlns:dgm="http://schemas.openxmlformats.org/drawingml/2006/diagram" xmlns:o="urn:schemas-microsoft-com:office:office" xmlns:v="urn:schemas-microsoft-com:vml" xmlns:pvml="urn:schemas-microsoft-com:office:powerpoint" xmlns:com="http://schemas.openxmlformats.org/drawingml/2006/compatibility" xmlns:p14="http://schemas.microsoft.com/office/powerpoint/2010/main" xmlns:p15="http://schemas.microsoft.com/office/powerpoint/2012/main" xmlns:ahyp="http://schemas.microsoft.com/office/drawing/2018/hyperlinkcolor">
+<p:sld xmlns:a="http://schemas.openxmlformats.org/drawingml/2006/main" xmlns:r="http://schemas.openxmlformats.org/officeDocument/2006/relationships" xmlns:p="http://schemas.openxmlformats.org/presentationml/2006/main">
   <p:cSld>
     <p:spTree>
       <p:nvGrpSpPr>
-        <p:cNvPr id="100" name="Shape 100"/>
-        <p:cNvGrpSpPr/>
-        <p:nvPr/>
-      </p:nvGrpSpPr>
-      <p:grpSpPr>
-        <a:xfrm>
-          <a:off x="0" y="0"/>
-          <a:ext cx="0" cy="0"/>
-          <a:chOff x="0" y="0"/>
-          <a:chExt cx="0" cy="0"/>
-        </a:xfrm>
-      </p:grpSpPr>
-      <p:sp>
-        <p:nvSpPr>
-          <p:cNvPr id="101" name="Google Shape;101;p21"/>
-          <p:cNvSpPr txBox="1"/>
-          <p:nvPr>
-            <p:ph type="title"/>
-          </p:nvPr>
-        </p:nvSpPr>
-        <p:spPr>
-          <a:xfrm>
-            <a:off x="311699" y="2150849"/>
-            <a:ext cx="8520602" cy="841801"/>
-          </a:xfrm>
-          <a:prstGeom prst="rect">
-            <a:avLst/>
-          </a:prstGeom>
-          <a:noFill/>
-          <a:ln>
-            <a:noFill/>
-          </a:ln>
-        </p:spPr>
-        <p:txBody>
-          <a:bodyPr anchorCtr="0" anchor="ctr" bIns="91400" lIns="91400" spcFirstLastPara="1" rIns="91400" wrap="square" tIns="91400">
-            <a:normAutofit/>
-          </a:bodyPr>
-          <a:lstStyle/>
-          <a:p>
-            <a:pPr indent="0" lvl="0" marL="0" rtl="0" algn="ctr">
-              <a:lnSpc>
-                <a:spcPct val="100000"/>
-              </a:lnSpc>
-              <a:spcBef>
-                <a:spcPts val="0"/>
-              </a:spcBef>
-              <a:spcAft>
-                <a:spcPts val="0"/>
-              </a:spcAft>
-              <a:buClr>
-                <a:srgbClr val="000000"/>
-              </a:buClr>
-              <a:buSzPts val="3600"/>
-              <a:buFont typeface="Arial"/>
-              <a:buNone/>
-            </a:pPr>
-            <a:r>
-              <a:rPr lang="en-US" sz="3600"/>
-              <a:t>Demo</a:t>
-            </a:r>
-            <a:endParaRPr/>
-          </a:p>
-        </p:txBody>
-      </p:sp>
-    </p:spTree>
-  </p:cSld>
-  <p:clrMapOvr>
-    <a:masterClrMapping/>
-  </p:clrMapOvr>
-</p:sld>
-</file>
-
-<file path=ppt/slides/slide7.xml><?xml version="1.0" encoding="utf-8"?>
-<p:sld xmlns:a="http://schemas.openxmlformats.org/drawingml/2006/main" xmlns:r="http://schemas.openxmlformats.org/officeDocument/2006/relationships" xmlns:mc="http://schemas.openxmlformats.org/markup-compatibility/2006" xmlns:mv="urn:schemas-microsoft-com:mac:vml" xmlns:p="http://schemas.openxmlformats.org/presentationml/2006/main" xmlns:c="http://schemas.openxmlformats.org/drawingml/2006/chart" xmlns:dgm="http://schemas.openxmlformats.org/drawingml/2006/diagram" xmlns:o="urn:schemas-microsoft-com:office:office" xmlns:v="urn:schemas-microsoft-com:vml" xmlns:pvml="urn:schemas-microsoft-com:office:powerpoint" xmlns:com="http://schemas.openxmlformats.org/drawingml/2006/compatibility" xmlns:p14="http://schemas.microsoft.com/office/powerpoint/2010/main" xmlns:p15="http://schemas.microsoft.com/office/powerpoint/2012/main" xmlns:ahyp="http://schemas.microsoft.com/office/drawing/2018/hyperlinkcolor">
-  <p:cSld>
-    <p:spTree>
-      <p:nvGrpSpPr>
-        <p:cNvPr id="105" name="Shape 105"/>
+        <p:cNvPr id="1" name="Shape 105"/>
         <p:cNvGrpSpPr/>
         <p:nvPr/>
       </p:nvGrpSpPr>
@@ -10733,7 +10936,9 @@
       <p:sp>
         <p:nvSpPr>
           <p:cNvPr id="106" name="Google Shape;106;p22"/>
-          <p:cNvSpPr txBox="1"/>
+          <p:cNvSpPr txBox="1">
+            <a:spLocks noGrp="1"/>
+          </p:cNvSpPr>
           <p:nvPr>
             <p:ph type="title"/>
           </p:nvPr>
@@ -10752,12 +10957,12 @@
           </a:ln>
         </p:spPr>
         <p:txBody>
-          <a:bodyPr anchorCtr="0" anchor="t" bIns="91400" lIns="91400" spcFirstLastPara="1" rIns="91400" wrap="square" tIns="91400">
+          <a:bodyPr spcFirstLastPara="1" wrap="square" lIns="91400" tIns="91400" rIns="91400" bIns="91400" anchor="t" anchorCtr="0">
             <a:noAutofit/>
           </a:bodyPr>
           <a:lstStyle/>
           <a:p>
-            <a:pPr indent="0" lvl="0" marL="0" marR="0" rtl="0" algn="l">
+            <a:pPr marL="0" marR="0" lvl="0" indent="0" algn="l" rtl="0">
               <a:lnSpc>
                 <a:spcPct val="100000"/>
               </a:lnSpc>
@@ -10785,9 +10990,11 @@
       <p:sp>
         <p:nvSpPr>
           <p:cNvPr id="107" name="Google Shape;107;p22"/>
-          <p:cNvSpPr txBox="1"/>
+          <p:cNvSpPr txBox="1">
+            <a:spLocks noGrp="1"/>
+          </p:cNvSpPr>
           <p:nvPr>
-            <p:ph idx="1" type="body"/>
+            <p:ph type="body" idx="1"/>
           </p:nvPr>
         </p:nvSpPr>
         <p:spPr>
@@ -10804,12 +11011,12 @@
           </a:ln>
         </p:spPr>
         <p:txBody>
-          <a:bodyPr anchorCtr="0" anchor="t" bIns="91400" lIns="91400" spcFirstLastPara="1" rIns="91400" wrap="square" tIns="91400">
+          <a:bodyPr spcFirstLastPara="1" wrap="square" lIns="91400" tIns="91400" rIns="91400" bIns="91400" anchor="t" anchorCtr="0">
             <a:normAutofit/>
           </a:bodyPr>
           <a:lstStyle/>
           <a:p>
-            <a:pPr indent="-387350" lvl="0" marL="457200" rtl="0" algn="l">
+            <a:pPr marL="457200" lvl="0" indent="-387350" algn="l" rtl="0">
               <a:spcBef>
                 <a:spcPts val="0"/>
               </a:spcBef>
@@ -10824,7 +11031,7 @@
               <a:buChar char="●"/>
             </a:pPr>
             <a:r>
-              <a:rPr lang="en-US" sz="2500">
+              <a:rPr lang="en-US" sz="2500" dirty="0">
                 <a:solidFill>
                   <a:schemeClr val="dk1"/>
                 </a:solidFill>
@@ -10833,33 +11040,9 @@
                 <a:cs typeface="Arial"/>
                 <a:sym typeface="Arial"/>
               </a:rPr>
-              <a:t>Demonstrate getting interest rates from </a:t>
+              <a:t>Demonstrate getting interest rates from treasury API without CSV file </a:t>
             </a:r>
-            <a:r>
-              <a:rPr lang="en-US" sz="2500">
-                <a:solidFill>
-                  <a:schemeClr val="dk1"/>
-                </a:solidFill>
-                <a:latin typeface="Arial"/>
-                <a:ea typeface="Arial"/>
-                <a:cs typeface="Arial"/>
-                <a:sym typeface="Arial"/>
-              </a:rPr>
-              <a:t>treasury</a:t>
-            </a:r>
-            <a:r>
-              <a:rPr lang="en-US" sz="2500">
-                <a:solidFill>
-                  <a:schemeClr val="dk1"/>
-                </a:solidFill>
-                <a:latin typeface="Arial"/>
-                <a:ea typeface="Arial"/>
-                <a:cs typeface="Arial"/>
-                <a:sym typeface="Arial"/>
-              </a:rPr>
-              <a:t> API without CSV file </a:t>
-            </a:r>
-            <a:endParaRPr sz="2500">
+            <a:endParaRPr sz="2500" dirty="0">
               <a:solidFill>
                 <a:schemeClr val="dk1"/>
               </a:solidFill>
@@ -10870,7 +11053,7 @@
             </a:endParaRPr>
           </a:p>
           <a:p>
-            <a:pPr indent="-387350" lvl="0" marL="457200" rtl="0" algn="l">
+            <a:pPr marL="457200" lvl="0" indent="-387350" algn="l" rtl="0">
               <a:lnSpc>
                 <a:spcPct val="115000"/>
               </a:lnSpc>
@@ -10887,7 +11070,7 @@
               <a:buChar char="●"/>
             </a:pPr>
             <a:r>
-              <a:rPr lang="en-US" sz="2500">
+              <a:rPr lang="en-US" sz="2500" dirty="0">
                 <a:solidFill>
                   <a:schemeClr val="dk1"/>
                 </a:solidFill>
@@ -10896,57 +11079,9 @@
                 <a:cs typeface="Arial"/>
                 <a:sym typeface="Arial"/>
               </a:rPr>
-              <a:t>Use the financial modeling API to get </a:t>
+              <a:t>Use the financial modeling API to get recession percentages </a:t>
             </a:r>
-            <a:r>
-              <a:rPr lang="en-US" sz="2500">
-                <a:solidFill>
-                  <a:schemeClr val="dk1"/>
-                </a:solidFill>
-                <a:latin typeface="Arial"/>
-                <a:ea typeface="Arial"/>
-                <a:cs typeface="Arial"/>
-                <a:sym typeface="Arial"/>
-              </a:rPr>
-              <a:t>recession</a:t>
-            </a:r>
-            <a:r>
-              <a:rPr lang="en-US" sz="2500">
-                <a:solidFill>
-                  <a:schemeClr val="dk1"/>
-                </a:solidFill>
-                <a:latin typeface="Arial"/>
-                <a:ea typeface="Arial"/>
-                <a:cs typeface="Arial"/>
-                <a:sym typeface="Arial"/>
-              </a:rPr>
-              <a:t> </a:t>
-            </a:r>
-            <a:r>
-              <a:rPr lang="en-US" sz="2500">
-                <a:solidFill>
-                  <a:schemeClr val="dk1"/>
-                </a:solidFill>
-                <a:latin typeface="Arial"/>
-                <a:ea typeface="Arial"/>
-                <a:cs typeface="Arial"/>
-                <a:sym typeface="Arial"/>
-              </a:rPr>
-              <a:t>percentages</a:t>
-            </a:r>
-            <a:r>
-              <a:rPr lang="en-US" sz="2500">
-                <a:solidFill>
-                  <a:schemeClr val="dk1"/>
-                </a:solidFill>
-                <a:latin typeface="Arial"/>
-                <a:ea typeface="Arial"/>
-                <a:cs typeface="Arial"/>
-                <a:sym typeface="Arial"/>
-              </a:rPr>
-              <a:t> </a:t>
-            </a:r>
-            <a:endParaRPr sz="2500">
+            <a:endParaRPr sz="2500" dirty="0">
               <a:solidFill>
                 <a:schemeClr val="dk1"/>
               </a:solidFill>
@@ -10957,7 +11092,7 @@
             </a:endParaRPr>
           </a:p>
           <a:p>
-            <a:pPr indent="-387350" lvl="0" marL="457200" rtl="0" algn="l">
+            <a:pPr marL="457200" lvl="0" indent="-387350" algn="l" rtl="0">
               <a:lnSpc>
                 <a:spcPct val="115000"/>
               </a:lnSpc>
@@ -10975,7 +11110,7 @@
               <a:buChar char="●"/>
             </a:pPr>
             <a:r>
-              <a:rPr lang="en-US" sz="2500">
+              <a:rPr lang="en-US" sz="2500" dirty="0">
                 <a:solidFill>
                   <a:schemeClr val="dk1"/>
                 </a:solidFill>
@@ -10984,33 +11119,9 @@
                 <a:cs typeface="Arial"/>
                 <a:sym typeface="Arial"/>
               </a:rPr>
-              <a:t>Create a graph that merges the interest rates and </a:t>
+              <a:t>Create a graph that merges the interest rates and recession percentages </a:t>
             </a:r>
-            <a:r>
-              <a:rPr lang="en-US" sz="2500">
-                <a:solidFill>
-                  <a:schemeClr val="dk1"/>
-                </a:solidFill>
-                <a:latin typeface="Arial"/>
-                <a:ea typeface="Arial"/>
-                <a:cs typeface="Arial"/>
-                <a:sym typeface="Arial"/>
-              </a:rPr>
-              <a:t>recession</a:t>
-            </a:r>
-            <a:r>
-              <a:rPr lang="en-US" sz="2500">
-                <a:solidFill>
-                  <a:schemeClr val="dk1"/>
-                </a:solidFill>
-                <a:latin typeface="Arial"/>
-                <a:ea typeface="Arial"/>
-                <a:cs typeface="Arial"/>
-                <a:sym typeface="Arial"/>
-              </a:rPr>
-              <a:t> percentages </a:t>
-            </a:r>
-            <a:endParaRPr sz="2500">
+            <a:endParaRPr sz="2500" dirty="0">
               <a:solidFill>
                 <a:schemeClr val="dk1"/>
               </a:solidFill>
@@ -11021,7 +11132,7 @@
             </a:endParaRPr>
           </a:p>
           <a:p>
-            <a:pPr indent="0" lvl="0" marL="0" rtl="0" algn="l">
+            <a:pPr marL="0" lvl="0" indent="0" algn="l" rtl="0">
               <a:lnSpc>
                 <a:spcPct val="115000"/>
               </a:lnSpc>
@@ -11033,10 +11144,7 @@
               </a:spcAft>
               <a:buNone/>
             </a:pPr>
-            <a:r>
-              <a:t/>
-            </a:r>
-            <a:endParaRPr>
+            <a:endParaRPr dirty="0">
               <a:solidFill>
                 <a:schemeClr val="dk1"/>
               </a:solidFill>
@@ -11056,12 +11164,91 @@
 </p:sld>
 </file>
 
-<file path=ppt/slides/slide8.xml><?xml version="1.0" encoding="utf-8"?>
-<p:sld xmlns:a="http://schemas.openxmlformats.org/drawingml/2006/main" xmlns:r="http://schemas.openxmlformats.org/officeDocument/2006/relationships" xmlns:mc="http://schemas.openxmlformats.org/markup-compatibility/2006" xmlns:mv="urn:schemas-microsoft-com:mac:vml" xmlns:p="http://schemas.openxmlformats.org/presentationml/2006/main" xmlns:c="http://schemas.openxmlformats.org/drawingml/2006/chart" xmlns:dgm="http://schemas.openxmlformats.org/drawingml/2006/diagram" xmlns:o="urn:schemas-microsoft-com:office:office" xmlns:v="urn:schemas-microsoft-com:vml" xmlns:pvml="urn:schemas-microsoft-com:office:powerpoint" xmlns:com="http://schemas.openxmlformats.org/drawingml/2006/compatibility" xmlns:p14="http://schemas.microsoft.com/office/powerpoint/2010/main" xmlns:p15="http://schemas.microsoft.com/office/powerpoint/2012/main" xmlns:ahyp="http://schemas.microsoft.com/office/drawing/2018/hyperlinkcolor">
+<file path=ppt/slides/slide7.xml><?xml version="1.0" encoding="utf-8"?>
+<p:sld xmlns:a="http://schemas.openxmlformats.org/drawingml/2006/main" xmlns:r="http://schemas.openxmlformats.org/officeDocument/2006/relationships" xmlns:p="http://schemas.openxmlformats.org/presentationml/2006/main">
   <p:cSld>
     <p:spTree>
       <p:nvGrpSpPr>
-        <p:cNvPr id="111" name="Shape 111"/>
+        <p:cNvPr id="1" name="Shape 100"/>
+        <p:cNvGrpSpPr/>
+        <p:nvPr/>
+      </p:nvGrpSpPr>
+      <p:grpSpPr>
+        <a:xfrm>
+          <a:off x="0" y="0"/>
+          <a:ext cx="0" cy="0"/>
+          <a:chOff x="0" y="0"/>
+          <a:chExt cx="0" cy="0"/>
+        </a:xfrm>
+      </p:grpSpPr>
+      <p:sp>
+        <p:nvSpPr>
+          <p:cNvPr id="101" name="Google Shape;101;p21"/>
+          <p:cNvSpPr txBox="1">
+            <a:spLocks noGrp="1"/>
+          </p:cNvSpPr>
+          <p:nvPr>
+            <p:ph type="title"/>
+          </p:nvPr>
+        </p:nvSpPr>
+        <p:spPr>
+          <a:xfrm>
+            <a:off x="311699" y="2150849"/>
+            <a:ext cx="8520602" cy="841801"/>
+          </a:xfrm>
+          <a:prstGeom prst="rect">
+            <a:avLst/>
+          </a:prstGeom>
+          <a:noFill/>
+          <a:ln>
+            <a:noFill/>
+          </a:ln>
+        </p:spPr>
+        <p:txBody>
+          <a:bodyPr spcFirstLastPara="1" wrap="square" lIns="91400" tIns="91400" rIns="91400" bIns="91400" anchor="ctr" anchorCtr="0">
+            <a:normAutofit/>
+          </a:bodyPr>
+          <a:lstStyle/>
+          <a:p>
+            <a:pPr marL="0" lvl="0" indent="0" algn="ctr" rtl="0">
+              <a:lnSpc>
+                <a:spcPct val="100000"/>
+              </a:lnSpc>
+              <a:spcBef>
+                <a:spcPts val="0"/>
+              </a:spcBef>
+              <a:spcAft>
+                <a:spcPts val="0"/>
+              </a:spcAft>
+              <a:buClr>
+                <a:srgbClr val="000000"/>
+              </a:buClr>
+              <a:buSzPts val="3600"/>
+              <a:buFont typeface="Arial"/>
+              <a:buNone/>
+            </a:pPr>
+            <a:r>
+              <a:rPr lang="en-US" sz="3600"/>
+              <a:t>Demo</a:t>
+            </a:r>
+            <a:endParaRPr/>
+          </a:p>
+        </p:txBody>
+      </p:sp>
+    </p:spTree>
+  </p:cSld>
+  <p:clrMapOvr>
+    <a:masterClrMapping/>
+  </p:clrMapOvr>
+</p:sld>
+</file>
+
+<file path=ppt/slides/slide8.xml><?xml version="1.0" encoding="utf-8"?>
+<p:sld xmlns:a="http://schemas.openxmlformats.org/drawingml/2006/main" xmlns:r="http://schemas.openxmlformats.org/officeDocument/2006/relationships" xmlns:p="http://schemas.openxmlformats.org/presentationml/2006/main">
+  <p:cSld>
+    <p:spTree>
+      <p:nvGrpSpPr>
+        <p:cNvPr id="1" name="Shape 111"/>
         <p:cNvGrpSpPr/>
         <p:nvPr/>
       </p:nvGrpSpPr>
@@ -11076,7 +11263,9 @@
       <p:sp>
         <p:nvSpPr>
           <p:cNvPr id="112" name="Google Shape;112;p23"/>
-          <p:cNvSpPr txBox="1"/>
+          <p:cNvSpPr txBox="1">
+            <a:spLocks noGrp="1"/>
+          </p:cNvSpPr>
           <p:nvPr>
             <p:ph type="title"/>
           </p:nvPr>
@@ -11095,12 +11284,12 @@
           </a:ln>
         </p:spPr>
         <p:txBody>
-          <a:bodyPr anchorCtr="0" anchor="ctr" bIns="91400" lIns="91400" spcFirstLastPara="1" rIns="91400" wrap="square" tIns="91400">
+          <a:bodyPr spcFirstLastPara="1" wrap="square" lIns="91400" tIns="91400" rIns="91400" bIns="91400" anchor="ctr" anchorCtr="0">
             <a:normAutofit/>
           </a:bodyPr>
           <a:lstStyle/>
           <a:p>
-            <a:pPr indent="0" lvl="0" marL="0" rtl="0" algn="ctr">
+            <a:pPr marL="0" lvl="0" indent="0" algn="ctr" rtl="0">
               <a:lnSpc>
                 <a:spcPct val="100000"/>
               </a:lnSpc>
@@ -11162,11 +11351,11 @@
 </file>
 
 <file path=ppt/slides/slide9.xml><?xml version="1.0" encoding="utf-8"?>
-<p:sld xmlns:a="http://schemas.openxmlformats.org/drawingml/2006/main" xmlns:r="http://schemas.openxmlformats.org/officeDocument/2006/relationships" xmlns:mc="http://schemas.openxmlformats.org/markup-compatibility/2006" xmlns:mv="urn:schemas-microsoft-com:mac:vml" xmlns:p="http://schemas.openxmlformats.org/presentationml/2006/main" xmlns:c="http://schemas.openxmlformats.org/drawingml/2006/chart" xmlns:dgm="http://schemas.openxmlformats.org/drawingml/2006/diagram" xmlns:o="urn:schemas-microsoft-com:office:office" xmlns:v="urn:schemas-microsoft-com:vml" xmlns:pvml="urn:schemas-microsoft-com:office:powerpoint" xmlns:com="http://schemas.openxmlformats.org/drawingml/2006/compatibility" xmlns:p14="http://schemas.microsoft.com/office/powerpoint/2010/main" xmlns:p15="http://schemas.microsoft.com/office/powerpoint/2012/main" xmlns:ahyp="http://schemas.microsoft.com/office/drawing/2018/hyperlinkcolor">
+<p:sld xmlns:a="http://schemas.openxmlformats.org/drawingml/2006/main" xmlns:r="http://schemas.openxmlformats.org/officeDocument/2006/relationships" xmlns:p="http://schemas.openxmlformats.org/presentationml/2006/main">
   <p:cSld>
     <p:spTree>
       <p:nvGrpSpPr>
-        <p:cNvPr id="117" name="Shape 117"/>
+        <p:cNvPr id="1" name="Shape 117"/>
         <p:cNvGrpSpPr/>
         <p:nvPr/>
       </p:nvGrpSpPr>
@@ -11181,7 +11370,9 @@
       <p:sp>
         <p:nvSpPr>
           <p:cNvPr id="118" name="Google Shape;118;p24"/>
-          <p:cNvSpPr txBox="1"/>
+          <p:cNvSpPr txBox="1">
+            <a:spLocks noGrp="1"/>
+          </p:cNvSpPr>
           <p:nvPr>
             <p:ph type="title"/>
           </p:nvPr>
@@ -11200,12 +11391,12 @@
           </a:ln>
         </p:spPr>
         <p:txBody>
-          <a:bodyPr anchorCtr="0" anchor="t" bIns="91400" lIns="91400" spcFirstLastPara="1" rIns="91400" wrap="square" tIns="91400">
+          <a:bodyPr spcFirstLastPara="1" wrap="square" lIns="91400" tIns="91400" rIns="91400" bIns="91400" anchor="t" anchorCtr="0">
             <a:normAutofit fontScale="90000"/>
           </a:bodyPr>
           <a:lstStyle/>
           <a:p>
-            <a:pPr indent="0" lvl="0" marL="0" marR="0" rtl="0" algn="l">
+            <a:pPr marL="0" marR="0" lvl="0" indent="0" algn="l" rtl="0">
               <a:lnSpc>
                 <a:spcPct val="100000"/>
               </a:lnSpc>
@@ -11233,9 +11424,11 @@
       <p:sp>
         <p:nvSpPr>
           <p:cNvPr id="119" name="Google Shape;119;p24"/>
-          <p:cNvSpPr txBox="1"/>
+          <p:cNvSpPr txBox="1">
+            <a:spLocks noGrp="1"/>
+          </p:cNvSpPr>
           <p:nvPr>
-            <p:ph idx="1" type="body"/>
+            <p:ph type="body" idx="1"/>
           </p:nvPr>
         </p:nvSpPr>
         <p:spPr>
@@ -11252,12 +11445,12 @@
           </a:ln>
         </p:spPr>
         <p:txBody>
-          <a:bodyPr anchorCtr="0" anchor="t" bIns="91400" lIns="91400" spcFirstLastPara="1" rIns="91400" wrap="square" tIns="91400">
+          <a:bodyPr spcFirstLastPara="1" wrap="square" lIns="91400" tIns="91400" rIns="91400" bIns="91400" anchor="t" anchorCtr="0">
             <a:normAutofit/>
           </a:bodyPr>
           <a:lstStyle/>
           <a:p>
-            <a:pPr indent="-342900" lvl="0" marL="457200" rtl="0" algn="l">
+            <a:pPr marL="457200" lvl="0" indent="-342900" algn="l" rtl="0">
               <a:lnSpc>
                 <a:spcPct val="115000"/>
               </a:lnSpc>
@@ -11292,7 +11485,7 @@
             </a:endParaRPr>
           </a:p>
           <a:p>
-            <a:pPr indent="-342900" lvl="0" marL="457200" rtl="0" algn="l">
+            <a:pPr marL="457200" lvl="0" indent="-342900" algn="l" rtl="0">
               <a:lnSpc>
                 <a:spcPct val="115000"/>
               </a:lnSpc>
@@ -11327,7 +11520,7 @@
             </a:endParaRPr>
           </a:p>
           <a:p>
-            <a:pPr indent="0" lvl="0" marL="457200" rtl="0" algn="l">
+            <a:pPr marL="457200" lvl="0" indent="0" algn="l" rtl="0">
               <a:lnSpc>
                 <a:spcPct val="115000"/>
               </a:lnSpc>
@@ -11339,9 +11532,6 @@
               </a:spcAft>
               <a:buNone/>
             </a:pPr>
-            <a:r>
-              <a:t/>
-            </a:r>
             <a:endParaRPr/>
           </a:p>
         </p:txBody>
@@ -11355,7 +11545,7 @@
 </file>
 
 <file path=ppt/theme/theme1.xml><?xml version="1.0" encoding="utf-8"?>
-<a:theme xmlns:a="http://schemas.openxmlformats.org/drawingml/2006/main" xmlns:r="http://schemas.openxmlformats.org/officeDocument/2006/relationships" name="Slate">
+<a:theme xmlns:a="http://schemas.openxmlformats.org/drawingml/2006/main" name="Slate">
   <a:themeElements>
     <a:clrScheme name="Slate">
       <a:dk1>
@@ -11630,11 +11820,13 @@
       </a:bgFillStyleLst>
     </a:fmtScheme>
   </a:themeElements>
+  <a:objectDefaults/>
+  <a:extraClrSchemeLst/>
 </a:theme>
 </file>
 
 <file path=ppt/theme/theme2.xml><?xml version="1.0" encoding="utf-8"?>
-<a:theme xmlns:a="http://schemas.openxmlformats.org/drawingml/2006/main" xmlns:r="http://schemas.openxmlformats.org/officeDocument/2006/relationships" name="Simple Light">
+<a:theme xmlns:a="http://schemas.openxmlformats.org/drawingml/2006/main" name="Simple Light">
   <a:themeElements>
     <a:clrScheme name="Simple Light">
       <a:dk1>
@@ -11909,5 +12101,7 @@
       </a:bgFillStyleLst>
     </a:fmtScheme>
   </a:themeElements>
+  <a:objectDefaults/>
+  <a:extraClrSchemeLst/>
 </a:theme>
 </file>